--- a/doc/Vehicles_VS_Humans.pptx
+++ b/doc/Vehicles_VS_Humans.pptx
@@ -11,10 +11,14 @@
     <p:sldId id="259" r:id="rId5"/>
     <p:sldId id="262" r:id="rId6"/>
     <p:sldId id="263" r:id="rId7"/>
-    <p:sldId id="264" r:id="rId8"/>
-    <p:sldId id="265" r:id="rId9"/>
-    <p:sldId id="266" r:id="rId10"/>
-    <p:sldId id="267" r:id="rId11"/>
+    <p:sldId id="271" r:id="rId8"/>
+    <p:sldId id="270" r:id="rId9"/>
+    <p:sldId id="269" r:id="rId10"/>
+    <p:sldId id="268" r:id="rId11"/>
+    <p:sldId id="264" r:id="rId12"/>
+    <p:sldId id="265" r:id="rId13"/>
+    <p:sldId id="266" r:id="rId14"/>
+    <p:sldId id="267" r:id="rId15"/>
   </p:sldIdLst>
   <p:sldSz cx="12192000" cy="6858000"/>
   <p:notesSz cx="6858000" cy="9144000"/>
@@ -307,7 +311,7 @@
           <a:p>
             <a:fld id="{E6318F55-CE4A-4A48-9385-9E29E7693AAD}" type="datetimeFigureOut">
               <a:rPr lang="en-US" smtClean="0"/>
-              <a:t>9/25/2018</a:t>
+              <a:t>9/30/2018</a:t>
             </a:fld>
             <a:endParaRPr lang="en-US"/>
           </a:p>
@@ -743,7 +747,7 @@
           <a:p>
             <a:fld id="{E6318F55-CE4A-4A48-9385-9E29E7693AAD}" type="datetimeFigureOut">
               <a:rPr lang="en-US" smtClean="0"/>
-              <a:t>9/25/2018</a:t>
+              <a:t>9/30/2018</a:t>
             </a:fld>
             <a:endParaRPr lang="en-US"/>
           </a:p>
@@ -993,7 +997,7 @@
           <a:p>
             <a:fld id="{E6318F55-CE4A-4A48-9385-9E29E7693AAD}" type="datetimeFigureOut">
               <a:rPr lang="en-US" smtClean="0"/>
-              <a:t>9/25/2018</a:t>
+              <a:t>9/30/2018</a:t>
             </a:fld>
             <a:endParaRPr lang="en-US"/>
           </a:p>
@@ -1301,7 +1305,7 @@
           <a:p>
             <a:fld id="{E6318F55-CE4A-4A48-9385-9E29E7693AAD}" type="datetimeFigureOut">
               <a:rPr lang="en-US" smtClean="0"/>
-              <a:t>9/25/2018</a:t>
+              <a:t>9/30/2018</a:t>
             </a:fld>
             <a:endParaRPr lang="en-US"/>
           </a:p>
@@ -1619,7 +1623,7 @@
           <a:p>
             <a:fld id="{E6318F55-CE4A-4A48-9385-9E29E7693AAD}" type="datetimeFigureOut">
               <a:rPr lang="en-US" smtClean="0"/>
-              <a:t>9/25/2018</a:t>
+              <a:t>9/30/2018</a:t>
             </a:fld>
             <a:endParaRPr lang="en-US"/>
           </a:p>
@@ -1921,7 +1925,7 @@
           <a:p>
             <a:fld id="{E6318F55-CE4A-4A48-9385-9E29E7693AAD}" type="datetimeFigureOut">
               <a:rPr lang="en-US" smtClean="0"/>
-              <a:t>9/25/2018</a:t>
+              <a:t>9/30/2018</a:t>
             </a:fld>
             <a:endParaRPr lang="en-US"/>
           </a:p>
@@ -2288,7 +2292,7 @@
           <a:p>
             <a:fld id="{E6318F55-CE4A-4A48-9385-9E29E7693AAD}" type="datetimeFigureOut">
               <a:rPr lang="en-US" smtClean="0"/>
-              <a:t>9/25/2018</a:t>
+              <a:t>9/30/2018</a:t>
             </a:fld>
             <a:endParaRPr lang="en-US"/>
           </a:p>
@@ -2462,7 +2466,7 @@
           <a:p>
             <a:fld id="{E6318F55-CE4A-4A48-9385-9E29E7693AAD}" type="datetimeFigureOut">
               <a:rPr lang="en-US" smtClean="0"/>
-              <a:t>9/25/2018</a:t>
+              <a:t>9/30/2018</a:t>
             </a:fld>
             <a:endParaRPr lang="en-US"/>
           </a:p>
@@ -2642,7 +2646,7 @@
           <a:p>
             <a:fld id="{E6318F55-CE4A-4A48-9385-9E29E7693AAD}" type="datetimeFigureOut">
               <a:rPr lang="en-US" smtClean="0"/>
-              <a:t>9/25/2018</a:t>
+              <a:t>9/30/2018</a:t>
             </a:fld>
             <a:endParaRPr lang="en-US"/>
           </a:p>
@@ -2812,7 +2816,7 @@
           <a:p>
             <a:fld id="{E6318F55-CE4A-4A48-9385-9E29E7693AAD}" type="datetimeFigureOut">
               <a:rPr lang="en-US" smtClean="0"/>
-              <a:t>9/25/2018</a:t>
+              <a:t>9/30/2018</a:t>
             </a:fld>
             <a:endParaRPr lang="en-US"/>
           </a:p>
@@ -3062,7 +3066,7 @@
           <a:p>
             <a:fld id="{E6318F55-CE4A-4A48-9385-9E29E7693AAD}" type="datetimeFigureOut">
               <a:rPr lang="en-US" smtClean="0"/>
-              <a:t>9/25/2018</a:t>
+              <a:t>9/30/2018</a:t>
             </a:fld>
             <a:endParaRPr lang="en-US"/>
           </a:p>
@@ -3298,7 +3302,7 @@
           <a:p>
             <a:fld id="{E6318F55-CE4A-4A48-9385-9E29E7693AAD}" type="datetimeFigureOut">
               <a:rPr lang="en-US" smtClean="0"/>
-              <a:t>9/25/2018</a:t>
+              <a:t>9/30/2018</a:t>
             </a:fld>
             <a:endParaRPr lang="en-US"/>
           </a:p>
@@ -3680,7 +3684,7 @@
           <a:p>
             <a:fld id="{E6318F55-CE4A-4A48-9385-9E29E7693AAD}" type="datetimeFigureOut">
               <a:rPr lang="en-US" smtClean="0"/>
-              <a:t>9/25/2018</a:t>
+              <a:t>9/30/2018</a:t>
             </a:fld>
             <a:endParaRPr lang="en-US"/>
           </a:p>
@@ -3798,7 +3802,7 @@
           <a:p>
             <a:fld id="{E6318F55-CE4A-4A48-9385-9E29E7693AAD}" type="datetimeFigureOut">
               <a:rPr lang="en-US" smtClean="0"/>
-              <a:t>9/25/2018</a:t>
+              <a:t>9/30/2018</a:t>
             </a:fld>
             <a:endParaRPr lang="en-US"/>
           </a:p>
@@ -3893,7 +3897,7 @@
           <a:p>
             <a:fld id="{E6318F55-CE4A-4A48-9385-9E29E7693AAD}" type="datetimeFigureOut">
               <a:rPr lang="en-US" smtClean="0"/>
-              <a:t>9/25/2018</a:t>
+              <a:t>9/30/2018</a:t>
             </a:fld>
             <a:endParaRPr lang="en-US"/>
           </a:p>
@@ -4148,7 +4152,7 @@
           <a:p>
             <a:fld id="{E6318F55-CE4A-4A48-9385-9E29E7693AAD}" type="datetimeFigureOut">
               <a:rPr lang="en-US" smtClean="0"/>
-              <a:t>9/25/2018</a:t>
+              <a:t>9/30/2018</a:t>
             </a:fld>
             <a:endParaRPr lang="en-US"/>
           </a:p>
@@ -4431,7 +4435,7 @@
           <a:p>
             <a:fld id="{E6318F55-CE4A-4A48-9385-9E29E7693AAD}" type="datetimeFigureOut">
               <a:rPr lang="en-US" smtClean="0"/>
-              <a:t>9/25/2018</a:t>
+              <a:t>9/30/2018</a:t>
             </a:fld>
             <a:endParaRPr lang="en-US"/>
           </a:p>
@@ -4837,7 +4841,7 @@
           <a:p>
             <a:fld id="{E6318F55-CE4A-4A48-9385-9E29E7693AAD}" type="datetimeFigureOut">
               <a:rPr lang="en-US" smtClean="0"/>
-              <a:t>9/25/2018</a:t>
+              <a:t>9/30/2018</a:t>
             </a:fld>
             <a:endParaRPr lang="en-US"/>
           </a:p>
@@ -5635,6 +5639,767 @@
           <a:p>
             <a:r>
               <a:rPr lang="it-IT" dirty="0" smtClean="0"/>
+              <a:t>MODELLO di previsione</a:t>
+            </a:r>
+            <a:endParaRPr lang="en-US" dirty="0"/>
+          </a:p>
+        </p:txBody>
+      </p:sp>
+      <p:pic>
+        <p:nvPicPr>
+          <p:cNvPr id="3" name="Picture 2" descr="C:\Users\Simone\Desktop\Senza titolo-2.png"/>
+          <p:cNvPicPr>
+            <a:picLocks noChangeAspect="1" noChangeArrowheads="1"/>
+          </p:cNvPicPr>
+          <p:nvPr/>
+        </p:nvPicPr>
+        <p:blipFill>
+          <a:blip r:embed="rId2">
+            <a:extLst>
+              <a:ext uri="{28A0092B-C50C-407E-A947-70E740481C1C}">
+                <a14:useLocalDpi xmlns:a14="http://schemas.microsoft.com/office/drawing/2010/main" val="0"/>
+              </a:ext>
+            </a:extLst>
+          </a:blip>
+          <a:srcRect/>
+          <a:stretch>
+            <a:fillRect/>
+          </a:stretch>
+        </p:blipFill>
+        <p:spPr bwMode="auto">
+          <a:xfrm>
+            <a:off x="679903" y="0"/>
+            <a:ext cx="4937125" cy="4937126"/>
+          </a:xfrm>
+          <a:prstGeom prst="rect">
+            <a:avLst/>
+          </a:prstGeom>
+          <a:noFill/>
+          <a:extLst>
+            <a:ext uri="{909E8E84-426E-40DD-AFC4-6F175D3DCCD1}">
+              <a14:hiddenFill xmlns:a14="http://schemas.microsoft.com/office/drawing/2010/main">
+                <a:solidFill>
+                  <a:srgbClr val="FFFFFF"/>
+                </a:solidFill>
+              </a14:hiddenFill>
+            </a:ext>
+          </a:extLst>
+        </p:spPr>
+      </p:pic>
+      <p:cxnSp>
+        <p:nvCxnSpPr>
+          <p:cNvPr id="4" name="Connettore 1 3"/>
+          <p:cNvCxnSpPr/>
+          <p:nvPr/>
+        </p:nvCxnSpPr>
+        <p:spPr>
+          <a:xfrm flipV="1">
+            <a:off x="1756229" y="2061029"/>
+            <a:ext cx="1973942" cy="595086"/>
+          </a:xfrm>
+          <a:prstGeom prst="line">
+            <a:avLst/>
+          </a:prstGeom>
+          <a:ln w="38100">
+            <a:solidFill>
+              <a:srgbClr val="FF0000">
+                <a:alpha val="60000"/>
+              </a:srgbClr>
+            </a:solidFill>
+          </a:ln>
+        </p:spPr>
+        <p:style>
+          <a:lnRef idx="1">
+            <a:schemeClr val="accent1"/>
+          </a:lnRef>
+          <a:fillRef idx="0">
+            <a:schemeClr val="accent1"/>
+          </a:fillRef>
+          <a:effectRef idx="0">
+            <a:schemeClr val="accent1"/>
+          </a:effectRef>
+          <a:fontRef idx="minor">
+            <a:schemeClr val="tx1"/>
+          </a:fontRef>
+        </p:style>
+      </p:cxnSp>
+      <p:cxnSp>
+        <p:nvCxnSpPr>
+          <p:cNvPr id="5" name="Connettore 1 4"/>
+          <p:cNvCxnSpPr/>
+          <p:nvPr/>
+        </p:nvCxnSpPr>
+        <p:spPr>
+          <a:xfrm flipV="1">
+            <a:off x="3730172" y="1451429"/>
+            <a:ext cx="827314" cy="609600"/>
+          </a:xfrm>
+          <a:prstGeom prst="line">
+            <a:avLst/>
+          </a:prstGeom>
+          <a:ln w="38100">
+            <a:solidFill>
+              <a:srgbClr val="FFFF00">
+                <a:alpha val="60000"/>
+              </a:srgbClr>
+            </a:solidFill>
+          </a:ln>
+        </p:spPr>
+        <p:style>
+          <a:lnRef idx="1">
+            <a:schemeClr val="accent1"/>
+          </a:lnRef>
+          <a:fillRef idx="0">
+            <a:schemeClr val="accent1"/>
+          </a:fillRef>
+          <a:effectRef idx="0">
+            <a:schemeClr val="accent1"/>
+          </a:effectRef>
+          <a:fontRef idx="minor">
+            <a:schemeClr val="tx1"/>
+          </a:fontRef>
+        </p:style>
+      </p:cxnSp>
+      <p:cxnSp>
+        <p:nvCxnSpPr>
+          <p:cNvPr id="6" name="Connettore 1 5"/>
+          <p:cNvCxnSpPr/>
+          <p:nvPr/>
+        </p:nvCxnSpPr>
+        <p:spPr>
+          <a:xfrm flipH="1" flipV="1">
+            <a:off x="4557486" y="1074057"/>
+            <a:ext cx="1" cy="377373"/>
+          </a:xfrm>
+          <a:prstGeom prst="line">
+            <a:avLst/>
+          </a:prstGeom>
+          <a:ln w="38100">
+            <a:solidFill>
+              <a:srgbClr val="FF0000">
+                <a:alpha val="60000"/>
+              </a:srgbClr>
+            </a:solidFill>
+          </a:ln>
+        </p:spPr>
+        <p:style>
+          <a:lnRef idx="1">
+            <a:schemeClr val="accent1"/>
+          </a:lnRef>
+          <a:fillRef idx="0">
+            <a:schemeClr val="accent1"/>
+          </a:fillRef>
+          <a:effectRef idx="0">
+            <a:schemeClr val="accent1"/>
+          </a:effectRef>
+          <a:fontRef idx="minor">
+            <a:schemeClr val="tx1"/>
+          </a:fontRef>
+        </p:style>
+      </p:cxnSp>
+      <p:sp>
+        <p:nvSpPr>
+          <p:cNvPr id="7" name="Ovale 6"/>
+          <p:cNvSpPr/>
+          <p:nvPr/>
+        </p:nvSpPr>
+        <p:spPr>
+          <a:xfrm>
+            <a:off x="4143829" y="2468563"/>
+            <a:ext cx="187552" cy="187552"/>
+          </a:xfrm>
+          <a:prstGeom prst="ellipse">
+            <a:avLst/>
+          </a:prstGeom>
+        </p:spPr>
+        <p:style>
+          <a:lnRef idx="2">
+            <a:schemeClr val="accent1">
+              <a:shade val="50000"/>
+            </a:schemeClr>
+          </a:lnRef>
+          <a:fillRef idx="1">
+            <a:schemeClr val="accent1"/>
+          </a:fillRef>
+          <a:effectRef idx="0">
+            <a:schemeClr val="accent1"/>
+          </a:effectRef>
+          <a:fontRef idx="minor">
+            <a:schemeClr val="lt1"/>
+          </a:fontRef>
+        </p:style>
+        <p:txBody>
+          <a:bodyPr rtlCol="0" anchor="ctr"/>
+          <a:lstStyle/>
+          <a:p>
+            <a:pPr algn="ctr"/>
+            <a:endParaRPr lang="it-IT"/>
+          </a:p>
+        </p:txBody>
+      </p:sp>
+      <p:sp>
+        <p:nvSpPr>
+          <p:cNvPr id="8" name="CasellaDiTesto 7"/>
+          <p:cNvSpPr txBox="1"/>
+          <p:nvPr/>
+        </p:nvSpPr>
+        <p:spPr>
+          <a:xfrm>
+            <a:off x="7126513" y="172052"/>
+            <a:ext cx="4760686" cy="3416320"/>
+          </a:xfrm>
+          <a:prstGeom prst="rect">
+            <a:avLst/>
+          </a:prstGeom>
+          <a:noFill/>
+        </p:spPr>
+        <p:txBody>
+          <a:bodyPr wrap="square" rtlCol="0">
+            <a:spAutoFit/>
+          </a:bodyPr>
+          <a:lstStyle/>
+          <a:p>
+            <a:r>
+              <a:rPr lang="it-IT" b="1" dirty="0" smtClean="0">
+                <a:solidFill>
+                  <a:schemeClr val="bg2"/>
+                </a:solidFill>
+              </a:rPr>
+              <a:t>PREVISIONE 2</a:t>
+            </a:r>
+          </a:p>
+          <a:p>
+            <a:endParaRPr lang="it-IT" b="1" dirty="0" smtClean="0">
+              <a:solidFill>
+                <a:schemeClr val="bg2"/>
+              </a:solidFill>
+            </a:endParaRPr>
+          </a:p>
+          <a:p>
+            <a:pPr marL="342900" indent="-342900">
+              <a:buAutoNum type="arabicPeriod"/>
+            </a:pPr>
+            <a:r>
+              <a:rPr lang="it-IT" dirty="0" smtClean="0"/>
+              <a:t>Calcolo il punto più distante che l’umano riuscirebbe a raggiungere proseguendo a velocità costante per un tempo pari a </a:t>
+            </a:r>
+            <a:r>
+              <a:rPr lang="it-IT" dirty="0" err="1" smtClean="0"/>
+              <a:t>range</a:t>
+            </a:r>
+            <a:r>
+              <a:rPr lang="it-IT" dirty="0" smtClean="0"/>
+              <a:t> massimo del Wi-Fi su velocità del veicolo.</a:t>
+            </a:r>
+          </a:p>
+          <a:p>
+            <a:pPr marL="342900" indent="-342900">
+              <a:buAutoNum type="arabicPeriod"/>
+            </a:pPr>
+            <a:r>
+              <a:rPr lang="it-IT" dirty="0" smtClean="0"/>
+              <a:t>Per ogni segmento della </a:t>
+            </a:r>
+            <a:r>
+              <a:rPr lang="it-IT" dirty="0" err="1" smtClean="0"/>
+              <a:t>polylinea</a:t>
+            </a:r>
+            <a:r>
+              <a:rPr lang="it-IT" dirty="0" smtClean="0"/>
+              <a:t> estratto precedentemente, verifico se questo </a:t>
+            </a:r>
+            <a:r>
+              <a:rPr lang="it-IT" dirty="0" err="1" smtClean="0"/>
+              <a:t>interseziona</a:t>
+            </a:r>
+            <a:r>
+              <a:rPr lang="it-IT" dirty="0" smtClean="0"/>
+              <a:t> il segmento BA.</a:t>
+            </a:r>
+          </a:p>
+          <a:p>
+            <a:pPr marL="342900" indent="-342900">
+              <a:buAutoNum type="arabicPeriod"/>
+            </a:pPr>
+            <a:r>
+              <a:rPr lang="it-IT" dirty="0" smtClean="0"/>
+              <a:t>Nel caso questo avvenga parte la segnalazione al veicolo.</a:t>
+            </a:r>
+          </a:p>
+        </p:txBody>
+      </p:sp>
+      <p:sp>
+        <p:nvSpPr>
+          <p:cNvPr id="9" name="Ovale 8"/>
+          <p:cNvSpPr/>
+          <p:nvPr/>
+        </p:nvSpPr>
+        <p:spPr>
+          <a:xfrm>
+            <a:off x="3399081" y="980281"/>
+            <a:ext cx="187552" cy="187552"/>
+          </a:xfrm>
+          <a:prstGeom prst="ellipse">
+            <a:avLst/>
+          </a:prstGeom>
+        </p:spPr>
+        <p:style>
+          <a:lnRef idx="2">
+            <a:schemeClr val="accent5">
+              <a:shade val="50000"/>
+            </a:schemeClr>
+          </a:lnRef>
+          <a:fillRef idx="1">
+            <a:schemeClr val="accent5"/>
+          </a:fillRef>
+          <a:effectRef idx="0">
+            <a:schemeClr val="accent5"/>
+          </a:effectRef>
+          <a:fontRef idx="minor">
+            <a:schemeClr val="lt1"/>
+          </a:fontRef>
+        </p:style>
+        <p:txBody>
+          <a:bodyPr rtlCol="0" anchor="ctr"/>
+          <a:lstStyle/>
+          <a:p>
+            <a:pPr algn="ctr"/>
+            <a:endParaRPr lang="it-IT" dirty="0"/>
+          </a:p>
+        </p:txBody>
+      </p:sp>
+      <p:cxnSp>
+        <p:nvCxnSpPr>
+          <p:cNvPr id="10" name="Connettore 1 9"/>
+          <p:cNvCxnSpPr>
+            <a:stCxn id="9" idx="5"/>
+            <a:endCxn id="7" idx="1"/>
+          </p:cNvCxnSpPr>
+          <p:nvPr/>
+        </p:nvCxnSpPr>
+        <p:spPr>
+          <a:xfrm>
+            <a:off x="3559167" y="1140367"/>
+            <a:ext cx="612128" cy="1355662"/>
+          </a:xfrm>
+          <a:prstGeom prst="line">
+            <a:avLst/>
+          </a:prstGeom>
+          <a:ln w="38100">
+            <a:solidFill>
+              <a:srgbClr val="7030A0">
+                <a:alpha val="60000"/>
+              </a:srgbClr>
+            </a:solidFill>
+          </a:ln>
+        </p:spPr>
+        <p:style>
+          <a:lnRef idx="1">
+            <a:schemeClr val="accent1"/>
+          </a:lnRef>
+          <a:fillRef idx="0">
+            <a:schemeClr val="accent1"/>
+          </a:fillRef>
+          <a:effectRef idx="0">
+            <a:schemeClr val="accent1"/>
+          </a:effectRef>
+          <a:fontRef idx="minor">
+            <a:schemeClr val="tx1"/>
+          </a:fontRef>
+        </p:style>
+      </p:cxnSp>
+      <p:sp>
+        <p:nvSpPr>
+          <p:cNvPr id="14" name="CasellaDiTesto 13"/>
+          <p:cNvSpPr txBox="1"/>
+          <p:nvPr/>
+        </p:nvSpPr>
+        <p:spPr>
+          <a:xfrm>
+            <a:off x="4331381" y="2283897"/>
+            <a:ext cx="356188" cy="369332"/>
+          </a:xfrm>
+          <a:prstGeom prst="rect">
+            <a:avLst/>
+          </a:prstGeom>
+          <a:noFill/>
+        </p:spPr>
+        <p:txBody>
+          <a:bodyPr wrap="none" rtlCol="0">
+            <a:spAutoFit/>
+          </a:bodyPr>
+          <a:lstStyle/>
+          <a:p>
+            <a:r>
+              <a:rPr lang="it-IT" dirty="0" smtClean="0"/>
+              <a:t>A</a:t>
+            </a:r>
+            <a:endParaRPr lang="it-IT" dirty="0"/>
+          </a:p>
+        </p:txBody>
+      </p:sp>
+      <p:sp>
+        <p:nvSpPr>
+          <p:cNvPr id="15" name="CasellaDiTesto 14"/>
+          <p:cNvSpPr txBox="1"/>
+          <p:nvPr/>
+        </p:nvSpPr>
+        <p:spPr>
+          <a:xfrm>
+            <a:off x="3125920" y="637698"/>
+            <a:ext cx="317716" cy="369332"/>
+          </a:xfrm>
+          <a:prstGeom prst="rect">
+            <a:avLst/>
+          </a:prstGeom>
+          <a:noFill/>
+        </p:spPr>
+        <p:txBody>
+          <a:bodyPr wrap="none" rtlCol="0">
+            <a:spAutoFit/>
+          </a:bodyPr>
+          <a:lstStyle/>
+          <a:p>
+            <a:r>
+              <a:rPr lang="it-IT" dirty="0" smtClean="0"/>
+              <a:t>B</a:t>
+            </a:r>
+            <a:endParaRPr lang="it-IT" dirty="0"/>
+          </a:p>
+        </p:txBody>
+      </p:sp>
+      <p:pic>
+        <p:nvPicPr>
+          <p:cNvPr id="8194" name="Picture 2" descr="Immagine correlata"/>
+          <p:cNvPicPr>
+            <a:picLocks noChangeAspect="1" noChangeArrowheads="1"/>
+          </p:cNvPicPr>
+          <p:nvPr/>
+        </p:nvPicPr>
+        <p:blipFill>
+          <a:blip r:embed="rId3" cstate="print">
+            <a:extLst>
+              <a:ext uri="{28A0092B-C50C-407E-A947-70E740481C1C}">
+                <a14:useLocalDpi xmlns:a14="http://schemas.microsoft.com/office/drawing/2010/main" val="0"/>
+              </a:ext>
+            </a:extLst>
+          </a:blip>
+          <a:srcRect/>
+          <a:stretch>
+            <a:fillRect/>
+          </a:stretch>
+        </p:blipFill>
+        <p:spPr bwMode="auto">
+          <a:xfrm>
+            <a:off x="3237610" y="1335711"/>
+            <a:ext cx="698045" cy="698045"/>
+          </a:xfrm>
+          <a:prstGeom prst="rect">
+            <a:avLst/>
+          </a:prstGeom>
+          <a:noFill/>
+          <a:extLst>
+            <a:ext uri="{909E8E84-426E-40DD-AFC4-6F175D3DCCD1}">
+              <a14:hiddenFill xmlns:a14="http://schemas.microsoft.com/office/drawing/2010/main">
+                <a:solidFill>
+                  <a:srgbClr val="FFFFFF"/>
+                </a:solidFill>
+              </a14:hiddenFill>
+            </a:ext>
+          </a:extLst>
+        </p:spPr>
+      </p:pic>
+    </p:spTree>
+    <p:extLst>
+      <p:ext uri="{BB962C8B-B14F-4D97-AF65-F5344CB8AC3E}">
+        <p14:creationId xmlns:p14="http://schemas.microsoft.com/office/powerpoint/2010/main" val="189235826"/>
+      </p:ext>
+    </p:extLst>
+  </p:cSld>
+  <p:clrMapOvr>
+    <a:masterClrMapping/>
+  </p:clrMapOvr>
+  <p:timing>
+    <p:tnLst>
+      <p:par>
+        <p:cTn id="1" dur="indefinite" restart="never" nodeType="tmRoot"/>
+      </p:par>
+    </p:tnLst>
+  </p:timing>
+</p:sld>
+</file>
+
+<file path=ppt/slides/slide11.xml><?xml version="1.0" encoding="utf-8"?>
+<p:sld xmlns:a="http://schemas.openxmlformats.org/drawingml/2006/main" xmlns:r="http://schemas.openxmlformats.org/officeDocument/2006/relationships" xmlns:p="http://schemas.openxmlformats.org/presentationml/2006/main">
+  <p:cSld>
+    <p:spTree>
+      <p:nvGrpSpPr>
+        <p:cNvPr id="1" name=""/>
+        <p:cNvGrpSpPr/>
+        <p:nvPr/>
+      </p:nvGrpSpPr>
+      <p:grpSpPr>
+        <a:xfrm>
+          <a:off x="0" y="0"/>
+          <a:ext cx="0" cy="0"/>
+          <a:chOff x="0" y="0"/>
+          <a:chExt cx="0" cy="0"/>
+        </a:xfrm>
+      </p:grpSpPr>
+      <p:sp>
+        <p:nvSpPr>
+          <p:cNvPr id="2" name="Titolo 1"/>
+          <p:cNvSpPr>
+            <a:spLocks noGrp="1"/>
+          </p:cNvSpPr>
+          <p:nvPr>
+            <p:ph type="title"/>
+          </p:nvPr>
+        </p:nvSpPr>
+        <p:spPr/>
+        <p:txBody>
+          <a:bodyPr/>
+          <a:lstStyle/>
+          <a:p>
+            <a:r>
+              <a:rPr lang="it-IT" dirty="0" smtClean="0"/>
+              <a:t>MODELLO di localizzazione</a:t>
+            </a:r>
+            <a:endParaRPr lang="en-US" dirty="0"/>
+          </a:p>
+        </p:txBody>
+      </p:sp>
+      <p:sp>
+        <p:nvSpPr>
+          <p:cNvPr id="3" name="Segnaposto contenuto 2"/>
+          <p:cNvSpPr>
+            <a:spLocks noGrp="1"/>
+          </p:cNvSpPr>
+          <p:nvPr>
+            <p:ph idx="1"/>
+          </p:nvPr>
+        </p:nvSpPr>
+        <p:spPr/>
+        <p:txBody>
+          <a:bodyPr/>
+          <a:lstStyle/>
+          <a:p>
+            <a:endParaRPr lang="en-US"/>
+          </a:p>
+        </p:txBody>
+      </p:sp>
+    </p:spTree>
+    <p:extLst>
+      <p:ext uri="{BB962C8B-B14F-4D97-AF65-F5344CB8AC3E}">
+        <p14:creationId xmlns:p14="http://schemas.microsoft.com/office/powerpoint/2010/main" val="607407025"/>
+      </p:ext>
+    </p:extLst>
+  </p:cSld>
+  <p:clrMapOvr>
+    <a:masterClrMapping/>
+  </p:clrMapOvr>
+  <p:timing>
+    <p:tnLst>
+      <p:par>
+        <p:cTn id="1" dur="indefinite" restart="never" nodeType="tmRoot"/>
+      </p:par>
+    </p:tnLst>
+  </p:timing>
+</p:sld>
+</file>
+
+<file path=ppt/slides/slide12.xml><?xml version="1.0" encoding="utf-8"?>
+<p:sld xmlns:a="http://schemas.openxmlformats.org/drawingml/2006/main" xmlns:r="http://schemas.openxmlformats.org/officeDocument/2006/relationships" xmlns:p="http://schemas.openxmlformats.org/presentationml/2006/main">
+  <p:cSld>
+    <p:spTree>
+      <p:nvGrpSpPr>
+        <p:cNvPr id="1" name=""/>
+        <p:cNvGrpSpPr/>
+        <p:nvPr/>
+      </p:nvGrpSpPr>
+      <p:grpSpPr>
+        <a:xfrm>
+          <a:off x="0" y="0"/>
+          <a:ext cx="0" cy="0"/>
+          <a:chOff x="0" y="0"/>
+          <a:chExt cx="0" cy="0"/>
+        </a:xfrm>
+      </p:grpSpPr>
+      <p:sp>
+        <p:nvSpPr>
+          <p:cNvPr id="2" name="Titolo 1"/>
+          <p:cNvSpPr>
+            <a:spLocks noGrp="1"/>
+          </p:cNvSpPr>
+          <p:nvPr>
+            <p:ph type="title"/>
+          </p:nvPr>
+        </p:nvSpPr>
+        <p:spPr/>
+        <p:txBody>
+          <a:bodyPr/>
+          <a:lstStyle/>
+          <a:p>
+            <a:r>
+              <a:rPr lang="it-IT" dirty="0" smtClean="0"/>
+              <a:t>Comunicazione VEICOLO - umano</a:t>
+            </a:r>
+            <a:endParaRPr lang="en-US" dirty="0"/>
+          </a:p>
+        </p:txBody>
+      </p:sp>
+      <p:sp>
+        <p:nvSpPr>
+          <p:cNvPr id="3" name="Segnaposto contenuto 2"/>
+          <p:cNvSpPr>
+            <a:spLocks noGrp="1"/>
+          </p:cNvSpPr>
+          <p:nvPr>
+            <p:ph idx="1"/>
+          </p:nvPr>
+        </p:nvSpPr>
+        <p:spPr/>
+        <p:txBody>
+          <a:bodyPr/>
+          <a:lstStyle/>
+          <a:p>
+            <a:endParaRPr lang="en-US"/>
+          </a:p>
+        </p:txBody>
+      </p:sp>
+    </p:spTree>
+    <p:extLst>
+      <p:ext uri="{BB962C8B-B14F-4D97-AF65-F5344CB8AC3E}">
+        <p14:creationId xmlns:p14="http://schemas.microsoft.com/office/powerpoint/2010/main" val="1239423612"/>
+      </p:ext>
+    </p:extLst>
+  </p:cSld>
+  <p:clrMapOvr>
+    <a:masterClrMapping/>
+  </p:clrMapOvr>
+  <p:timing>
+    <p:tnLst>
+      <p:par>
+        <p:cTn id="1" dur="indefinite" restart="never" nodeType="tmRoot"/>
+      </p:par>
+    </p:tnLst>
+  </p:timing>
+</p:sld>
+</file>
+
+<file path=ppt/slides/slide13.xml><?xml version="1.0" encoding="utf-8"?>
+<p:sld xmlns:a="http://schemas.openxmlformats.org/drawingml/2006/main" xmlns:r="http://schemas.openxmlformats.org/officeDocument/2006/relationships" xmlns:p="http://schemas.openxmlformats.org/presentationml/2006/main">
+  <p:cSld>
+    <p:spTree>
+      <p:nvGrpSpPr>
+        <p:cNvPr id="1" name=""/>
+        <p:cNvGrpSpPr/>
+        <p:nvPr/>
+      </p:nvGrpSpPr>
+      <p:grpSpPr>
+        <a:xfrm>
+          <a:off x="0" y="0"/>
+          <a:ext cx="0" cy="0"/>
+          <a:chOff x="0" y="0"/>
+          <a:chExt cx="0" cy="0"/>
+        </a:xfrm>
+      </p:grpSpPr>
+      <p:sp>
+        <p:nvSpPr>
+          <p:cNvPr id="2" name="Titolo 1"/>
+          <p:cNvSpPr>
+            <a:spLocks noGrp="1"/>
+          </p:cNvSpPr>
+          <p:nvPr>
+            <p:ph type="title"/>
+          </p:nvPr>
+        </p:nvSpPr>
+        <p:spPr/>
+        <p:txBody>
+          <a:bodyPr/>
+          <a:lstStyle/>
+          <a:p>
+            <a:r>
+              <a:rPr lang="it-IT" dirty="0" smtClean="0"/>
+              <a:t>RISULATI</a:t>
+            </a:r>
+            <a:endParaRPr lang="en-US" dirty="0"/>
+          </a:p>
+        </p:txBody>
+      </p:sp>
+      <p:sp>
+        <p:nvSpPr>
+          <p:cNvPr id="3" name="Segnaposto contenuto 2"/>
+          <p:cNvSpPr>
+            <a:spLocks noGrp="1"/>
+          </p:cNvSpPr>
+          <p:nvPr>
+            <p:ph idx="1"/>
+          </p:nvPr>
+        </p:nvSpPr>
+        <p:spPr/>
+        <p:txBody>
+          <a:bodyPr/>
+          <a:lstStyle/>
+          <a:p>
+            <a:endParaRPr lang="en-US"/>
+          </a:p>
+        </p:txBody>
+      </p:sp>
+    </p:spTree>
+    <p:extLst>
+      <p:ext uri="{BB962C8B-B14F-4D97-AF65-F5344CB8AC3E}">
+        <p14:creationId xmlns:p14="http://schemas.microsoft.com/office/powerpoint/2010/main" val="3072134879"/>
+      </p:ext>
+    </p:extLst>
+  </p:cSld>
+  <p:clrMapOvr>
+    <a:masterClrMapping/>
+  </p:clrMapOvr>
+  <p:timing>
+    <p:tnLst>
+      <p:par>
+        <p:cTn id="1" dur="indefinite" restart="never" nodeType="tmRoot"/>
+      </p:par>
+    </p:tnLst>
+  </p:timing>
+</p:sld>
+</file>
+
+<file path=ppt/slides/slide14.xml><?xml version="1.0" encoding="utf-8"?>
+<p:sld xmlns:a="http://schemas.openxmlformats.org/drawingml/2006/main" xmlns:r="http://schemas.openxmlformats.org/officeDocument/2006/relationships" xmlns:p="http://schemas.openxmlformats.org/presentationml/2006/main">
+  <p:cSld>
+    <p:spTree>
+      <p:nvGrpSpPr>
+        <p:cNvPr id="1" name=""/>
+        <p:cNvGrpSpPr/>
+        <p:nvPr/>
+      </p:nvGrpSpPr>
+      <p:grpSpPr>
+        <a:xfrm>
+          <a:off x="0" y="0"/>
+          <a:ext cx="0" cy="0"/>
+          <a:chOff x="0" y="0"/>
+          <a:chExt cx="0" cy="0"/>
+        </a:xfrm>
+      </p:grpSpPr>
+      <p:sp>
+        <p:nvSpPr>
+          <p:cNvPr id="2" name="Titolo 1"/>
+          <p:cNvSpPr>
+            <a:spLocks noGrp="1"/>
+          </p:cNvSpPr>
+          <p:nvPr>
+            <p:ph type="title"/>
+          </p:nvPr>
+        </p:nvSpPr>
+        <p:spPr/>
+        <p:txBody>
+          <a:bodyPr/>
+          <a:lstStyle/>
+          <a:p>
+            <a:r>
+              <a:rPr lang="it-IT" dirty="0" smtClean="0"/>
               <a:t>CONCLUSIONI</a:t>
             </a:r>
             <a:endParaRPr lang="en-US" dirty="0"/>
@@ -5722,23 +6487,463 @@
       </p:sp>
       <p:sp>
         <p:nvSpPr>
-          <p:cNvPr id="3" name="Segnaposto contenuto 2"/>
-          <p:cNvSpPr>
-            <a:spLocks noGrp="1"/>
-          </p:cNvSpPr>
-          <p:nvPr>
-            <p:ph idx="1"/>
-          </p:nvPr>
-        </p:nvSpPr>
-        <p:spPr/>
-        <p:txBody>
-          <a:bodyPr/>
-          <a:lstStyle/>
-          <a:p>
-            <a:endParaRPr lang="en-US" dirty="0"/>
-          </a:p>
-        </p:txBody>
-      </p:sp>
+          <p:cNvPr id="4" name="CasellaDiTesto 3"/>
+          <p:cNvSpPr txBox="1"/>
+          <p:nvPr/>
+        </p:nvSpPr>
+        <p:spPr>
+          <a:xfrm>
+            <a:off x="2394855" y="566056"/>
+            <a:ext cx="7053943" cy="830997"/>
+          </a:xfrm>
+          <a:prstGeom prst="rect">
+            <a:avLst/>
+          </a:prstGeom>
+          <a:noFill/>
+        </p:spPr>
+        <p:txBody>
+          <a:bodyPr wrap="square" rtlCol="0">
+            <a:spAutoFit/>
+          </a:bodyPr>
+          <a:lstStyle/>
+          <a:p>
+            <a:r>
+              <a:rPr lang="it-IT" sz="2400" dirty="0" smtClean="0"/>
+              <a:t>Avvertire il conducente di un veicolo della presenza di pedoni sulla carreggiata</a:t>
+            </a:r>
+            <a:endParaRPr lang="it-IT" sz="2400" dirty="0"/>
+          </a:p>
+        </p:txBody>
+      </p:sp>
+      <p:sp>
+        <p:nvSpPr>
+          <p:cNvPr id="5" name="CasellaDiTesto 4"/>
+          <p:cNvSpPr txBox="1"/>
+          <p:nvPr/>
+        </p:nvSpPr>
+        <p:spPr>
+          <a:xfrm>
+            <a:off x="754743" y="2685143"/>
+            <a:ext cx="2365829" cy="1200329"/>
+          </a:xfrm>
+          <a:prstGeom prst="rect">
+            <a:avLst/>
+          </a:prstGeom>
+          <a:noFill/>
+        </p:spPr>
+        <p:txBody>
+          <a:bodyPr wrap="square" rtlCol="0">
+            <a:spAutoFit/>
+          </a:bodyPr>
+          <a:lstStyle/>
+          <a:p>
+            <a:r>
+              <a:rPr lang="it-IT" dirty="0" smtClean="0"/>
+              <a:t>Preavviso necessario proporzionato alla velocità del mezzo</a:t>
+            </a:r>
+            <a:endParaRPr lang="it-IT" dirty="0"/>
+          </a:p>
+        </p:txBody>
+      </p:sp>
+      <p:sp>
+        <p:nvSpPr>
+          <p:cNvPr id="6" name="CasellaDiTesto 5"/>
+          <p:cNvSpPr txBox="1"/>
+          <p:nvPr/>
+        </p:nvSpPr>
+        <p:spPr>
+          <a:xfrm>
+            <a:off x="4738914" y="2685142"/>
+            <a:ext cx="2365829" cy="923330"/>
+          </a:xfrm>
+          <a:prstGeom prst="rect">
+            <a:avLst/>
+          </a:prstGeom>
+          <a:noFill/>
+        </p:spPr>
+        <p:txBody>
+          <a:bodyPr wrap="square" rtlCol="0">
+            <a:spAutoFit/>
+          </a:bodyPr>
+          <a:lstStyle/>
+          <a:p>
+            <a:r>
+              <a:rPr lang="it-IT" dirty="0" smtClean="0"/>
+              <a:t>Effettuare previsioni limitando i falsi positivi  e negativi</a:t>
+            </a:r>
+            <a:endParaRPr lang="it-IT" dirty="0"/>
+          </a:p>
+        </p:txBody>
+      </p:sp>
+      <p:sp>
+        <p:nvSpPr>
+          <p:cNvPr id="7" name="CasellaDiTesto 6"/>
+          <p:cNvSpPr txBox="1"/>
+          <p:nvPr/>
+        </p:nvSpPr>
+        <p:spPr>
+          <a:xfrm>
+            <a:off x="8469086" y="2685143"/>
+            <a:ext cx="2365829" cy="923330"/>
+          </a:xfrm>
+          <a:prstGeom prst="rect">
+            <a:avLst/>
+          </a:prstGeom>
+          <a:noFill/>
+        </p:spPr>
+        <p:txBody>
+          <a:bodyPr wrap="square" rtlCol="0">
+            <a:spAutoFit/>
+          </a:bodyPr>
+          <a:lstStyle/>
+          <a:p>
+            <a:r>
+              <a:rPr lang="it-IT" dirty="0" smtClean="0"/>
+              <a:t>Occhio di riguardo per i consumi energetici</a:t>
+            </a:r>
+            <a:endParaRPr lang="it-IT" dirty="0"/>
+          </a:p>
+        </p:txBody>
+      </p:sp>
+      <p:pic>
+        <p:nvPicPr>
+          <p:cNvPr id="1026" name="Picture 2" descr="Risultati immagini per question mark png"/>
+          <p:cNvPicPr>
+            <a:picLocks noChangeAspect="1" noChangeArrowheads="1"/>
+          </p:cNvPicPr>
+          <p:nvPr/>
+        </p:nvPicPr>
+        <p:blipFill>
+          <a:blip r:embed="rId2" cstate="print">
+            <a:extLst>
+              <a:ext uri="{28A0092B-C50C-407E-A947-70E740481C1C}">
+                <a14:useLocalDpi xmlns:a14="http://schemas.microsoft.com/office/drawing/2010/main" val="0"/>
+              </a:ext>
+            </a:extLst>
+          </a:blip>
+          <a:srcRect/>
+          <a:stretch>
+            <a:fillRect/>
+          </a:stretch>
+        </p:blipFill>
+        <p:spPr bwMode="auto">
+          <a:xfrm>
+            <a:off x="5304641" y="3608473"/>
+            <a:ext cx="1234374" cy="1141549"/>
+          </a:xfrm>
+          <a:prstGeom prst="rect">
+            <a:avLst/>
+          </a:prstGeom>
+          <a:noFill/>
+          <a:extLst>
+            <a:ext uri="{909E8E84-426E-40DD-AFC4-6F175D3DCCD1}">
+              <a14:hiddenFill xmlns:a14="http://schemas.microsoft.com/office/drawing/2010/main">
+                <a:solidFill>
+                  <a:srgbClr val="FFFFFF"/>
+                </a:solidFill>
+              </a14:hiddenFill>
+            </a:ext>
+          </a:extLst>
+        </p:spPr>
+      </p:pic>
+      <p:pic>
+        <p:nvPicPr>
+          <p:cNvPr id="1028" name="Picture 4" descr="Risultati immagini per speed png"/>
+          <p:cNvPicPr>
+            <a:picLocks noChangeAspect="1" noChangeArrowheads="1"/>
+          </p:cNvPicPr>
+          <p:nvPr/>
+        </p:nvPicPr>
+        <p:blipFill>
+          <a:blip r:embed="rId3">
+            <a:extLst>
+              <a:ext uri="{28A0092B-C50C-407E-A947-70E740481C1C}">
+                <a14:useLocalDpi xmlns:a14="http://schemas.microsoft.com/office/drawing/2010/main" val="0"/>
+              </a:ext>
+            </a:extLst>
+          </a:blip>
+          <a:srcRect/>
+          <a:stretch>
+            <a:fillRect/>
+          </a:stretch>
+        </p:blipFill>
+        <p:spPr bwMode="auto">
+          <a:xfrm>
+            <a:off x="754743" y="3396343"/>
+            <a:ext cx="1905000" cy="1905000"/>
+          </a:xfrm>
+          <a:prstGeom prst="rect">
+            <a:avLst/>
+          </a:prstGeom>
+          <a:noFill/>
+          <a:extLst>
+            <a:ext uri="{909E8E84-426E-40DD-AFC4-6F175D3DCCD1}">
+              <a14:hiddenFill xmlns:a14="http://schemas.microsoft.com/office/drawing/2010/main">
+                <a:solidFill>
+                  <a:srgbClr val="FFFFFF"/>
+                </a:solidFill>
+              </a14:hiddenFill>
+            </a:ext>
+          </a:extLst>
+        </p:spPr>
+      </p:pic>
+      <p:sp>
+        <p:nvSpPr>
+          <p:cNvPr id="8" name="AutoShape 8" descr="Risultati immagini per battery png"/>
+          <p:cNvSpPr>
+            <a:spLocks noChangeAspect="1" noChangeArrowheads="1"/>
+          </p:cNvSpPr>
+          <p:nvPr/>
+        </p:nvSpPr>
+        <p:spPr bwMode="auto">
+          <a:xfrm>
+            <a:off x="155575" y="-1165225"/>
+            <a:ext cx="2438400" cy="2438400"/>
+          </a:xfrm>
+          <a:prstGeom prst="rect">
+            <a:avLst/>
+          </a:prstGeom>
+          <a:noFill/>
+          <a:extLst>
+            <a:ext uri="{909E8E84-426E-40DD-AFC4-6F175D3DCCD1}">
+              <a14:hiddenFill xmlns:a14="http://schemas.microsoft.com/office/drawing/2010/main">
+                <a:solidFill>
+                  <a:srgbClr val="FFFFFF"/>
+                </a:solidFill>
+              </a14:hiddenFill>
+            </a:ext>
+          </a:extLst>
+        </p:spPr>
+        <p:txBody>
+          <a:bodyPr vert="horz" wrap="square" lIns="91440" tIns="45720" rIns="91440" bIns="45720" numCol="1" anchor="t" anchorCtr="0" compatLnSpc="1">
+            <a:prstTxWarp prst="textNoShape">
+              <a:avLst/>
+            </a:prstTxWarp>
+          </a:bodyPr>
+          <a:lstStyle/>
+          <a:p>
+            <a:endParaRPr lang="it-IT"/>
+          </a:p>
+        </p:txBody>
+      </p:sp>
+      <p:sp>
+        <p:nvSpPr>
+          <p:cNvPr id="9" name="AutoShape 10" descr="Risultati immagini per battery png"/>
+          <p:cNvSpPr>
+            <a:spLocks noChangeAspect="1" noChangeArrowheads="1"/>
+          </p:cNvSpPr>
+          <p:nvPr/>
+        </p:nvSpPr>
+        <p:spPr bwMode="auto">
+          <a:xfrm>
+            <a:off x="307975" y="-1012825"/>
+            <a:ext cx="2438400" cy="2438400"/>
+          </a:xfrm>
+          <a:prstGeom prst="rect">
+            <a:avLst/>
+          </a:prstGeom>
+          <a:noFill/>
+          <a:extLst>
+            <a:ext uri="{909E8E84-426E-40DD-AFC4-6F175D3DCCD1}">
+              <a14:hiddenFill xmlns:a14="http://schemas.microsoft.com/office/drawing/2010/main">
+                <a:solidFill>
+                  <a:srgbClr val="FFFFFF"/>
+                </a:solidFill>
+              </a14:hiddenFill>
+            </a:ext>
+          </a:extLst>
+        </p:spPr>
+        <p:txBody>
+          <a:bodyPr vert="horz" wrap="square" lIns="91440" tIns="45720" rIns="91440" bIns="45720" numCol="1" anchor="t" anchorCtr="0" compatLnSpc="1">
+            <a:prstTxWarp prst="textNoShape">
+              <a:avLst/>
+            </a:prstTxWarp>
+          </a:bodyPr>
+          <a:lstStyle/>
+          <a:p>
+            <a:endParaRPr lang="it-IT"/>
+          </a:p>
+        </p:txBody>
+      </p:sp>
+      <p:sp>
+        <p:nvSpPr>
+          <p:cNvPr id="10" name="AutoShape 12" descr="Risultati immagini per battery png"/>
+          <p:cNvSpPr>
+            <a:spLocks noChangeAspect="1" noChangeArrowheads="1"/>
+          </p:cNvSpPr>
+          <p:nvPr/>
+        </p:nvSpPr>
+        <p:spPr bwMode="auto">
+          <a:xfrm>
+            <a:off x="460375" y="-860425"/>
+            <a:ext cx="2438400" cy="2438400"/>
+          </a:xfrm>
+          <a:prstGeom prst="rect">
+            <a:avLst/>
+          </a:prstGeom>
+          <a:noFill/>
+          <a:extLst>
+            <a:ext uri="{909E8E84-426E-40DD-AFC4-6F175D3DCCD1}">
+              <a14:hiddenFill xmlns:a14="http://schemas.microsoft.com/office/drawing/2010/main">
+                <a:solidFill>
+                  <a:srgbClr val="FFFFFF"/>
+                </a:solidFill>
+              </a14:hiddenFill>
+            </a:ext>
+          </a:extLst>
+        </p:spPr>
+        <p:txBody>
+          <a:bodyPr vert="horz" wrap="square" lIns="91440" tIns="45720" rIns="91440" bIns="45720" numCol="1" anchor="t" anchorCtr="0" compatLnSpc="1">
+            <a:prstTxWarp prst="textNoShape">
+              <a:avLst/>
+            </a:prstTxWarp>
+          </a:bodyPr>
+          <a:lstStyle/>
+          <a:p>
+            <a:endParaRPr lang="it-IT"/>
+          </a:p>
+        </p:txBody>
+      </p:sp>
+      <p:pic>
+        <p:nvPicPr>
+          <p:cNvPr id="1040" name="Picture 16" descr="Immagine correlata"/>
+          <p:cNvPicPr>
+            <a:picLocks noChangeAspect="1" noChangeArrowheads="1"/>
+          </p:cNvPicPr>
+          <p:nvPr/>
+        </p:nvPicPr>
+        <p:blipFill>
+          <a:blip r:embed="rId4" cstate="print">
+            <a:extLst>
+              <a:ext uri="{28A0092B-C50C-407E-A947-70E740481C1C}">
+                <a14:useLocalDpi xmlns:a14="http://schemas.microsoft.com/office/drawing/2010/main" val="0"/>
+              </a:ext>
+            </a:extLst>
+          </a:blip>
+          <a:srcRect/>
+          <a:stretch>
+            <a:fillRect/>
+          </a:stretch>
+        </p:blipFill>
+        <p:spPr bwMode="auto">
+          <a:xfrm>
+            <a:off x="8584916" y="3608472"/>
+            <a:ext cx="1524567" cy="1524567"/>
+          </a:xfrm>
+          <a:prstGeom prst="rect">
+            <a:avLst/>
+          </a:prstGeom>
+          <a:noFill/>
+          <a:extLst>
+            <a:ext uri="{909E8E84-426E-40DD-AFC4-6F175D3DCCD1}">
+              <a14:hiddenFill xmlns:a14="http://schemas.microsoft.com/office/drawing/2010/main">
+                <a:solidFill>
+                  <a:srgbClr val="FFFFFF"/>
+                </a:solidFill>
+              </a14:hiddenFill>
+            </a:ext>
+          </a:extLst>
+        </p:spPr>
+      </p:pic>
+      <p:cxnSp>
+        <p:nvCxnSpPr>
+          <p:cNvPr id="13" name="Connettore 1 12"/>
+          <p:cNvCxnSpPr>
+            <a:stCxn id="4" idx="2"/>
+            <a:endCxn id="5" idx="0"/>
+          </p:cNvCxnSpPr>
+          <p:nvPr/>
+        </p:nvCxnSpPr>
+        <p:spPr>
+          <a:xfrm flipH="1">
+            <a:off x="1937658" y="1397053"/>
+            <a:ext cx="3984169" cy="1288090"/>
+          </a:xfrm>
+          <a:prstGeom prst="line">
+            <a:avLst/>
+          </a:prstGeom>
+        </p:spPr>
+        <p:style>
+          <a:lnRef idx="2">
+            <a:schemeClr val="accent1"/>
+          </a:lnRef>
+          <a:fillRef idx="0">
+            <a:schemeClr val="accent1"/>
+          </a:fillRef>
+          <a:effectRef idx="1">
+            <a:schemeClr val="accent1"/>
+          </a:effectRef>
+          <a:fontRef idx="minor">
+            <a:schemeClr val="tx1"/>
+          </a:fontRef>
+        </p:style>
+      </p:cxnSp>
+      <p:cxnSp>
+        <p:nvCxnSpPr>
+          <p:cNvPr id="19" name="Connettore 1 18"/>
+          <p:cNvCxnSpPr>
+            <a:stCxn id="4" idx="2"/>
+            <a:endCxn id="6" idx="0"/>
+          </p:cNvCxnSpPr>
+          <p:nvPr/>
+        </p:nvCxnSpPr>
+        <p:spPr>
+          <a:xfrm>
+            <a:off x="5921827" y="1397053"/>
+            <a:ext cx="2" cy="1288089"/>
+          </a:xfrm>
+          <a:prstGeom prst="line">
+            <a:avLst/>
+          </a:prstGeom>
+        </p:spPr>
+        <p:style>
+          <a:lnRef idx="2">
+            <a:schemeClr val="accent1"/>
+          </a:lnRef>
+          <a:fillRef idx="0">
+            <a:schemeClr val="accent1"/>
+          </a:fillRef>
+          <a:effectRef idx="1">
+            <a:schemeClr val="accent1"/>
+          </a:effectRef>
+          <a:fontRef idx="minor">
+            <a:schemeClr val="tx1"/>
+          </a:fontRef>
+        </p:style>
+      </p:cxnSp>
+      <p:cxnSp>
+        <p:nvCxnSpPr>
+          <p:cNvPr id="22" name="Connettore 1 21"/>
+          <p:cNvCxnSpPr>
+            <a:stCxn id="4" idx="2"/>
+            <a:endCxn id="7" idx="0"/>
+          </p:cNvCxnSpPr>
+          <p:nvPr/>
+        </p:nvCxnSpPr>
+        <p:spPr>
+          <a:xfrm>
+            <a:off x="5921827" y="1397053"/>
+            <a:ext cx="3730174" cy="1288090"/>
+          </a:xfrm>
+          <a:prstGeom prst="line">
+            <a:avLst/>
+          </a:prstGeom>
+        </p:spPr>
+        <p:style>
+          <a:lnRef idx="2">
+            <a:schemeClr val="accent1"/>
+          </a:lnRef>
+          <a:fillRef idx="0">
+            <a:schemeClr val="accent1"/>
+          </a:fillRef>
+          <a:effectRef idx="1">
+            <a:schemeClr val="accent1"/>
+          </a:effectRef>
+          <a:fontRef idx="minor">
+            <a:schemeClr val="tx1"/>
+          </a:fontRef>
+        </p:style>
+      </p:cxnSp>
     </p:spTree>
     <p:extLst>
       <p:ext uri="{BB962C8B-B14F-4D97-AF65-F5344CB8AC3E}">
@@ -5799,50 +7004,348 @@
           </a:p>
         </p:txBody>
       </p:sp>
-      <p:sp>
-        <p:nvSpPr>
-          <p:cNvPr id="3" name="Segnaposto contenuto 2"/>
-          <p:cNvSpPr>
-            <a:spLocks noGrp="1"/>
-          </p:cNvSpPr>
-          <p:nvPr>
-            <p:ph idx="1"/>
-          </p:nvPr>
-        </p:nvSpPr>
-        <p:spPr/>
-        <p:txBody>
-          <a:bodyPr/>
-          <a:lstStyle/>
-          <a:p>
-            <a:r>
-              <a:rPr lang="it-IT" dirty="0" smtClean="0"/>
-              <a:t>BLUETOOTH</a:t>
-            </a:r>
-          </a:p>
-          <a:p>
-            <a:r>
-              <a:rPr lang="it-IT" dirty="0" smtClean="0"/>
+      <p:pic>
+        <p:nvPicPr>
+          <p:cNvPr id="2050" name="Picture 2" descr="C:\Users\Simone\Desktop\Senza titolo-1.png"/>
+          <p:cNvPicPr>
+            <a:picLocks noChangeAspect="1" noChangeArrowheads="1"/>
+          </p:cNvPicPr>
+          <p:nvPr/>
+        </p:nvPicPr>
+        <p:blipFill>
+          <a:blip r:embed="rId2" cstate="print">
+            <a:extLst>
+              <a:ext uri="{28A0092B-C50C-407E-A947-70E740481C1C}">
+                <a14:useLocalDpi xmlns:a14="http://schemas.microsoft.com/office/drawing/2010/main" val="0"/>
+              </a:ext>
+            </a:extLst>
+          </a:blip>
+          <a:srcRect/>
+          <a:stretch>
+            <a:fillRect/>
+          </a:stretch>
+        </p:blipFill>
+        <p:spPr bwMode="auto">
+          <a:xfrm>
+            <a:off x="1175658" y="674132"/>
+            <a:ext cx="638628" cy="602479"/>
+          </a:xfrm>
+          <a:prstGeom prst="rect">
+            <a:avLst/>
+          </a:prstGeom>
+          <a:noFill/>
+          <a:extLst>
+            <a:ext uri="{909E8E84-426E-40DD-AFC4-6F175D3DCCD1}">
+              <a14:hiddenFill xmlns:a14="http://schemas.microsoft.com/office/drawing/2010/main">
+                <a:solidFill>
+                  <a:srgbClr val="FFFFFF"/>
+                </a:solidFill>
+              </a14:hiddenFill>
+            </a:ext>
+          </a:extLst>
+        </p:spPr>
+      </p:pic>
+      <p:sp>
+        <p:nvSpPr>
+          <p:cNvPr id="4" name="CasellaDiTesto 3"/>
+          <p:cNvSpPr txBox="1"/>
+          <p:nvPr/>
+        </p:nvSpPr>
+        <p:spPr>
+          <a:xfrm>
+            <a:off x="841829" y="304800"/>
+            <a:ext cx="1944914" cy="400110"/>
+          </a:xfrm>
+          <a:prstGeom prst="rect">
+            <a:avLst/>
+          </a:prstGeom>
+          <a:noFill/>
+        </p:spPr>
+        <p:txBody>
+          <a:bodyPr wrap="square" rtlCol="0">
+            <a:spAutoFit/>
+          </a:bodyPr>
+          <a:lstStyle/>
+          <a:p>
+            <a:r>
+              <a:rPr lang="it-IT" sz="2000" dirty="0">
+                <a:solidFill>
+                  <a:schemeClr val="bg2">
+                    <a:lumMod val="75000"/>
+                  </a:schemeClr>
+                </a:solidFill>
+              </a:rPr>
+              <a:t>BLUET</a:t>
+            </a:r>
+            <a:r>
+              <a:rPr lang="it-IT" sz="2000" dirty="0">
+                <a:solidFill>
+                  <a:schemeClr val="bg2">
+                    <a:lumMod val="75000"/>
+                  </a:schemeClr>
+                </a:solidFill>
+              </a:rPr>
+              <a:t>OOTH</a:t>
+            </a:r>
+            <a:endParaRPr lang="it-IT" sz="2000" dirty="0">
+              <a:solidFill>
+                <a:schemeClr val="bg2">
+                  <a:lumMod val="75000"/>
+                </a:schemeClr>
+              </a:solidFill>
+            </a:endParaRPr>
+          </a:p>
+        </p:txBody>
+      </p:sp>
+      <p:sp>
+        <p:nvSpPr>
+          <p:cNvPr id="6" name="CasellaDiTesto 5"/>
+          <p:cNvSpPr txBox="1"/>
+          <p:nvPr/>
+        </p:nvSpPr>
+        <p:spPr>
+          <a:xfrm>
+            <a:off x="3577767" y="304800"/>
+            <a:ext cx="1944914" cy="400110"/>
+          </a:xfrm>
+          <a:prstGeom prst="rect">
+            <a:avLst/>
+          </a:prstGeom>
+          <a:noFill/>
+        </p:spPr>
+        <p:txBody>
+          <a:bodyPr wrap="square" rtlCol="0">
+            <a:spAutoFit/>
+          </a:bodyPr>
+          <a:lstStyle/>
+          <a:p>
+            <a:r>
+              <a:rPr lang="it-IT" sz="2000" dirty="0">
+                <a:solidFill>
+                  <a:schemeClr val="bg2">
+                    <a:lumMod val="75000"/>
+                  </a:schemeClr>
+                </a:solidFill>
+              </a:rPr>
               <a:t>WIFI</a:t>
             </a:r>
-          </a:p>
-          <a:p>
-            <a:r>
-              <a:rPr lang="it-IT" dirty="0" smtClean="0"/>
+            <a:endParaRPr lang="it-IT" sz="2000" dirty="0">
+              <a:solidFill>
+                <a:schemeClr val="bg2">
+                  <a:lumMod val="75000"/>
+                </a:schemeClr>
+              </a:solidFill>
+            </a:endParaRPr>
+          </a:p>
+        </p:txBody>
+      </p:sp>
+      <p:sp>
+        <p:nvSpPr>
+          <p:cNvPr id="7" name="CasellaDiTesto 6"/>
+          <p:cNvSpPr txBox="1"/>
+          <p:nvPr/>
+        </p:nvSpPr>
+        <p:spPr>
+          <a:xfrm>
+            <a:off x="6081486" y="274022"/>
+            <a:ext cx="1944914" cy="400110"/>
+          </a:xfrm>
+          <a:prstGeom prst="rect">
+            <a:avLst/>
+          </a:prstGeom>
+          <a:noFill/>
+        </p:spPr>
+        <p:txBody>
+          <a:bodyPr wrap="square" rtlCol="0">
+            <a:spAutoFit/>
+          </a:bodyPr>
+          <a:lstStyle/>
+          <a:p>
+            <a:r>
+              <a:rPr lang="it-IT" sz="2000" dirty="0" smtClean="0">
+                <a:solidFill>
+                  <a:schemeClr val="bg2">
+                    <a:lumMod val="75000"/>
+                  </a:schemeClr>
+                </a:solidFill>
+              </a:rPr>
+              <a:t>LTE</a:t>
+            </a:r>
+            <a:endParaRPr lang="it-IT" sz="2000" dirty="0">
+              <a:solidFill>
+                <a:schemeClr val="bg2">
+                  <a:lumMod val="75000"/>
+                </a:schemeClr>
+              </a:solidFill>
+            </a:endParaRPr>
+          </a:p>
+        </p:txBody>
+      </p:sp>
+      <p:sp>
+        <p:nvSpPr>
+          <p:cNvPr id="8" name="CasellaDiTesto 7"/>
+          <p:cNvSpPr txBox="1"/>
+          <p:nvPr/>
+        </p:nvSpPr>
+        <p:spPr>
+          <a:xfrm>
+            <a:off x="8621477" y="304800"/>
+            <a:ext cx="1944914" cy="400110"/>
+          </a:xfrm>
+          <a:prstGeom prst="rect">
+            <a:avLst/>
+          </a:prstGeom>
+          <a:noFill/>
+        </p:spPr>
+        <p:txBody>
+          <a:bodyPr wrap="square" rtlCol="0">
+            <a:spAutoFit/>
+          </a:bodyPr>
+          <a:lstStyle/>
+          <a:p>
+            <a:r>
+              <a:rPr lang="it-IT" sz="2000" dirty="0">
+                <a:solidFill>
+                  <a:schemeClr val="bg2">
+                    <a:lumMod val="75000"/>
+                  </a:schemeClr>
+                </a:solidFill>
+              </a:rPr>
               <a:t>WIFI P2P</a:t>
             </a:r>
-          </a:p>
-          <a:p>
-            <a:endParaRPr lang="it-IT" dirty="0"/>
-          </a:p>
-          <a:p>
-            <a:r>
-              <a:rPr lang="it-IT" strike="sngStrike" dirty="0" smtClean="0"/>
-              <a:t>Ultrasuoni</a:t>
-            </a:r>
-            <a:endParaRPr lang="en-US" strike="sngStrike" dirty="0"/>
-          </a:p>
-        </p:txBody>
-      </p:sp>
+            <a:endParaRPr lang="it-IT" sz="2000" dirty="0">
+              <a:solidFill>
+                <a:schemeClr val="bg2">
+                  <a:lumMod val="75000"/>
+                </a:schemeClr>
+              </a:solidFill>
+            </a:endParaRPr>
+          </a:p>
+        </p:txBody>
+      </p:sp>
+      <p:pic>
+        <p:nvPicPr>
+          <p:cNvPr id="2052" name="Picture 4" descr="Risultati immagini per wifi icon png"/>
+          <p:cNvPicPr>
+            <a:picLocks noChangeAspect="1" noChangeArrowheads="1"/>
+          </p:cNvPicPr>
+          <p:nvPr/>
+        </p:nvPicPr>
+        <p:blipFill>
+          <a:blip r:embed="rId3" cstate="print">
+            <a:extLst>
+              <a:ext uri="{28A0092B-C50C-407E-A947-70E740481C1C}">
+                <a14:useLocalDpi xmlns:a14="http://schemas.microsoft.com/office/drawing/2010/main" val="0"/>
+              </a:ext>
+            </a:extLst>
+          </a:blip>
+          <a:srcRect/>
+          <a:stretch>
+            <a:fillRect/>
+          </a:stretch>
+        </p:blipFill>
+        <p:spPr bwMode="auto">
+          <a:xfrm>
+            <a:off x="3454388" y="674133"/>
+            <a:ext cx="943441" cy="658586"/>
+          </a:xfrm>
+          <a:prstGeom prst="rect">
+            <a:avLst/>
+          </a:prstGeom>
+          <a:noFill/>
+          <a:extLst>
+            <a:ext uri="{909E8E84-426E-40DD-AFC4-6F175D3DCCD1}">
+              <a14:hiddenFill xmlns:a14="http://schemas.microsoft.com/office/drawing/2010/main">
+                <a:solidFill>
+                  <a:srgbClr val="FFFFFF"/>
+                </a:solidFill>
+              </a14:hiddenFill>
+            </a:ext>
+          </a:extLst>
+        </p:spPr>
+      </p:pic>
+      <p:pic>
+        <p:nvPicPr>
+          <p:cNvPr id="2054" name="Picture 6" descr="Risultati immagini per wifi direct icon png"/>
+          <p:cNvPicPr>
+            <a:picLocks noChangeAspect="1" noChangeArrowheads="1"/>
+          </p:cNvPicPr>
+          <p:nvPr/>
+        </p:nvPicPr>
+        <p:blipFill>
+          <a:blip r:embed="rId4" cstate="print">
+            <a:extLst>
+              <a:ext uri="{28A0092B-C50C-407E-A947-70E740481C1C}">
+                <a14:useLocalDpi xmlns:a14="http://schemas.microsoft.com/office/drawing/2010/main" val="0"/>
+              </a:ext>
+            </a:extLst>
+          </a:blip>
+          <a:srcRect/>
+          <a:stretch>
+            <a:fillRect/>
+          </a:stretch>
+        </p:blipFill>
+        <p:spPr bwMode="auto">
+          <a:xfrm>
+            <a:off x="8707663" y="674132"/>
+            <a:ext cx="949719" cy="949719"/>
+          </a:xfrm>
+          <a:prstGeom prst="rect">
+            <a:avLst/>
+          </a:prstGeom>
+          <a:noFill/>
+          <a:extLst>
+            <a:ext uri="{909E8E84-426E-40DD-AFC4-6F175D3DCCD1}">
+              <a14:hiddenFill xmlns:a14="http://schemas.microsoft.com/office/drawing/2010/main">
+                <a:solidFill>
+                  <a:srgbClr val="FFFFFF"/>
+                </a:solidFill>
+              </a14:hiddenFill>
+            </a:ext>
+          </a:extLst>
+        </p:spPr>
+      </p:pic>
+      <p:pic>
+        <p:nvPicPr>
+          <p:cNvPr id="2057" name="Picture 9" descr="C:\Users\Simone\Desktop\dsf.png"/>
+          <p:cNvPicPr>
+            <a:picLocks noChangeAspect="1" noChangeArrowheads="1"/>
+          </p:cNvPicPr>
+          <p:nvPr/>
+        </p:nvPicPr>
+        <p:blipFill>
+          <a:blip r:embed="rId5" cstate="print">
+            <a:extLst>
+              <a:ext uri="{28A0092B-C50C-407E-A947-70E740481C1C}">
+                <a14:useLocalDpi xmlns:a14="http://schemas.microsoft.com/office/drawing/2010/main" val="0"/>
+              </a:ext>
+            </a:extLst>
+          </a:blip>
+          <a:srcRect/>
+          <a:stretch>
+            <a:fillRect/>
+          </a:stretch>
+        </p:blipFill>
+        <p:spPr bwMode="auto">
+          <a:xfrm>
+            <a:off x="5754910" y="691182"/>
+            <a:ext cx="1313547" cy="641537"/>
+          </a:xfrm>
+          <a:prstGeom prst="rect">
+            <a:avLst/>
+          </a:prstGeom>
+          <a:noFill/>
+          <a:extLst>
+            <a:ext uri="{909E8E84-426E-40DD-AFC4-6F175D3DCCD1}">
+              <a14:hiddenFill xmlns:a14="http://schemas.microsoft.com/office/drawing/2010/main">
+                <a:solidFill>
+                  <a:srgbClr val="FFFFFF"/>
+                </a:solidFill>
+              </a14:hiddenFill>
+            </a:ext>
+          </a:extLst>
+        </p:spPr>
+      </p:pic>
     </p:spTree>
     <p:extLst>
       <p:ext uri="{BB962C8B-B14F-4D97-AF65-F5344CB8AC3E}">
@@ -5903,22 +7406,540 @@
           </a:p>
         </p:txBody>
       </p:sp>
-      <p:sp>
-        <p:nvSpPr>
-          <p:cNvPr id="3" name="Segnaposto contenuto 2"/>
-          <p:cNvSpPr>
-            <a:spLocks noGrp="1"/>
-          </p:cNvSpPr>
-          <p:nvPr>
-            <p:ph idx="1"/>
-          </p:nvPr>
-        </p:nvSpPr>
-        <p:spPr/>
-        <p:txBody>
-          <a:bodyPr/>
-          <a:lstStyle/>
-          <a:p>
-            <a:endParaRPr lang="en-US"/>
+      <p:pic>
+        <p:nvPicPr>
+          <p:cNvPr id="5" name="Picture 2" descr="C:\Users\Simone\Desktop\Senza titolo-1.png"/>
+          <p:cNvPicPr>
+            <a:picLocks noChangeAspect="1" noChangeArrowheads="1"/>
+          </p:cNvPicPr>
+          <p:nvPr/>
+        </p:nvPicPr>
+        <p:blipFill>
+          <a:blip r:embed="rId2" cstate="print">
+            <a:extLst>
+              <a:ext uri="{28A0092B-C50C-407E-A947-70E740481C1C}">
+                <a14:useLocalDpi xmlns:a14="http://schemas.microsoft.com/office/drawing/2010/main" val="0"/>
+              </a:ext>
+            </a:extLst>
+          </a:blip>
+          <a:srcRect/>
+          <a:stretch>
+            <a:fillRect/>
+          </a:stretch>
+        </p:blipFill>
+        <p:spPr bwMode="auto">
+          <a:xfrm>
+            <a:off x="1175658" y="674132"/>
+            <a:ext cx="638628" cy="602479"/>
+          </a:xfrm>
+          <a:prstGeom prst="rect">
+            <a:avLst/>
+          </a:prstGeom>
+          <a:noFill/>
+          <a:extLst>
+            <a:ext uri="{909E8E84-426E-40DD-AFC4-6F175D3DCCD1}">
+              <a14:hiddenFill xmlns:a14="http://schemas.microsoft.com/office/drawing/2010/main">
+                <a:solidFill>
+                  <a:srgbClr val="FFFFFF"/>
+                </a:solidFill>
+              </a14:hiddenFill>
+            </a:ext>
+          </a:extLst>
+        </p:spPr>
+      </p:pic>
+      <p:sp>
+        <p:nvSpPr>
+          <p:cNvPr id="6" name="CasellaDiTesto 5"/>
+          <p:cNvSpPr txBox="1"/>
+          <p:nvPr/>
+        </p:nvSpPr>
+        <p:spPr>
+          <a:xfrm>
+            <a:off x="841829" y="304800"/>
+            <a:ext cx="1944914" cy="400110"/>
+          </a:xfrm>
+          <a:prstGeom prst="rect">
+            <a:avLst/>
+          </a:prstGeom>
+          <a:noFill/>
+        </p:spPr>
+        <p:txBody>
+          <a:bodyPr wrap="square" rtlCol="0">
+            <a:spAutoFit/>
+          </a:bodyPr>
+          <a:lstStyle/>
+          <a:p>
+            <a:r>
+              <a:rPr lang="it-IT" sz="2000" dirty="0">
+                <a:solidFill>
+                  <a:schemeClr val="bg2">
+                    <a:lumMod val="75000"/>
+                  </a:schemeClr>
+                </a:solidFill>
+              </a:rPr>
+              <a:t>BLUET</a:t>
+            </a:r>
+            <a:r>
+              <a:rPr lang="it-IT" sz="2000" dirty="0">
+                <a:solidFill>
+                  <a:schemeClr val="bg2">
+                    <a:lumMod val="75000"/>
+                  </a:schemeClr>
+                </a:solidFill>
+              </a:rPr>
+              <a:t>OOTH</a:t>
+            </a:r>
+            <a:endParaRPr lang="it-IT" sz="2000" dirty="0">
+              <a:solidFill>
+                <a:schemeClr val="bg2">
+                  <a:lumMod val="75000"/>
+                </a:schemeClr>
+              </a:solidFill>
+            </a:endParaRPr>
+          </a:p>
+        </p:txBody>
+      </p:sp>
+      <p:sp>
+        <p:nvSpPr>
+          <p:cNvPr id="7" name="CasellaDiTesto 6"/>
+          <p:cNvSpPr txBox="1"/>
+          <p:nvPr/>
+        </p:nvSpPr>
+        <p:spPr>
+          <a:xfrm>
+            <a:off x="3577767" y="304800"/>
+            <a:ext cx="1944914" cy="400110"/>
+          </a:xfrm>
+          <a:prstGeom prst="rect">
+            <a:avLst/>
+          </a:prstGeom>
+          <a:noFill/>
+        </p:spPr>
+        <p:txBody>
+          <a:bodyPr wrap="square" rtlCol="0">
+            <a:spAutoFit/>
+          </a:bodyPr>
+          <a:lstStyle/>
+          <a:p>
+            <a:r>
+              <a:rPr lang="it-IT" sz="2000" dirty="0">
+                <a:solidFill>
+                  <a:schemeClr val="bg2">
+                    <a:lumMod val="75000"/>
+                  </a:schemeClr>
+                </a:solidFill>
+              </a:rPr>
+              <a:t>WIFI</a:t>
+            </a:r>
+            <a:endParaRPr lang="it-IT" sz="2000" dirty="0">
+              <a:solidFill>
+                <a:schemeClr val="bg2">
+                  <a:lumMod val="75000"/>
+                </a:schemeClr>
+              </a:solidFill>
+            </a:endParaRPr>
+          </a:p>
+        </p:txBody>
+      </p:sp>
+      <p:sp>
+        <p:nvSpPr>
+          <p:cNvPr id="8" name="CasellaDiTesto 7"/>
+          <p:cNvSpPr txBox="1"/>
+          <p:nvPr/>
+        </p:nvSpPr>
+        <p:spPr>
+          <a:xfrm>
+            <a:off x="6081486" y="274022"/>
+            <a:ext cx="1944914" cy="400110"/>
+          </a:xfrm>
+          <a:prstGeom prst="rect">
+            <a:avLst/>
+          </a:prstGeom>
+          <a:noFill/>
+        </p:spPr>
+        <p:txBody>
+          <a:bodyPr wrap="square" rtlCol="0">
+            <a:spAutoFit/>
+          </a:bodyPr>
+          <a:lstStyle/>
+          <a:p>
+            <a:r>
+              <a:rPr lang="it-IT" sz="2000" dirty="0" smtClean="0">
+                <a:solidFill>
+                  <a:schemeClr val="bg2">
+                    <a:lumMod val="75000"/>
+                  </a:schemeClr>
+                </a:solidFill>
+              </a:rPr>
+              <a:t>LTE</a:t>
+            </a:r>
+            <a:endParaRPr lang="it-IT" sz="2000" dirty="0">
+              <a:solidFill>
+                <a:schemeClr val="bg2">
+                  <a:lumMod val="75000"/>
+                </a:schemeClr>
+              </a:solidFill>
+            </a:endParaRPr>
+          </a:p>
+        </p:txBody>
+      </p:sp>
+      <p:sp>
+        <p:nvSpPr>
+          <p:cNvPr id="9" name="CasellaDiTesto 8"/>
+          <p:cNvSpPr txBox="1"/>
+          <p:nvPr/>
+        </p:nvSpPr>
+        <p:spPr>
+          <a:xfrm>
+            <a:off x="8621477" y="304800"/>
+            <a:ext cx="1944914" cy="400110"/>
+          </a:xfrm>
+          <a:prstGeom prst="rect">
+            <a:avLst/>
+          </a:prstGeom>
+          <a:noFill/>
+        </p:spPr>
+        <p:txBody>
+          <a:bodyPr wrap="square" rtlCol="0">
+            <a:spAutoFit/>
+          </a:bodyPr>
+          <a:lstStyle/>
+          <a:p>
+            <a:r>
+              <a:rPr lang="it-IT" sz="2000" dirty="0">
+                <a:solidFill>
+                  <a:schemeClr val="bg2">
+                    <a:lumMod val="75000"/>
+                  </a:schemeClr>
+                </a:solidFill>
+              </a:rPr>
+              <a:t>WIFI P2P</a:t>
+            </a:r>
+            <a:endParaRPr lang="it-IT" sz="2000" dirty="0">
+              <a:solidFill>
+                <a:schemeClr val="bg2">
+                  <a:lumMod val="75000"/>
+                </a:schemeClr>
+              </a:solidFill>
+            </a:endParaRPr>
+          </a:p>
+        </p:txBody>
+      </p:sp>
+      <p:pic>
+        <p:nvPicPr>
+          <p:cNvPr id="10" name="Picture 4" descr="Risultati immagini per wifi icon png"/>
+          <p:cNvPicPr>
+            <a:picLocks noChangeAspect="1" noChangeArrowheads="1"/>
+          </p:cNvPicPr>
+          <p:nvPr/>
+        </p:nvPicPr>
+        <p:blipFill>
+          <a:blip r:embed="rId3" cstate="print">
+            <a:extLst>
+              <a:ext uri="{28A0092B-C50C-407E-A947-70E740481C1C}">
+                <a14:useLocalDpi xmlns:a14="http://schemas.microsoft.com/office/drawing/2010/main" val="0"/>
+              </a:ext>
+            </a:extLst>
+          </a:blip>
+          <a:srcRect/>
+          <a:stretch>
+            <a:fillRect/>
+          </a:stretch>
+        </p:blipFill>
+        <p:spPr bwMode="auto">
+          <a:xfrm>
+            <a:off x="3454388" y="674133"/>
+            <a:ext cx="943441" cy="658586"/>
+          </a:xfrm>
+          <a:prstGeom prst="rect">
+            <a:avLst/>
+          </a:prstGeom>
+          <a:noFill/>
+          <a:extLst>
+            <a:ext uri="{909E8E84-426E-40DD-AFC4-6F175D3DCCD1}">
+              <a14:hiddenFill xmlns:a14="http://schemas.microsoft.com/office/drawing/2010/main">
+                <a:solidFill>
+                  <a:srgbClr val="FFFFFF"/>
+                </a:solidFill>
+              </a14:hiddenFill>
+            </a:ext>
+          </a:extLst>
+        </p:spPr>
+      </p:pic>
+      <p:pic>
+        <p:nvPicPr>
+          <p:cNvPr id="11" name="Picture 6" descr="Risultati immagini per wifi direct icon png"/>
+          <p:cNvPicPr>
+            <a:picLocks noChangeAspect="1" noChangeArrowheads="1"/>
+          </p:cNvPicPr>
+          <p:nvPr/>
+        </p:nvPicPr>
+        <p:blipFill>
+          <a:blip r:embed="rId4" cstate="print">
+            <a:extLst>
+              <a:ext uri="{28A0092B-C50C-407E-A947-70E740481C1C}">
+                <a14:useLocalDpi xmlns:a14="http://schemas.microsoft.com/office/drawing/2010/main" val="0"/>
+              </a:ext>
+            </a:extLst>
+          </a:blip>
+          <a:srcRect/>
+          <a:stretch>
+            <a:fillRect/>
+          </a:stretch>
+        </p:blipFill>
+        <p:spPr bwMode="auto">
+          <a:xfrm>
+            <a:off x="8707663" y="674132"/>
+            <a:ext cx="949719" cy="949719"/>
+          </a:xfrm>
+          <a:prstGeom prst="rect">
+            <a:avLst/>
+          </a:prstGeom>
+          <a:noFill/>
+          <a:extLst>
+            <a:ext uri="{909E8E84-426E-40DD-AFC4-6F175D3DCCD1}">
+              <a14:hiddenFill xmlns:a14="http://schemas.microsoft.com/office/drawing/2010/main">
+                <a:solidFill>
+                  <a:srgbClr val="FFFFFF"/>
+                </a:solidFill>
+              </a14:hiddenFill>
+            </a:ext>
+          </a:extLst>
+        </p:spPr>
+      </p:pic>
+      <p:pic>
+        <p:nvPicPr>
+          <p:cNvPr id="12" name="Picture 9" descr="C:\Users\Simone\Desktop\dsf.png"/>
+          <p:cNvPicPr>
+            <a:picLocks noChangeAspect="1" noChangeArrowheads="1"/>
+          </p:cNvPicPr>
+          <p:nvPr/>
+        </p:nvPicPr>
+        <p:blipFill>
+          <a:blip r:embed="rId5" cstate="print">
+            <a:extLst>
+              <a:ext uri="{28A0092B-C50C-407E-A947-70E740481C1C}">
+                <a14:useLocalDpi xmlns:a14="http://schemas.microsoft.com/office/drawing/2010/main" val="0"/>
+              </a:ext>
+            </a:extLst>
+          </a:blip>
+          <a:srcRect/>
+          <a:stretch>
+            <a:fillRect/>
+          </a:stretch>
+        </p:blipFill>
+        <p:spPr bwMode="auto">
+          <a:xfrm>
+            <a:off x="5754910" y="691182"/>
+            <a:ext cx="1313547" cy="641537"/>
+          </a:xfrm>
+          <a:prstGeom prst="rect">
+            <a:avLst/>
+          </a:prstGeom>
+          <a:noFill/>
+          <a:extLst>
+            <a:ext uri="{909E8E84-426E-40DD-AFC4-6F175D3DCCD1}">
+              <a14:hiddenFill xmlns:a14="http://schemas.microsoft.com/office/drawing/2010/main">
+                <a:solidFill>
+                  <a:srgbClr val="FFFFFF"/>
+                </a:solidFill>
+              </a14:hiddenFill>
+            </a:ext>
+          </a:extLst>
+        </p:spPr>
+      </p:pic>
+      <p:sp>
+        <p:nvSpPr>
+          <p:cNvPr id="13" name="CasellaDiTesto 12"/>
+          <p:cNvSpPr txBox="1"/>
+          <p:nvPr/>
+        </p:nvSpPr>
+        <p:spPr>
+          <a:xfrm>
+            <a:off x="1045028" y="1959440"/>
+            <a:ext cx="1988457" cy="2031325"/>
+          </a:xfrm>
+          <a:prstGeom prst="rect">
+            <a:avLst/>
+          </a:prstGeom>
+          <a:noFill/>
+        </p:spPr>
+        <p:txBody>
+          <a:bodyPr wrap="square" rtlCol="0">
+            <a:spAutoFit/>
+          </a:bodyPr>
+          <a:lstStyle/>
+          <a:p>
+            <a:r>
+              <a:rPr lang="it-IT" b="1" dirty="0" smtClean="0">
+                <a:solidFill>
+                  <a:schemeClr val="accent4">
+                    <a:lumMod val="60000"/>
+                    <a:lumOff val="40000"/>
+                  </a:schemeClr>
+                </a:solidFill>
+              </a:rPr>
+              <a:t>NESSUNA CONNESSIONE NECESSARIA</a:t>
+            </a:r>
+          </a:p>
+          <a:p>
+            <a:endParaRPr lang="it-IT" b="1" dirty="0" smtClean="0">
+              <a:solidFill>
+                <a:schemeClr val="accent6"/>
+              </a:solidFill>
+            </a:endParaRPr>
+          </a:p>
+          <a:p>
+            <a:r>
+              <a:rPr lang="it-IT" b="1" dirty="0" smtClean="0">
+                <a:solidFill>
+                  <a:schemeClr val="accent6"/>
+                </a:solidFill>
+              </a:rPr>
+              <a:t>RANGE ESTREMAMENTE LIMITATO</a:t>
+            </a:r>
+            <a:endParaRPr lang="it-IT" b="1" dirty="0">
+              <a:solidFill>
+                <a:schemeClr val="accent6"/>
+              </a:solidFill>
+            </a:endParaRPr>
+          </a:p>
+        </p:txBody>
+      </p:sp>
+      <p:sp>
+        <p:nvSpPr>
+          <p:cNvPr id="14" name="CasellaDiTesto 13"/>
+          <p:cNvSpPr txBox="1"/>
+          <p:nvPr/>
+        </p:nvSpPr>
+        <p:spPr>
+          <a:xfrm>
+            <a:off x="3251188" y="1988467"/>
+            <a:ext cx="1901383" cy="923330"/>
+          </a:xfrm>
+          <a:prstGeom prst="rect">
+            <a:avLst/>
+          </a:prstGeom>
+          <a:noFill/>
+        </p:spPr>
+        <p:txBody>
+          <a:bodyPr wrap="square" rtlCol="0">
+            <a:spAutoFit/>
+          </a:bodyPr>
+          <a:lstStyle/>
+          <a:p>
+            <a:r>
+              <a:rPr lang="it-IT" b="1" dirty="0" smtClean="0">
+                <a:solidFill>
+                  <a:schemeClr val="accent6"/>
+                </a:solidFill>
+              </a:rPr>
+              <a:t>TEMPO DI CONNESSIONE FUORI SCALA</a:t>
+            </a:r>
+            <a:endParaRPr lang="it-IT" b="1" dirty="0">
+              <a:solidFill>
+                <a:schemeClr val="accent6"/>
+              </a:solidFill>
+            </a:endParaRPr>
+          </a:p>
+        </p:txBody>
+      </p:sp>
+      <p:sp>
+        <p:nvSpPr>
+          <p:cNvPr id="15" name="CasellaDiTesto 14"/>
+          <p:cNvSpPr txBox="1"/>
+          <p:nvPr/>
+        </p:nvSpPr>
+        <p:spPr>
+          <a:xfrm>
+            <a:off x="5754909" y="1938284"/>
+            <a:ext cx="2082805" cy="1477328"/>
+          </a:xfrm>
+          <a:prstGeom prst="rect">
+            <a:avLst/>
+          </a:prstGeom>
+          <a:noFill/>
+        </p:spPr>
+        <p:txBody>
+          <a:bodyPr wrap="square" rtlCol="0">
+            <a:spAutoFit/>
+          </a:bodyPr>
+          <a:lstStyle/>
+          <a:p>
+            <a:r>
+              <a:rPr lang="it-IT" b="1" dirty="0" smtClean="0">
+                <a:solidFill>
+                  <a:schemeClr val="accent6"/>
+                </a:solidFill>
+              </a:rPr>
+              <a:t>CONNESISONE LTE RICHIESTA (COSTI, LIMITAZIONI GEOGRAFICHE)</a:t>
+            </a:r>
+            <a:endParaRPr lang="it-IT" b="1" dirty="0">
+              <a:solidFill>
+                <a:schemeClr val="accent6"/>
+              </a:solidFill>
+            </a:endParaRPr>
+          </a:p>
+        </p:txBody>
+      </p:sp>
+      <p:sp>
+        <p:nvSpPr>
+          <p:cNvPr id="16" name="CasellaDiTesto 15"/>
+          <p:cNvSpPr txBox="1"/>
+          <p:nvPr/>
+        </p:nvSpPr>
+        <p:spPr>
+          <a:xfrm>
+            <a:off x="8643242" y="1959440"/>
+            <a:ext cx="1901383" cy="1754326"/>
+          </a:xfrm>
+          <a:prstGeom prst="rect">
+            <a:avLst/>
+          </a:prstGeom>
+          <a:noFill/>
+        </p:spPr>
+        <p:txBody>
+          <a:bodyPr wrap="square" rtlCol="0">
+            <a:spAutoFit/>
+          </a:bodyPr>
+          <a:lstStyle/>
+          <a:p>
+            <a:r>
+              <a:rPr lang="it-IT" b="1" dirty="0">
+                <a:solidFill>
+                  <a:schemeClr val="accent4">
+                    <a:lumMod val="60000"/>
+                    <a:lumOff val="40000"/>
+                  </a:schemeClr>
+                </a:solidFill>
+              </a:rPr>
+              <a:t>DISCOVERY IMMEDIATO</a:t>
+            </a:r>
+          </a:p>
+          <a:p>
+            <a:endParaRPr lang="it-IT" b="1" dirty="0" smtClean="0">
+              <a:solidFill>
+                <a:schemeClr val="accent6"/>
+              </a:solidFill>
+            </a:endParaRPr>
+          </a:p>
+          <a:p>
+            <a:r>
+              <a:rPr lang="it-IT" b="1" dirty="0" smtClean="0">
+                <a:solidFill>
+                  <a:schemeClr val="accent6"/>
+                </a:solidFill>
+              </a:rPr>
+              <a:t>TEMPO DI CONNESSIONE FUORI SCALA</a:t>
+            </a:r>
+            <a:endParaRPr lang="it-IT" b="1" dirty="0">
+              <a:solidFill>
+                <a:schemeClr val="accent4">
+                  <a:lumMod val="60000"/>
+                  <a:lumOff val="40000"/>
+                </a:schemeClr>
+              </a:solidFill>
+            </a:endParaRPr>
           </a:p>
         </p:txBody>
       </p:sp>
@@ -5984,20 +8005,656 @@
       </p:sp>
       <p:sp>
         <p:nvSpPr>
-          <p:cNvPr id="3" name="Segnaposto contenuto 2"/>
-          <p:cNvSpPr>
-            <a:spLocks noGrp="1"/>
-          </p:cNvSpPr>
-          <p:nvPr>
-            <p:ph idx="1"/>
-          </p:nvPr>
-        </p:nvSpPr>
-        <p:spPr/>
-        <p:txBody>
-          <a:bodyPr/>
-          <a:lstStyle/>
-          <a:p>
-            <a:endParaRPr lang="en-US"/>
+          <p:cNvPr id="4" name="Rettangolo 3"/>
+          <p:cNvSpPr/>
+          <p:nvPr/>
+        </p:nvSpPr>
+        <p:spPr>
+          <a:xfrm>
+            <a:off x="8331200" y="274022"/>
+            <a:ext cx="2191651" cy="3906092"/>
+          </a:xfrm>
+          <a:prstGeom prst="rect">
+            <a:avLst/>
+          </a:prstGeom>
+          <a:solidFill>
+            <a:srgbClr val="E3F4C9">
+              <a:alpha val="14902"/>
+            </a:srgbClr>
+          </a:solidFill>
+          <a:ln>
+            <a:solidFill>
+              <a:schemeClr val="accent4">
+                <a:lumMod val="40000"/>
+                <a:lumOff val="60000"/>
+              </a:schemeClr>
+            </a:solidFill>
+          </a:ln>
+        </p:spPr>
+        <p:style>
+          <a:lnRef idx="2">
+            <a:schemeClr val="accent1">
+              <a:shade val="50000"/>
+            </a:schemeClr>
+          </a:lnRef>
+          <a:fillRef idx="1">
+            <a:schemeClr val="accent1"/>
+          </a:fillRef>
+          <a:effectRef idx="0">
+            <a:schemeClr val="accent1"/>
+          </a:effectRef>
+          <a:fontRef idx="minor">
+            <a:schemeClr val="lt1"/>
+          </a:fontRef>
+        </p:style>
+        <p:txBody>
+          <a:bodyPr rtlCol="0" anchor="ctr"/>
+          <a:lstStyle/>
+          <a:p>
+            <a:pPr algn="ctr"/>
+            <a:endParaRPr lang="it-IT"/>
+          </a:p>
+        </p:txBody>
+      </p:sp>
+      <p:pic>
+        <p:nvPicPr>
+          <p:cNvPr id="5" name="Picture 2" descr="C:\Users\Simone\Desktop\Senza titolo-1.png"/>
+          <p:cNvPicPr>
+            <a:picLocks noChangeAspect="1" noChangeArrowheads="1"/>
+          </p:cNvPicPr>
+          <p:nvPr/>
+        </p:nvPicPr>
+        <p:blipFill>
+          <a:blip r:embed="rId2" cstate="print">
+            <a:extLst>
+              <a:ext uri="{28A0092B-C50C-407E-A947-70E740481C1C}">
+                <a14:useLocalDpi xmlns:a14="http://schemas.microsoft.com/office/drawing/2010/main" val="0"/>
+              </a:ext>
+            </a:extLst>
+          </a:blip>
+          <a:srcRect/>
+          <a:stretch>
+            <a:fillRect/>
+          </a:stretch>
+        </p:blipFill>
+        <p:spPr bwMode="auto">
+          <a:xfrm>
+            <a:off x="1175658" y="674132"/>
+            <a:ext cx="638628" cy="602479"/>
+          </a:xfrm>
+          <a:prstGeom prst="rect">
+            <a:avLst/>
+          </a:prstGeom>
+          <a:noFill/>
+          <a:extLst>
+            <a:ext uri="{909E8E84-426E-40DD-AFC4-6F175D3DCCD1}">
+              <a14:hiddenFill xmlns:a14="http://schemas.microsoft.com/office/drawing/2010/main">
+                <a:solidFill>
+                  <a:srgbClr val="FFFFFF"/>
+                </a:solidFill>
+              </a14:hiddenFill>
+            </a:ext>
+          </a:extLst>
+        </p:spPr>
+      </p:pic>
+      <p:sp>
+        <p:nvSpPr>
+          <p:cNvPr id="6" name="CasellaDiTesto 5"/>
+          <p:cNvSpPr txBox="1"/>
+          <p:nvPr/>
+        </p:nvSpPr>
+        <p:spPr>
+          <a:xfrm>
+            <a:off x="841829" y="304800"/>
+            <a:ext cx="1944914" cy="400110"/>
+          </a:xfrm>
+          <a:prstGeom prst="rect">
+            <a:avLst/>
+          </a:prstGeom>
+          <a:noFill/>
+        </p:spPr>
+        <p:txBody>
+          <a:bodyPr wrap="square" rtlCol="0">
+            <a:spAutoFit/>
+          </a:bodyPr>
+          <a:lstStyle/>
+          <a:p>
+            <a:r>
+              <a:rPr lang="it-IT" sz="2000" dirty="0">
+                <a:solidFill>
+                  <a:schemeClr val="bg2">
+                    <a:lumMod val="75000"/>
+                  </a:schemeClr>
+                </a:solidFill>
+              </a:rPr>
+              <a:t>BLUET</a:t>
+            </a:r>
+            <a:r>
+              <a:rPr lang="it-IT" sz="2000" dirty="0">
+                <a:solidFill>
+                  <a:schemeClr val="bg2">
+                    <a:lumMod val="75000"/>
+                  </a:schemeClr>
+                </a:solidFill>
+              </a:rPr>
+              <a:t>OOTH</a:t>
+            </a:r>
+            <a:endParaRPr lang="it-IT" sz="2000" dirty="0">
+              <a:solidFill>
+                <a:schemeClr val="bg2">
+                  <a:lumMod val="75000"/>
+                </a:schemeClr>
+              </a:solidFill>
+            </a:endParaRPr>
+          </a:p>
+        </p:txBody>
+      </p:sp>
+      <p:sp>
+        <p:nvSpPr>
+          <p:cNvPr id="7" name="CasellaDiTesto 6"/>
+          <p:cNvSpPr txBox="1"/>
+          <p:nvPr/>
+        </p:nvSpPr>
+        <p:spPr>
+          <a:xfrm>
+            <a:off x="3577767" y="304800"/>
+            <a:ext cx="1944914" cy="400110"/>
+          </a:xfrm>
+          <a:prstGeom prst="rect">
+            <a:avLst/>
+          </a:prstGeom>
+          <a:noFill/>
+        </p:spPr>
+        <p:txBody>
+          <a:bodyPr wrap="square" rtlCol="0">
+            <a:spAutoFit/>
+          </a:bodyPr>
+          <a:lstStyle/>
+          <a:p>
+            <a:r>
+              <a:rPr lang="it-IT" sz="2000" dirty="0">
+                <a:solidFill>
+                  <a:schemeClr val="bg2">
+                    <a:lumMod val="75000"/>
+                  </a:schemeClr>
+                </a:solidFill>
+              </a:rPr>
+              <a:t>WIFI</a:t>
+            </a:r>
+            <a:endParaRPr lang="it-IT" sz="2000" dirty="0">
+              <a:solidFill>
+                <a:schemeClr val="bg2">
+                  <a:lumMod val="75000"/>
+                </a:schemeClr>
+              </a:solidFill>
+            </a:endParaRPr>
+          </a:p>
+        </p:txBody>
+      </p:sp>
+      <p:sp>
+        <p:nvSpPr>
+          <p:cNvPr id="8" name="CasellaDiTesto 7"/>
+          <p:cNvSpPr txBox="1"/>
+          <p:nvPr/>
+        </p:nvSpPr>
+        <p:spPr>
+          <a:xfrm>
+            <a:off x="6081486" y="274022"/>
+            <a:ext cx="1944914" cy="400110"/>
+          </a:xfrm>
+          <a:prstGeom prst="rect">
+            <a:avLst/>
+          </a:prstGeom>
+          <a:noFill/>
+        </p:spPr>
+        <p:txBody>
+          <a:bodyPr wrap="square" rtlCol="0">
+            <a:spAutoFit/>
+          </a:bodyPr>
+          <a:lstStyle/>
+          <a:p>
+            <a:r>
+              <a:rPr lang="it-IT" sz="2000" dirty="0" smtClean="0">
+                <a:solidFill>
+                  <a:schemeClr val="bg2">
+                    <a:lumMod val="75000"/>
+                  </a:schemeClr>
+                </a:solidFill>
+              </a:rPr>
+              <a:t>LTE</a:t>
+            </a:r>
+            <a:endParaRPr lang="it-IT" sz="2000" dirty="0">
+              <a:solidFill>
+                <a:schemeClr val="bg2">
+                  <a:lumMod val="75000"/>
+                </a:schemeClr>
+              </a:solidFill>
+            </a:endParaRPr>
+          </a:p>
+        </p:txBody>
+      </p:sp>
+      <p:sp>
+        <p:nvSpPr>
+          <p:cNvPr id="9" name="CasellaDiTesto 8"/>
+          <p:cNvSpPr txBox="1"/>
+          <p:nvPr/>
+        </p:nvSpPr>
+        <p:spPr>
+          <a:xfrm>
+            <a:off x="8621477" y="304800"/>
+            <a:ext cx="1944914" cy="400110"/>
+          </a:xfrm>
+          <a:prstGeom prst="rect">
+            <a:avLst/>
+          </a:prstGeom>
+          <a:noFill/>
+        </p:spPr>
+        <p:txBody>
+          <a:bodyPr wrap="square" rtlCol="0">
+            <a:spAutoFit/>
+          </a:bodyPr>
+          <a:lstStyle/>
+          <a:p>
+            <a:r>
+              <a:rPr lang="it-IT" sz="2000" dirty="0">
+                <a:solidFill>
+                  <a:schemeClr val="bg2">
+                    <a:lumMod val="75000"/>
+                  </a:schemeClr>
+                </a:solidFill>
+              </a:rPr>
+              <a:t>WIFI P2P</a:t>
+            </a:r>
+            <a:endParaRPr lang="it-IT" sz="2000" dirty="0">
+              <a:solidFill>
+                <a:schemeClr val="bg2">
+                  <a:lumMod val="75000"/>
+                </a:schemeClr>
+              </a:solidFill>
+            </a:endParaRPr>
+          </a:p>
+        </p:txBody>
+      </p:sp>
+      <p:pic>
+        <p:nvPicPr>
+          <p:cNvPr id="10" name="Picture 4" descr="Risultati immagini per wifi icon png"/>
+          <p:cNvPicPr>
+            <a:picLocks noChangeAspect="1" noChangeArrowheads="1"/>
+          </p:cNvPicPr>
+          <p:nvPr/>
+        </p:nvPicPr>
+        <p:blipFill>
+          <a:blip r:embed="rId3" cstate="print">
+            <a:extLst>
+              <a:ext uri="{28A0092B-C50C-407E-A947-70E740481C1C}">
+                <a14:useLocalDpi xmlns:a14="http://schemas.microsoft.com/office/drawing/2010/main" val="0"/>
+              </a:ext>
+            </a:extLst>
+          </a:blip>
+          <a:srcRect/>
+          <a:stretch>
+            <a:fillRect/>
+          </a:stretch>
+        </p:blipFill>
+        <p:spPr bwMode="auto">
+          <a:xfrm>
+            <a:off x="3454388" y="674133"/>
+            <a:ext cx="943441" cy="658586"/>
+          </a:xfrm>
+          <a:prstGeom prst="rect">
+            <a:avLst/>
+          </a:prstGeom>
+          <a:noFill/>
+          <a:extLst>
+            <a:ext uri="{909E8E84-426E-40DD-AFC4-6F175D3DCCD1}">
+              <a14:hiddenFill xmlns:a14="http://schemas.microsoft.com/office/drawing/2010/main">
+                <a:solidFill>
+                  <a:srgbClr val="FFFFFF"/>
+                </a:solidFill>
+              </a14:hiddenFill>
+            </a:ext>
+          </a:extLst>
+        </p:spPr>
+      </p:pic>
+      <p:pic>
+        <p:nvPicPr>
+          <p:cNvPr id="11" name="Picture 6" descr="Risultati immagini per wifi direct icon png"/>
+          <p:cNvPicPr>
+            <a:picLocks noChangeAspect="1" noChangeArrowheads="1"/>
+          </p:cNvPicPr>
+          <p:nvPr/>
+        </p:nvPicPr>
+        <p:blipFill>
+          <a:blip r:embed="rId4" cstate="print">
+            <a:extLst>
+              <a:ext uri="{28A0092B-C50C-407E-A947-70E740481C1C}">
+                <a14:useLocalDpi xmlns:a14="http://schemas.microsoft.com/office/drawing/2010/main" val="0"/>
+              </a:ext>
+            </a:extLst>
+          </a:blip>
+          <a:srcRect/>
+          <a:stretch>
+            <a:fillRect/>
+          </a:stretch>
+        </p:blipFill>
+        <p:spPr bwMode="auto">
+          <a:xfrm>
+            <a:off x="8707663" y="674132"/>
+            <a:ext cx="949719" cy="949719"/>
+          </a:xfrm>
+          <a:prstGeom prst="rect">
+            <a:avLst/>
+          </a:prstGeom>
+          <a:noFill/>
+          <a:extLst>
+            <a:ext uri="{909E8E84-426E-40DD-AFC4-6F175D3DCCD1}">
+              <a14:hiddenFill xmlns:a14="http://schemas.microsoft.com/office/drawing/2010/main">
+                <a:solidFill>
+                  <a:srgbClr val="FFFFFF"/>
+                </a:solidFill>
+              </a14:hiddenFill>
+            </a:ext>
+          </a:extLst>
+        </p:spPr>
+      </p:pic>
+      <p:pic>
+        <p:nvPicPr>
+          <p:cNvPr id="12" name="Picture 9" descr="C:\Users\Simone\Desktop\dsf.png"/>
+          <p:cNvPicPr>
+            <a:picLocks noChangeAspect="1" noChangeArrowheads="1"/>
+          </p:cNvPicPr>
+          <p:nvPr/>
+        </p:nvPicPr>
+        <p:blipFill>
+          <a:blip r:embed="rId5" cstate="print">
+            <a:extLst>
+              <a:ext uri="{28A0092B-C50C-407E-A947-70E740481C1C}">
+                <a14:useLocalDpi xmlns:a14="http://schemas.microsoft.com/office/drawing/2010/main" val="0"/>
+              </a:ext>
+            </a:extLst>
+          </a:blip>
+          <a:srcRect/>
+          <a:stretch>
+            <a:fillRect/>
+          </a:stretch>
+        </p:blipFill>
+        <p:spPr bwMode="auto">
+          <a:xfrm>
+            <a:off x="5754910" y="691182"/>
+            <a:ext cx="1313547" cy="641537"/>
+          </a:xfrm>
+          <a:prstGeom prst="rect">
+            <a:avLst/>
+          </a:prstGeom>
+          <a:noFill/>
+          <a:extLst>
+            <a:ext uri="{909E8E84-426E-40DD-AFC4-6F175D3DCCD1}">
+              <a14:hiddenFill xmlns:a14="http://schemas.microsoft.com/office/drawing/2010/main">
+                <a:solidFill>
+                  <a:srgbClr val="FFFFFF"/>
+                </a:solidFill>
+              </a14:hiddenFill>
+            </a:ext>
+          </a:extLst>
+        </p:spPr>
+      </p:pic>
+      <p:sp>
+        <p:nvSpPr>
+          <p:cNvPr id="29" name="CasellaDiTesto 28"/>
+          <p:cNvSpPr txBox="1"/>
+          <p:nvPr/>
+        </p:nvSpPr>
+        <p:spPr>
+          <a:xfrm>
+            <a:off x="1045028" y="1959440"/>
+            <a:ext cx="1988457" cy="2031325"/>
+          </a:xfrm>
+          <a:prstGeom prst="rect">
+            <a:avLst/>
+          </a:prstGeom>
+          <a:noFill/>
+        </p:spPr>
+        <p:txBody>
+          <a:bodyPr wrap="square" rtlCol="0">
+            <a:spAutoFit/>
+          </a:bodyPr>
+          <a:lstStyle/>
+          <a:p>
+            <a:r>
+              <a:rPr lang="it-IT" b="1" dirty="0" smtClean="0">
+                <a:solidFill>
+                  <a:schemeClr val="accent4">
+                    <a:lumMod val="60000"/>
+                    <a:lumOff val="40000"/>
+                  </a:schemeClr>
+                </a:solidFill>
+              </a:rPr>
+              <a:t>NESSUNA CONNESSIONE NECESSARIA</a:t>
+            </a:r>
+          </a:p>
+          <a:p>
+            <a:endParaRPr lang="it-IT" b="1" dirty="0" smtClean="0">
+              <a:solidFill>
+                <a:schemeClr val="accent6"/>
+              </a:solidFill>
+            </a:endParaRPr>
+          </a:p>
+          <a:p>
+            <a:r>
+              <a:rPr lang="it-IT" b="1" dirty="0" smtClean="0">
+                <a:solidFill>
+                  <a:schemeClr val="accent6"/>
+                </a:solidFill>
+              </a:rPr>
+              <a:t>RANGE ESTREMAMENTE LIMITATO</a:t>
+            </a:r>
+            <a:endParaRPr lang="it-IT" b="1" dirty="0">
+              <a:solidFill>
+                <a:schemeClr val="accent6"/>
+              </a:solidFill>
+            </a:endParaRPr>
+          </a:p>
+        </p:txBody>
+      </p:sp>
+      <p:sp>
+        <p:nvSpPr>
+          <p:cNvPr id="30" name="CasellaDiTesto 29"/>
+          <p:cNvSpPr txBox="1"/>
+          <p:nvPr/>
+        </p:nvSpPr>
+        <p:spPr>
+          <a:xfrm>
+            <a:off x="3251188" y="1988467"/>
+            <a:ext cx="1901383" cy="923330"/>
+          </a:xfrm>
+          <a:prstGeom prst="rect">
+            <a:avLst/>
+          </a:prstGeom>
+          <a:noFill/>
+        </p:spPr>
+        <p:txBody>
+          <a:bodyPr wrap="square" rtlCol="0">
+            <a:spAutoFit/>
+          </a:bodyPr>
+          <a:lstStyle/>
+          <a:p>
+            <a:r>
+              <a:rPr lang="it-IT" b="1" dirty="0" smtClean="0">
+                <a:solidFill>
+                  <a:schemeClr val="accent6"/>
+                </a:solidFill>
+              </a:rPr>
+              <a:t>TEMPO DI CONNESSIONE FUORI SCALA</a:t>
+            </a:r>
+            <a:endParaRPr lang="it-IT" b="1" dirty="0">
+              <a:solidFill>
+                <a:schemeClr val="accent6"/>
+              </a:solidFill>
+            </a:endParaRPr>
+          </a:p>
+        </p:txBody>
+      </p:sp>
+      <p:sp>
+        <p:nvSpPr>
+          <p:cNvPr id="31" name="CasellaDiTesto 30"/>
+          <p:cNvSpPr txBox="1"/>
+          <p:nvPr/>
+        </p:nvSpPr>
+        <p:spPr>
+          <a:xfrm>
+            <a:off x="5754909" y="1938284"/>
+            <a:ext cx="2082805" cy="1477328"/>
+          </a:xfrm>
+          <a:prstGeom prst="rect">
+            <a:avLst/>
+          </a:prstGeom>
+          <a:noFill/>
+        </p:spPr>
+        <p:txBody>
+          <a:bodyPr wrap="square" rtlCol="0">
+            <a:spAutoFit/>
+          </a:bodyPr>
+          <a:lstStyle/>
+          <a:p>
+            <a:r>
+              <a:rPr lang="it-IT" b="1" dirty="0" smtClean="0">
+                <a:solidFill>
+                  <a:schemeClr val="accent6"/>
+                </a:solidFill>
+              </a:rPr>
+              <a:t>CONNESISONE LTE RICHIESTA (COSTI, LIMITAZIONI GEOGRAFICHE)</a:t>
+            </a:r>
+            <a:endParaRPr lang="it-IT" b="1" dirty="0">
+              <a:solidFill>
+                <a:schemeClr val="accent6"/>
+              </a:solidFill>
+            </a:endParaRPr>
+          </a:p>
+        </p:txBody>
+      </p:sp>
+      <p:sp>
+        <p:nvSpPr>
+          <p:cNvPr id="32" name="CasellaDiTesto 31"/>
+          <p:cNvSpPr txBox="1"/>
+          <p:nvPr/>
+        </p:nvSpPr>
+        <p:spPr>
+          <a:xfrm>
+            <a:off x="8643242" y="1959440"/>
+            <a:ext cx="1901383" cy="1754326"/>
+          </a:xfrm>
+          <a:prstGeom prst="rect">
+            <a:avLst/>
+          </a:prstGeom>
+          <a:noFill/>
+        </p:spPr>
+        <p:txBody>
+          <a:bodyPr wrap="square" rtlCol="0">
+            <a:spAutoFit/>
+          </a:bodyPr>
+          <a:lstStyle/>
+          <a:p>
+            <a:r>
+              <a:rPr lang="it-IT" b="1" dirty="0">
+                <a:solidFill>
+                  <a:schemeClr val="accent4">
+                    <a:lumMod val="60000"/>
+                    <a:lumOff val="40000"/>
+                  </a:schemeClr>
+                </a:solidFill>
+              </a:rPr>
+              <a:t>DISCOVERY IMMEDIATO</a:t>
+            </a:r>
+          </a:p>
+          <a:p>
+            <a:endParaRPr lang="it-IT" b="1" dirty="0" smtClean="0">
+              <a:solidFill>
+                <a:schemeClr val="accent6"/>
+              </a:solidFill>
+            </a:endParaRPr>
+          </a:p>
+          <a:p>
+            <a:r>
+              <a:rPr lang="it-IT" b="1" dirty="0" smtClean="0">
+                <a:solidFill>
+                  <a:schemeClr val="accent6"/>
+                </a:solidFill>
+              </a:rPr>
+              <a:t>TEMPO DI CONNESSIONE FUORI SCALA</a:t>
+            </a:r>
+            <a:endParaRPr lang="it-IT" b="1" dirty="0">
+              <a:solidFill>
+                <a:schemeClr val="accent4">
+                  <a:lumMod val="60000"/>
+                  <a:lumOff val="40000"/>
+                </a:schemeClr>
+              </a:solidFill>
+            </a:endParaRPr>
+          </a:p>
+        </p:txBody>
+      </p:sp>
+      <p:cxnSp>
+        <p:nvCxnSpPr>
+          <p:cNvPr id="34" name="Connettore 4 33"/>
+          <p:cNvCxnSpPr/>
+          <p:nvPr/>
+        </p:nvCxnSpPr>
+        <p:spPr>
+          <a:xfrm rot="16200000" flipH="1">
+            <a:off x="8523075" y="3704335"/>
+            <a:ext cx="3926992" cy="972458"/>
+          </a:xfrm>
+          <a:prstGeom prst="bentConnector3">
+            <a:avLst>
+              <a:gd name="adj1" fmla="val 104"/>
+            </a:avLst>
+          </a:prstGeom>
+          <a:ln w="38100">
+            <a:tailEnd type="arrow"/>
+          </a:ln>
+        </p:spPr>
+        <p:style>
+          <a:lnRef idx="2">
+            <a:schemeClr val="accent2"/>
+          </a:lnRef>
+          <a:fillRef idx="0">
+            <a:schemeClr val="accent2"/>
+          </a:fillRef>
+          <a:effectRef idx="1">
+            <a:schemeClr val="accent2"/>
+          </a:effectRef>
+          <a:fontRef idx="minor">
+            <a:schemeClr val="tx1"/>
+          </a:fontRef>
+        </p:style>
+      </p:cxnSp>
+      <p:sp>
+        <p:nvSpPr>
+          <p:cNvPr id="47" name="CasellaDiTesto 46"/>
+          <p:cNvSpPr txBox="1"/>
+          <p:nvPr/>
+        </p:nvSpPr>
+        <p:spPr>
+          <a:xfrm>
+            <a:off x="9129485" y="6158077"/>
+            <a:ext cx="2714172" cy="369332"/>
+          </a:xfrm>
+          <a:prstGeom prst="rect">
+            <a:avLst/>
+          </a:prstGeom>
+          <a:noFill/>
+        </p:spPr>
+        <p:txBody>
+          <a:bodyPr wrap="square" rtlCol="0">
+            <a:spAutoFit/>
+          </a:bodyPr>
+          <a:lstStyle/>
+          <a:p>
+            <a:r>
+              <a:rPr lang="it-IT" b="1" dirty="0" smtClean="0"/>
+              <a:t>≈ NO CONNESSIONE</a:t>
+            </a:r>
+            <a:endParaRPr lang="it-IT" b="1" dirty="0"/>
           </a:p>
         </p:txBody>
       </p:sp>
@@ -6061,25 +8718,663 @@
           </a:p>
         </p:txBody>
       </p:sp>
-      <p:sp>
-        <p:nvSpPr>
-          <p:cNvPr id="3" name="Segnaposto contenuto 2"/>
-          <p:cNvSpPr>
-            <a:spLocks noGrp="1"/>
-          </p:cNvSpPr>
-          <p:nvPr>
-            <p:ph idx="1"/>
-          </p:nvPr>
-        </p:nvSpPr>
-        <p:spPr/>
-        <p:txBody>
-          <a:bodyPr/>
-          <a:lstStyle/>
-          <a:p>
-            <a:endParaRPr lang="en-US"/>
-          </a:p>
-        </p:txBody>
-      </p:sp>
+      <p:pic>
+        <p:nvPicPr>
+          <p:cNvPr id="3074" name="Picture 2" descr="C:\Users\Simone\Desktop\Senza titolo-2.png"/>
+          <p:cNvPicPr>
+            <a:picLocks noChangeAspect="1" noChangeArrowheads="1"/>
+          </p:cNvPicPr>
+          <p:nvPr/>
+        </p:nvPicPr>
+        <p:blipFill>
+          <a:blip r:embed="rId2">
+            <a:extLst>
+              <a:ext uri="{28A0092B-C50C-407E-A947-70E740481C1C}">
+                <a14:useLocalDpi xmlns:a14="http://schemas.microsoft.com/office/drawing/2010/main" val="0"/>
+              </a:ext>
+            </a:extLst>
+          </a:blip>
+          <a:srcRect/>
+          <a:stretch>
+            <a:fillRect/>
+          </a:stretch>
+        </p:blipFill>
+        <p:spPr bwMode="auto">
+          <a:xfrm>
+            <a:off x="679903" y="0"/>
+            <a:ext cx="4937125" cy="4937126"/>
+          </a:xfrm>
+          <a:prstGeom prst="rect">
+            <a:avLst/>
+          </a:prstGeom>
+          <a:noFill/>
+          <a:extLst>
+            <a:ext uri="{909E8E84-426E-40DD-AFC4-6F175D3DCCD1}">
+              <a14:hiddenFill xmlns:a14="http://schemas.microsoft.com/office/drawing/2010/main">
+                <a:solidFill>
+                  <a:srgbClr val="FFFFFF"/>
+                </a:solidFill>
+              </a14:hiddenFill>
+            </a:ext>
+          </a:extLst>
+        </p:spPr>
+      </p:pic>
+      <p:sp>
+        <p:nvSpPr>
+          <p:cNvPr id="4" name="CasellaDiTesto 3"/>
+          <p:cNvSpPr txBox="1"/>
+          <p:nvPr/>
+        </p:nvSpPr>
+        <p:spPr>
+          <a:xfrm>
+            <a:off x="7750629" y="1275017"/>
+            <a:ext cx="3964547" cy="3693319"/>
+          </a:xfrm>
+          <a:prstGeom prst="rect">
+            <a:avLst/>
+          </a:prstGeom>
+          <a:noFill/>
+          <a:ln>
+            <a:solidFill>
+              <a:srgbClr val="FF0000"/>
+            </a:solidFill>
+          </a:ln>
+        </p:spPr>
+        <p:txBody>
+          <a:bodyPr wrap="none" rtlCol="0">
+            <a:spAutoFit/>
+          </a:bodyPr>
+          <a:lstStyle/>
+          <a:p>
+            <a:r>
+              <a:rPr lang="en-US" sz="2400" b="1" dirty="0" err="1" smtClean="0">
+                <a:solidFill>
+                  <a:schemeClr val="bg2"/>
+                </a:solidFill>
+              </a:rPr>
+              <a:t>Dati</a:t>
+            </a:r>
+            <a:r>
+              <a:rPr lang="en-US" sz="2400" b="1" dirty="0" smtClean="0">
+                <a:solidFill>
+                  <a:schemeClr val="bg2"/>
+                </a:solidFill>
+              </a:rPr>
+              <a:t> </a:t>
+            </a:r>
+            <a:r>
+              <a:rPr lang="en-US" sz="2400" b="1" dirty="0" err="1" smtClean="0">
+                <a:solidFill>
+                  <a:schemeClr val="bg2"/>
+                </a:solidFill>
+              </a:rPr>
+              <a:t>Veicolo</a:t>
+            </a:r>
+            <a:r>
+              <a:rPr lang="en-US" sz="2400" b="1" dirty="0" smtClean="0">
+                <a:solidFill>
+                  <a:schemeClr val="bg2"/>
+                </a:solidFill>
+              </a:rPr>
+              <a:t> </a:t>
+            </a:r>
+            <a:r>
+              <a:rPr lang="en-US" sz="2400" b="1" dirty="0" err="1">
+                <a:solidFill>
+                  <a:schemeClr val="bg2"/>
+                </a:solidFill>
+              </a:rPr>
+              <a:t>R</a:t>
+            </a:r>
+            <a:r>
+              <a:rPr lang="en-US" sz="2400" b="1" dirty="0" err="1" smtClean="0">
+                <a:solidFill>
+                  <a:schemeClr val="bg2"/>
+                </a:solidFill>
+              </a:rPr>
+              <a:t>ichiesti</a:t>
+            </a:r>
+            <a:endParaRPr lang="en-US" sz="2400" b="1" dirty="0" smtClean="0">
+              <a:solidFill>
+                <a:schemeClr val="bg2"/>
+              </a:solidFill>
+            </a:endParaRPr>
+          </a:p>
+          <a:p>
+            <a:endParaRPr lang="en-US" sz="2400" dirty="0" smtClean="0">
+              <a:solidFill>
+                <a:schemeClr val="bg2"/>
+              </a:solidFill>
+            </a:endParaRPr>
+          </a:p>
+          <a:p>
+            <a:pPr marL="342900" indent="-342900">
+              <a:buFont typeface="Wingdings" panose="05000000000000000000" pitchFamily="2" charset="2"/>
+              <a:buChar char="v"/>
+            </a:pPr>
+            <a:r>
+              <a:rPr lang="en-US" sz="2400" dirty="0" err="1" smtClean="0">
+                <a:solidFill>
+                  <a:schemeClr val="accent4">
+                    <a:lumMod val="60000"/>
+                    <a:lumOff val="40000"/>
+                  </a:schemeClr>
+                </a:solidFill>
+              </a:rPr>
+              <a:t>Velocità</a:t>
+            </a:r>
+            <a:r>
+              <a:rPr lang="en-US" sz="2400" dirty="0" smtClean="0">
+                <a:solidFill>
+                  <a:schemeClr val="accent4">
+                    <a:lumMod val="60000"/>
+                    <a:lumOff val="40000"/>
+                  </a:schemeClr>
+                </a:solidFill>
+              </a:rPr>
+              <a:t> (GPS o </a:t>
+            </a:r>
+          </a:p>
+          <a:p>
+            <a:r>
+              <a:rPr lang="en-US" sz="2400" dirty="0" err="1" smtClean="0">
+                <a:solidFill>
+                  <a:schemeClr val="accent4">
+                    <a:lumMod val="60000"/>
+                    <a:lumOff val="40000"/>
+                  </a:schemeClr>
+                </a:solidFill>
+              </a:rPr>
+              <a:t>calcolata</a:t>
+            </a:r>
+            <a:r>
+              <a:rPr lang="en-US" sz="2400" dirty="0" smtClean="0">
+                <a:solidFill>
+                  <a:schemeClr val="accent4">
+                    <a:lumMod val="60000"/>
+                    <a:lumOff val="40000"/>
+                  </a:schemeClr>
+                </a:solidFill>
+              </a:rPr>
+              <a:t> </a:t>
+            </a:r>
+            <a:r>
+              <a:rPr lang="en-US" sz="2400" dirty="0" err="1" smtClean="0">
+                <a:solidFill>
+                  <a:schemeClr val="accent4">
+                    <a:lumMod val="60000"/>
+                    <a:lumOff val="40000"/>
+                  </a:schemeClr>
+                </a:solidFill>
+              </a:rPr>
+              <a:t>manualmente</a:t>
+            </a:r>
+            <a:r>
+              <a:rPr lang="en-US" sz="2400" dirty="0" smtClean="0">
+                <a:solidFill>
+                  <a:schemeClr val="accent4">
+                    <a:lumMod val="60000"/>
+                    <a:lumOff val="40000"/>
+                  </a:schemeClr>
+                </a:solidFill>
+              </a:rPr>
+              <a:t>)</a:t>
+            </a:r>
+          </a:p>
+          <a:p>
+            <a:endParaRPr lang="en-US" sz="2400" dirty="0" smtClean="0">
+              <a:solidFill>
+                <a:schemeClr val="accent4">
+                  <a:lumMod val="60000"/>
+                  <a:lumOff val="40000"/>
+                </a:schemeClr>
+              </a:solidFill>
+            </a:endParaRPr>
+          </a:p>
+          <a:p>
+            <a:pPr marL="342900" indent="-342900">
+              <a:buFont typeface="Wingdings" panose="05000000000000000000" pitchFamily="2" charset="2"/>
+              <a:buChar char="v"/>
+            </a:pPr>
+            <a:r>
+              <a:rPr lang="en-US" sz="2400" dirty="0" err="1" smtClean="0">
+                <a:solidFill>
+                  <a:srgbClr val="C00000"/>
+                </a:solidFill>
+              </a:rPr>
+              <a:t>Polylinea</a:t>
+            </a:r>
+            <a:r>
+              <a:rPr lang="en-US" sz="2400" dirty="0" smtClean="0">
+                <a:solidFill>
+                  <a:srgbClr val="C00000"/>
+                </a:solidFill>
+              </a:rPr>
+              <a:t> del </a:t>
+            </a:r>
+            <a:r>
+              <a:rPr lang="en-US" sz="2400" dirty="0" err="1" smtClean="0">
+                <a:solidFill>
+                  <a:srgbClr val="C00000"/>
+                </a:solidFill>
+              </a:rPr>
+              <a:t>tragitto</a:t>
+            </a:r>
+            <a:endParaRPr lang="en-US" sz="2400" dirty="0" smtClean="0">
+              <a:solidFill>
+                <a:srgbClr val="C00000"/>
+              </a:solidFill>
+            </a:endParaRPr>
+          </a:p>
+          <a:p>
+            <a:r>
+              <a:rPr lang="en-US" sz="2400" dirty="0" smtClean="0">
+                <a:solidFill>
+                  <a:srgbClr val="C00000"/>
+                </a:solidFill>
+              </a:rPr>
+              <a:t>(Google API) </a:t>
+            </a:r>
+          </a:p>
+          <a:p>
+            <a:endParaRPr lang="en-US" sz="2400" dirty="0" smtClean="0">
+              <a:solidFill>
+                <a:srgbClr val="FF0000"/>
+              </a:solidFill>
+            </a:endParaRPr>
+          </a:p>
+          <a:p>
+            <a:pPr marL="342900" indent="-342900">
+              <a:buFont typeface="Wingdings" panose="05000000000000000000" pitchFamily="2" charset="2"/>
+              <a:buChar char="v"/>
+            </a:pPr>
+            <a:r>
+              <a:rPr lang="en-US" sz="2400" dirty="0" err="1" smtClean="0">
+                <a:solidFill>
+                  <a:srgbClr val="002060"/>
+                </a:solidFill>
+              </a:rPr>
+              <a:t>Posizione</a:t>
+            </a:r>
+            <a:endParaRPr lang="en-US" sz="2400" dirty="0">
+              <a:solidFill>
+                <a:srgbClr val="002060"/>
+              </a:solidFill>
+            </a:endParaRPr>
+          </a:p>
+          <a:p>
+            <a:endParaRPr lang="it-IT" dirty="0"/>
+          </a:p>
+        </p:txBody>
+      </p:sp>
+      <p:cxnSp>
+        <p:nvCxnSpPr>
+          <p:cNvPr id="6" name="Connettore 2 5"/>
+          <p:cNvCxnSpPr/>
+          <p:nvPr/>
+        </p:nvCxnSpPr>
+        <p:spPr>
+          <a:xfrm flipH="1" flipV="1">
+            <a:off x="3468914" y="3788229"/>
+            <a:ext cx="522515" cy="783771"/>
+          </a:xfrm>
+          <a:prstGeom prst="straightConnector1">
+            <a:avLst/>
+          </a:prstGeom>
+          <a:ln w="38100">
+            <a:solidFill>
+              <a:srgbClr val="92D050"/>
+            </a:solidFill>
+            <a:tailEnd type="arrow"/>
+          </a:ln>
+        </p:spPr>
+        <p:style>
+          <a:lnRef idx="2">
+            <a:schemeClr val="accent3"/>
+          </a:lnRef>
+          <a:fillRef idx="0">
+            <a:schemeClr val="accent3"/>
+          </a:fillRef>
+          <a:effectRef idx="1">
+            <a:schemeClr val="accent3"/>
+          </a:effectRef>
+          <a:fontRef idx="minor">
+            <a:schemeClr val="tx1"/>
+          </a:fontRef>
+        </p:style>
+      </p:cxnSp>
+      <p:sp>
+        <p:nvSpPr>
+          <p:cNvPr id="7" name="CasellaDiTesto 6"/>
+          <p:cNvSpPr txBox="1"/>
+          <p:nvPr/>
+        </p:nvSpPr>
+        <p:spPr>
+          <a:xfrm>
+            <a:off x="3875314" y="3995448"/>
+            <a:ext cx="566057" cy="369332"/>
+          </a:xfrm>
+          <a:prstGeom prst="rect">
+            <a:avLst/>
+          </a:prstGeom>
+          <a:noFill/>
+        </p:spPr>
+        <p:txBody>
+          <a:bodyPr wrap="square" rtlCol="0">
+            <a:spAutoFit/>
+          </a:bodyPr>
+          <a:lstStyle/>
+          <a:p>
+            <a:r>
+              <a:rPr lang="it-IT" b="1" dirty="0">
+                <a:solidFill>
+                  <a:schemeClr val="accent4">
+                    <a:lumMod val="60000"/>
+                    <a:lumOff val="40000"/>
+                  </a:schemeClr>
+                </a:solidFill>
+              </a:rPr>
+              <a:t>V</a:t>
+            </a:r>
+          </a:p>
+        </p:txBody>
+      </p:sp>
+      <p:cxnSp>
+        <p:nvCxnSpPr>
+          <p:cNvPr id="9" name="Connettore 1 8"/>
+          <p:cNvCxnSpPr/>
+          <p:nvPr/>
+        </p:nvCxnSpPr>
+        <p:spPr>
+          <a:xfrm flipH="1" flipV="1">
+            <a:off x="1756229" y="2656115"/>
+            <a:ext cx="769258" cy="1339333"/>
+          </a:xfrm>
+          <a:prstGeom prst="line">
+            <a:avLst/>
+          </a:prstGeom>
+          <a:ln w="38100">
+            <a:solidFill>
+              <a:srgbClr val="FF0000">
+                <a:alpha val="60000"/>
+              </a:srgbClr>
+            </a:solidFill>
+          </a:ln>
+        </p:spPr>
+        <p:style>
+          <a:lnRef idx="1">
+            <a:schemeClr val="accent1"/>
+          </a:lnRef>
+          <a:fillRef idx="0">
+            <a:schemeClr val="accent1"/>
+          </a:fillRef>
+          <a:effectRef idx="0">
+            <a:schemeClr val="accent1"/>
+          </a:effectRef>
+          <a:fontRef idx="minor">
+            <a:schemeClr val="tx1"/>
+          </a:fontRef>
+        </p:style>
+      </p:cxnSp>
+      <p:cxnSp>
+        <p:nvCxnSpPr>
+          <p:cNvPr id="13" name="Connettore 1 12"/>
+          <p:cNvCxnSpPr/>
+          <p:nvPr/>
+        </p:nvCxnSpPr>
+        <p:spPr>
+          <a:xfrm flipV="1">
+            <a:off x="1756229" y="2061029"/>
+            <a:ext cx="1973942" cy="595086"/>
+          </a:xfrm>
+          <a:prstGeom prst="line">
+            <a:avLst/>
+          </a:prstGeom>
+          <a:ln w="38100">
+            <a:solidFill>
+              <a:srgbClr val="FF0000">
+                <a:alpha val="60000"/>
+              </a:srgbClr>
+            </a:solidFill>
+          </a:ln>
+        </p:spPr>
+        <p:style>
+          <a:lnRef idx="1">
+            <a:schemeClr val="accent1"/>
+          </a:lnRef>
+          <a:fillRef idx="0">
+            <a:schemeClr val="accent1"/>
+          </a:fillRef>
+          <a:effectRef idx="0">
+            <a:schemeClr val="accent1"/>
+          </a:effectRef>
+          <a:fontRef idx="minor">
+            <a:schemeClr val="tx1"/>
+          </a:fontRef>
+        </p:style>
+      </p:cxnSp>
+      <p:cxnSp>
+        <p:nvCxnSpPr>
+          <p:cNvPr id="19" name="Connettore 1 18"/>
+          <p:cNvCxnSpPr/>
+          <p:nvPr/>
+        </p:nvCxnSpPr>
+        <p:spPr>
+          <a:xfrm flipV="1">
+            <a:off x="3730172" y="1451429"/>
+            <a:ext cx="827314" cy="609600"/>
+          </a:xfrm>
+          <a:prstGeom prst="line">
+            <a:avLst/>
+          </a:prstGeom>
+          <a:ln w="38100">
+            <a:solidFill>
+              <a:srgbClr val="FF0000">
+                <a:alpha val="60000"/>
+              </a:srgbClr>
+            </a:solidFill>
+          </a:ln>
+        </p:spPr>
+        <p:style>
+          <a:lnRef idx="1">
+            <a:schemeClr val="accent1"/>
+          </a:lnRef>
+          <a:fillRef idx="0">
+            <a:schemeClr val="accent1"/>
+          </a:fillRef>
+          <a:effectRef idx="0">
+            <a:schemeClr val="accent1"/>
+          </a:effectRef>
+          <a:fontRef idx="minor">
+            <a:schemeClr val="tx1"/>
+          </a:fontRef>
+        </p:style>
+      </p:cxnSp>
+      <p:cxnSp>
+        <p:nvCxnSpPr>
+          <p:cNvPr id="23" name="Connettore 1 22"/>
+          <p:cNvCxnSpPr/>
+          <p:nvPr/>
+        </p:nvCxnSpPr>
+        <p:spPr>
+          <a:xfrm flipH="1" flipV="1">
+            <a:off x="4557486" y="1074057"/>
+            <a:ext cx="1" cy="377373"/>
+          </a:xfrm>
+          <a:prstGeom prst="line">
+            <a:avLst/>
+          </a:prstGeom>
+          <a:ln w="38100">
+            <a:solidFill>
+              <a:srgbClr val="FF0000">
+                <a:alpha val="60000"/>
+              </a:srgbClr>
+            </a:solidFill>
+          </a:ln>
+        </p:spPr>
+        <p:style>
+          <a:lnRef idx="1">
+            <a:schemeClr val="accent1"/>
+          </a:lnRef>
+          <a:fillRef idx="0">
+            <a:schemeClr val="accent1"/>
+          </a:fillRef>
+          <a:effectRef idx="0">
+            <a:schemeClr val="accent1"/>
+          </a:effectRef>
+          <a:fontRef idx="minor">
+            <a:schemeClr val="tx1"/>
+          </a:fontRef>
+        </p:style>
+      </p:cxnSp>
+      <p:cxnSp>
+        <p:nvCxnSpPr>
+          <p:cNvPr id="27" name="Connettore 1 26"/>
+          <p:cNvCxnSpPr/>
+          <p:nvPr/>
+        </p:nvCxnSpPr>
+        <p:spPr>
+          <a:xfrm flipH="1" flipV="1">
+            <a:off x="4325257" y="711200"/>
+            <a:ext cx="232229" cy="362857"/>
+          </a:xfrm>
+          <a:prstGeom prst="line">
+            <a:avLst/>
+          </a:prstGeom>
+          <a:ln w="38100">
+            <a:solidFill>
+              <a:srgbClr val="FF0000">
+                <a:alpha val="60000"/>
+              </a:srgbClr>
+            </a:solidFill>
+          </a:ln>
+        </p:spPr>
+        <p:style>
+          <a:lnRef idx="1">
+            <a:schemeClr val="accent1"/>
+          </a:lnRef>
+          <a:fillRef idx="0">
+            <a:schemeClr val="accent1"/>
+          </a:fillRef>
+          <a:effectRef idx="0">
+            <a:schemeClr val="accent1"/>
+          </a:effectRef>
+          <a:fontRef idx="minor">
+            <a:schemeClr val="tx1"/>
+          </a:fontRef>
+        </p:style>
+      </p:cxnSp>
+      <p:cxnSp>
+        <p:nvCxnSpPr>
+          <p:cNvPr id="30" name="Connettore 1 29"/>
+          <p:cNvCxnSpPr/>
+          <p:nvPr/>
+        </p:nvCxnSpPr>
+        <p:spPr>
+          <a:xfrm flipH="1" flipV="1">
+            <a:off x="3614057" y="391886"/>
+            <a:ext cx="711201" cy="319314"/>
+          </a:xfrm>
+          <a:prstGeom prst="line">
+            <a:avLst/>
+          </a:prstGeom>
+          <a:ln w="38100">
+            <a:solidFill>
+              <a:srgbClr val="FF0000">
+                <a:alpha val="60000"/>
+              </a:srgbClr>
+            </a:solidFill>
+          </a:ln>
+        </p:spPr>
+        <p:style>
+          <a:lnRef idx="1">
+            <a:schemeClr val="accent1"/>
+          </a:lnRef>
+          <a:fillRef idx="0">
+            <a:schemeClr val="accent1"/>
+          </a:fillRef>
+          <a:effectRef idx="0">
+            <a:schemeClr val="accent1"/>
+          </a:effectRef>
+          <a:fontRef idx="minor">
+            <a:schemeClr val="tx1"/>
+          </a:fontRef>
+        </p:style>
+      </p:cxnSp>
+      <p:cxnSp>
+        <p:nvCxnSpPr>
+          <p:cNvPr id="33" name="Connettore 1 32"/>
+          <p:cNvCxnSpPr/>
+          <p:nvPr/>
+        </p:nvCxnSpPr>
+        <p:spPr>
+          <a:xfrm flipH="1" flipV="1">
+            <a:off x="3367314" y="145143"/>
+            <a:ext cx="246744" cy="246743"/>
+          </a:xfrm>
+          <a:prstGeom prst="line">
+            <a:avLst/>
+          </a:prstGeom>
+          <a:ln w="38100">
+            <a:solidFill>
+              <a:srgbClr val="FF0000">
+                <a:alpha val="60000"/>
+              </a:srgbClr>
+            </a:solidFill>
+          </a:ln>
+        </p:spPr>
+        <p:style>
+          <a:lnRef idx="1">
+            <a:schemeClr val="accent1"/>
+          </a:lnRef>
+          <a:fillRef idx="0">
+            <a:schemeClr val="accent1"/>
+          </a:fillRef>
+          <a:effectRef idx="0">
+            <a:schemeClr val="accent1"/>
+          </a:effectRef>
+          <a:fontRef idx="minor">
+            <a:schemeClr val="tx1"/>
+          </a:fontRef>
+        </p:style>
+      </p:cxnSp>
+      <p:cxnSp>
+        <p:nvCxnSpPr>
+          <p:cNvPr id="36" name="Connettore 1 35"/>
+          <p:cNvCxnSpPr/>
+          <p:nvPr/>
+        </p:nvCxnSpPr>
+        <p:spPr>
+          <a:xfrm flipV="1">
+            <a:off x="3367314" y="0"/>
+            <a:ext cx="123372" cy="145143"/>
+          </a:xfrm>
+          <a:prstGeom prst="line">
+            <a:avLst/>
+          </a:prstGeom>
+          <a:ln w="38100">
+            <a:solidFill>
+              <a:srgbClr val="FF0000">
+                <a:alpha val="60000"/>
+              </a:srgbClr>
+            </a:solidFill>
+          </a:ln>
+        </p:spPr>
+        <p:style>
+          <a:lnRef idx="1">
+            <a:schemeClr val="accent1"/>
+          </a:lnRef>
+          <a:fillRef idx="0">
+            <a:schemeClr val="accent1"/>
+          </a:fillRef>
+          <a:effectRef idx="0">
+            <a:schemeClr val="accent1"/>
+          </a:effectRef>
+          <a:fontRef idx="minor">
+            <a:schemeClr val="tx1"/>
+          </a:fontRef>
+        </p:style>
+      </p:cxnSp>
     </p:spTree>
     <p:extLst>
       <p:ext uri="{BB962C8B-B14F-4D97-AF65-F5344CB8AC3E}">
@@ -6134,35 +9429,461 @@
           <a:p>
             <a:r>
               <a:rPr lang="it-IT" dirty="0" smtClean="0"/>
-              <a:t>MODELLO di localizzazione</a:t>
+              <a:t>MODELLO di previsione</a:t>
             </a:r>
             <a:endParaRPr lang="en-US" dirty="0"/>
           </a:p>
         </p:txBody>
       </p:sp>
-      <p:sp>
-        <p:nvSpPr>
-          <p:cNvPr id="3" name="Segnaposto contenuto 2"/>
-          <p:cNvSpPr>
-            <a:spLocks noGrp="1"/>
-          </p:cNvSpPr>
-          <p:nvPr>
-            <p:ph idx="1"/>
-          </p:nvPr>
-        </p:nvSpPr>
-        <p:spPr/>
-        <p:txBody>
-          <a:bodyPr/>
-          <a:lstStyle/>
-          <a:p>
-            <a:endParaRPr lang="en-US"/>
+      <p:pic>
+        <p:nvPicPr>
+          <p:cNvPr id="3" name="Picture 2" descr="C:\Users\Simone\Desktop\Senza titolo-2.png"/>
+          <p:cNvPicPr>
+            <a:picLocks noChangeAspect="1" noChangeArrowheads="1"/>
+          </p:cNvPicPr>
+          <p:nvPr/>
+        </p:nvPicPr>
+        <p:blipFill>
+          <a:blip r:embed="rId2">
+            <a:extLst>
+              <a:ext uri="{28A0092B-C50C-407E-A947-70E740481C1C}">
+                <a14:useLocalDpi xmlns:a14="http://schemas.microsoft.com/office/drawing/2010/main" val="0"/>
+              </a:ext>
+            </a:extLst>
+          </a:blip>
+          <a:srcRect/>
+          <a:stretch>
+            <a:fillRect/>
+          </a:stretch>
+        </p:blipFill>
+        <p:spPr bwMode="auto">
+          <a:xfrm>
+            <a:off x="679903" y="0"/>
+            <a:ext cx="4937125" cy="4937126"/>
+          </a:xfrm>
+          <a:prstGeom prst="rect">
+            <a:avLst/>
+          </a:prstGeom>
+          <a:noFill/>
+          <a:extLst>
+            <a:ext uri="{909E8E84-426E-40DD-AFC4-6F175D3DCCD1}">
+              <a14:hiddenFill xmlns:a14="http://schemas.microsoft.com/office/drawing/2010/main">
+                <a:solidFill>
+                  <a:srgbClr val="FFFFFF"/>
+                </a:solidFill>
+              </a14:hiddenFill>
+            </a:ext>
+          </a:extLst>
+        </p:spPr>
+      </p:pic>
+      <p:pic>
+        <p:nvPicPr>
+          <p:cNvPr id="4098" name="Picture 2" descr="Risultati immagini per walking man icon png"/>
+          <p:cNvPicPr>
+            <a:picLocks noChangeAspect="1" noChangeArrowheads="1"/>
+          </p:cNvPicPr>
+          <p:nvPr/>
+        </p:nvPicPr>
+        <p:blipFill>
+          <a:blip r:embed="rId3" cstate="print">
+            <a:extLst>
+              <a:ext uri="{28A0092B-C50C-407E-A947-70E740481C1C}">
+                <a14:useLocalDpi xmlns:a14="http://schemas.microsoft.com/office/drawing/2010/main" val="0"/>
+              </a:ext>
+            </a:extLst>
+          </a:blip>
+          <a:srcRect/>
+          <a:stretch>
+            <a:fillRect/>
+          </a:stretch>
+        </p:blipFill>
+        <p:spPr bwMode="auto">
+          <a:xfrm>
+            <a:off x="3813176" y="1741713"/>
+            <a:ext cx="575946" cy="726849"/>
+          </a:xfrm>
+          <a:prstGeom prst="rect">
+            <a:avLst/>
+          </a:prstGeom>
+          <a:noFill/>
+          <a:extLst>
+            <a:ext uri="{909E8E84-426E-40DD-AFC4-6F175D3DCCD1}">
+              <a14:hiddenFill xmlns:a14="http://schemas.microsoft.com/office/drawing/2010/main">
+                <a:solidFill>
+                  <a:srgbClr val="FFFFFF"/>
+                </a:solidFill>
+              </a14:hiddenFill>
+            </a:ext>
+          </a:extLst>
+        </p:spPr>
+      </p:pic>
+      <p:sp>
+        <p:nvSpPr>
+          <p:cNvPr id="5" name="CasellaDiTesto 4"/>
+          <p:cNvSpPr txBox="1"/>
+          <p:nvPr/>
+        </p:nvSpPr>
+        <p:spPr>
+          <a:xfrm>
+            <a:off x="7750629" y="1275017"/>
+            <a:ext cx="3219151" cy="3785652"/>
+          </a:xfrm>
+          <a:prstGeom prst="rect">
+            <a:avLst/>
+          </a:prstGeom>
+          <a:noFill/>
+        </p:spPr>
+        <p:txBody>
+          <a:bodyPr wrap="none" rtlCol="0">
+            <a:spAutoFit/>
+          </a:bodyPr>
+          <a:lstStyle/>
+          <a:p>
+            <a:r>
+              <a:rPr lang="en-US" sz="2400" b="1" dirty="0" err="1" smtClean="0">
+                <a:solidFill>
+                  <a:schemeClr val="bg2"/>
+                </a:solidFill>
+              </a:rPr>
+              <a:t>Dati</a:t>
+            </a:r>
+            <a:r>
+              <a:rPr lang="en-US" sz="2400" b="1" dirty="0" smtClean="0">
+                <a:solidFill>
+                  <a:schemeClr val="bg2"/>
+                </a:solidFill>
+              </a:rPr>
+              <a:t> </a:t>
+            </a:r>
+            <a:r>
+              <a:rPr lang="en-US" sz="2400" b="1" dirty="0" err="1" smtClean="0">
+                <a:solidFill>
+                  <a:schemeClr val="bg2"/>
+                </a:solidFill>
+              </a:rPr>
+              <a:t>Umano</a:t>
+            </a:r>
+            <a:r>
+              <a:rPr lang="en-US" sz="2400" b="1" dirty="0" smtClean="0">
+                <a:solidFill>
+                  <a:schemeClr val="bg2"/>
+                </a:solidFill>
+              </a:rPr>
+              <a:t> </a:t>
+            </a:r>
+            <a:r>
+              <a:rPr lang="en-US" sz="2400" b="1" dirty="0" err="1">
+                <a:solidFill>
+                  <a:schemeClr val="bg2"/>
+                </a:solidFill>
+              </a:rPr>
+              <a:t>R</a:t>
+            </a:r>
+            <a:r>
+              <a:rPr lang="en-US" sz="2400" b="1" dirty="0" err="1" smtClean="0">
+                <a:solidFill>
+                  <a:schemeClr val="bg2"/>
+                </a:solidFill>
+              </a:rPr>
+              <a:t>ichiesti</a:t>
+            </a:r>
+            <a:endParaRPr lang="en-US" sz="2400" b="1" dirty="0" smtClean="0">
+              <a:solidFill>
+                <a:schemeClr val="bg2"/>
+              </a:solidFill>
+            </a:endParaRPr>
+          </a:p>
+          <a:p>
+            <a:endParaRPr lang="en-US" sz="2400" dirty="0" smtClean="0">
+              <a:solidFill>
+                <a:schemeClr val="bg2"/>
+              </a:solidFill>
+            </a:endParaRPr>
+          </a:p>
+          <a:p>
+            <a:pPr marL="342900" indent="-342900">
+              <a:buFont typeface="Wingdings" panose="05000000000000000000" pitchFamily="2" charset="2"/>
+              <a:buChar char="v"/>
+            </a:pPr>
+            <a:r>
+              <a:rPr lang="en-US" sz="2400" dirty="0" err="1" smtClean="0">
+                <a:solidFill>
+                  <a:schemeClr val="accent4">
+                    <a:lumMod val="60000"/>
+                    <a:lumOff val="40000"/>
+                  </a:schemeClr>
+                </a:solidFill>
+              </a:rPr>
+              <a:t>Velocità</a:t>
+            </a:r>
+            <a:r>
+              <a:rPr lang="en-US" sz="2400" dirty="0" smtClean="0">
+                <a:solidFill>
+                  <a:schemeClr val="accent4">
+                    <a:lumMod val="60000"/>
+                    <a:lumOff val="40000"/>
+                  </a:schemeClr>
+                </a:solidFill>
+              </a:rPr>
+              <a:t> (Mai 0) </a:t>
+            </a:r>
+          </a:p>
+          <a:p>
+            <a:pPr marL="342900" indent="-342900">
+              <a:buFont typeface="Wingdings" panose="05000000000000000000" pitchFamily="2" charset="2"/>
+              <a:buChar char="v"/>
+            </a:pPr>
+            <a:endParaRPr lang="en-US" sz="2400" dirty="0" smtClean="0">
+              <a:solidFill>
+                <a:schemeClr val="accent4">
+                  <a:lumMod val="60000"/>
+                  <a:lumOff val="40000"/>
+                </a:schemeClr>
+              </a:solidFill>
+            </a:endParaRPr>
+          </a:p>
+          <a:p>
+            <a:pPr marL="342900" indent="-342900">
+              <a:buFont typeface="Wingdings" panose="05000000000000000000" pitchFamily="2" charset="2"/>
+              <a:buChar char="v"/>
+            </a:pPr>
+            <a:r>
+              <a:rPr lang="en-US" sz="2400" dirty="0" err="1" smtClean="0">
+                <a:solidFill>
+                  <a:schemeClr val="bg2"/>
+                </a:solidFill>
+              </a:rPr>
+              <a:t>Posizione</a:t>
+            </a:r>
+            <a:endParaRPr lang="en-US" sz="2400" dirty="0" smtClean="0">
+              <a:solidFill>
+                <a:schemeClr val="bg2"/>
+              </a:solidFill>
+            </a:endParaRPr>
+          </a:p>
+          <a:p>
+            <a:pPr marL="342900" indent="-342900">
+              <a:buFont typeface="Wingdings" panose="05000000000000000000" pitchFamily="2" charset="2"/>
+              <a:buChar char="v"/>
+            </a:pPr>
+            <a:endParaRPr lang="en-US" sz="2400" dirty="0">
+              <a:solidFill>
+                <a:schemeClr val="accent4">
+                  <a:lumMod val="60000"/>
+                  <a:lumOff val="40000"/>
+                </a:schemeClr>
+              </a:solidFill>
+            </a:endParaRPr>
+          </a:p>
+          <a:p>
+            <a:pPr marL="342900" indent="-342900">
+              <a:buFont typeface="Wingdings" panose="05000000000000000000" pitchFamily="2" charset="2"/>
+              <a:buChar char="v"/>
+            </a:pPr>
+            <a:r>
+              <a:rPr lang="en-US" sz="2400" dirty="0" smtClean="0">
+                <a:solidFill>
+                  <a:srgbClr val="C00000"/>
+                </a:solidFill>
+              </a:rPr>
+              <a:t>Bearing</a:t>
+            </a:r>
+          </a:p>
+          <a:p>
+            <a:pPr marL="342900" indent="-342900">
+              <a:buFont typeface="Wingdings" panose="05000000000000000000" pitchFamily="2" charset="2"/>
+              <a:buChar char="v"/>
+            </a:pPr>
+            <a:endParaRPr lang="en-US" sz="2400" dirty="0">
+              <a:solidFill>
+                <a:schemeClr val="accent4">
+                  <a:lumMod val="60000"/>
+                  <a:lumOff val="40000"/>
+                </a:schemeClr>
+              </a:solidFill>
+            </a:endParaRPr>
+          </a:p>
+          <a:p>
+            <a:pPr marL="342900" indent="-342900">
+              <a:buFont typeface="Wingdings" panose="05000000000000000000" pitchFamily="2" charset="2"/>
+              <a:buChar char="v"/>
+            </a:pPr>
+            <a:r>
+              <a:rPr lang="en-US" sz="2400" dirty="0" smtClean="0">
+                <a:solidFill>
+                  <a:schemeClr val="bg2"/>
+                </a:solidFill>
+              </a:rPr>
+              <a:t>Timestamp </a:t>
+            </a:r>
+          </a:p>
+          <a:p>
+            <a:r>
+              <a:rPr lang="en-US" sz="2400" dirty="0" err="1" smtClean="0">
+                <a:solidFill>
+                  <a:schemeClr val="bg2"/>
+                </a:solidFill>
+              </a:rPr>
+              <a:t>Posizione</a:t>
+            </a:r>
+            <a:endParaRPr lang="en-US" sz="2400" dirty="0">
+              <a:solidFill>
+                <a:schemeClr val="bg2"/>
+              </a:solidFill>
+            </a:endParaRPr>
+          </a:p>
+        </p:txBody>
+      </p:sp>
+      <p:cxnSp>
+        <p:nvCxnSpPr>
+          <p:cNvPr id="6" name="Connettore 2 5"/>
+          <p:cNvCxnSpPr/>
+          <p:nvPr/>
+        </p:nvCxnSpPr>
+        <p:spPr>
+          <a:xfrm flipH="1" flipV="1">
+            <a:off x="3585029" y="2725231"/>
+            <a:ext cx="522516" cy="207221"/>
+          </a:xfrm>
+          <a:prstGeom prst="straightConnector1">
+            <a:avLst/>
+          </a:prstGeom>
+          <a:ln w="38100">
+            <a:solidFill>
+              <a:srgbClr val="92D050"/>
+            </a:solidFill>
+            <a:tailEnd type="arrow"/>
+          </a:ln>
+        </p:spPr>
+        <p:style>
+          <a:lnRef idx="2">
+            <a:schemeClr val="accent3"/>
+          </a:lnRef>
+          <a:fillRef idx="0">
+            <a:schemeClr val="accent3"/>
+          </a:fillRef>
+          <a:effectRef idx="1">
+            <a:schemeClr val="accent3"/>
+          </a:effectRef>
+          <a:fontRef idx="minor">
+            <a:schemeClr val="tx1"/>
+          </a:fontRef>
+        </p:style>
+      </p:cxnSp>
+      <p:sp>
+        <p:nvSpPr>
+          <p:cNvPr id="7" name="CasellaDiTesto 6"/>
+          <p:cNvSpPr txBox="1"/>
+          <p:nvPr/>
+        </p:nvSpPr>
+        <p:spPr>
+          <a:xfrm>
+            <a:off x="3991428" y="2483642"/>
+            <a:ext cx="566057" cy="369332"/>
+          </a:xfrm>
+          <a:prstGeom prst="rect">
+            <a:avLst/>
+          </a:prstGeom>
+          <a:noFill/>
+        </p:spPr>
+        <p:txBody>
+          <a:bodyPr wrap="square" rtlCol="0">
+            <a:spAutoFit/>
+          </a:bodyPr>
+          <a:lstStyle/>
+          <a:p>
+            <a:r>
+              <a:rPr lang="it-IT" b="1" dirty="0">
+                <a:solidFill>
+                  <a:schemeClr val="accent4">
+                    <a:lumMod val="60000"/>
+                    <a:lumOff val="40000"/>
+                  </a:schemeClr>
+                </a:solidFill>
+              </a:rPr>
+              <a:t>V</a:t>
+            </a:r>
+          </a:p>
+        </p:txBody>
+      </p:sp>
+      <p:cxnSp>
+        <p:nvCxnSpPr>
+          <p:cNvPr id="9" name="Connettore 2 8"/>
+          <p:cNvCxnSpPr/>
+          <p:nvPr/>
+        </p:nvCxnSpPr>
+        <p:spPr>
+          <a:xfrm flipH="1" flipV="1">
+            <a:off x="2525486" y="1524000"/>
+            <a:ext cx="1320801" cy="788359"/>
+          </a:xfrm>
+          <a:prstGeom prst="straightConnector1">
+            <a:avLst/>
+          </a:prstGeom>
+          <a:ln w="38100">
+            <a:solidFill>
+              <a:srgbClr val="C00000"/>
+            </a:solidFill>
+            <a:tailEnd type="arrow"/>
+          </a:ln>
+        </p:spPr>
+        <p:style>
+          <a:lnRef idx="2">
+            <a:schemeClr val="accent3"/>
+          </a:lnRef>
+          <a:fillRef idx="0">
+            <a:schemeClr val="accent3"/>
+          </a:fillRef>
+          <a:effectRef idx="1">
+            <a:schemeClr val="accent3"/>
+          </a:effectRef>
+          <a:fontRef idx="minor">
+            <a:schemeClr val="tx1"/>
+          </a:fontRef>
+        </p:style>
+      </p:cxnSp>
+      <p:sp>
+        <p:nvSpPr>
+          <p:cNvPr id="11" name="CasellaDiTesto 10"/>
+          <p:cNvSpPr txBox="1"/>
+          <p:nvPr/>
+        </p:nvSpPr>
+        <p:spPr>
+          <a:xfrm>
+            <a:off x="3265715" y="1557047"/>
+            <a:ext cx="566057" cy="369332"/>
+          </a:xfrm>
+          <a:prstGeom prst="rect">
+            <a:avLst/>
+          </a:prstGeom>
+          <a:noFill/>
+        </p:spPr>
+        <p:txBody>
+          <a:bodyPr wrap="square" rtlCol="0">
+            <a:spAutoFit/>
+          </a:bodyPr>
+          <a:lstStyle/>
+          <a:p>
+            <a:r>
+              <a:rPr lang="it-IT" b="1" dirty="0" smtClean="0">
+                <a:solidFill>
+                  <a:srgbClr val="C00000"/>
+                </a:solidFill>
+              </a:rPr>
+              <a:t>B</a:t>
+            </a:r>
+            <a:endParaRPr lang="it-IT" b="1" dirty="0">
+              <a:solidFill>
+                <a:srgbClr val="C00000"/>
+              </a:solidFill>
+            </a:endParaRPr>
           </a:p>
         </p:txBody>
       </p:sp>
     </p:spTree>
     <p:extLst>
       <p:ext uri="{BB962C8B-B14F-4D97-AF65-F5344CB8AC3E}">
-        <p14:creationId xmlns:p14="http://schemas.microsoft.com/office/powerpoint/2010/main" val="607407025"/>
+        <p14:creationId xmlns:p14="http://schemas.microsoft.com/office/powerpoint/2010/main" val="2556394309"/>
       </p:ext>
     </p:extLst>
   </p:cSld>
@@ -6198,6 +9919,56 @@
       </p:grpSpPr>
       <p:sp>
         <p:nvSpPr>
+          <p:cNvPr id="5" name="Ovale 4"/>
+          <p:cNvSpPr/>
+          <p:nvPr/>
+        </p:nvSpPr>
+        <p:spPr>
+          <a:xfrm>
+            <a:off x="316412" y="292553"/>
+            <a:ext cx="6244043" cy="4644573"/>
+          </a:xfrm>
+          <a:prstGeom prst="ellipse">
+            <a:avLst/>
+          </a:prstGeom>
+          <a:solidFill>
+            <a:srgbClr val="052F61">
+              <a:alpha val="34902"/>
+            </a:srgbClr>
+          </a:solidFill>
+          <a:ln>
+            <a:solidFill>
+              <a:srgbClr val="032E45"/>
+            </a:solidFill>
+          </a:ln>
+        </p:spPr>
+        <p:style>
+          <a:lnRef idx="2">
+            <a:schemeClr val="accent1">
+              <a:shade val="50000"/>
+            </a:schemeClr>
+          </a:lnRef>
+          <a:fillRef idx="1">
+            <a:schemeClr val="accent1"/>
+          </a:fillRef>
+          <a:effectRef idx="0">
+            <a:schemeClr val="accent1"/>
+          </a:effectRef>
+          <a:fontRef idx="minor">
+            <a:schemeClr val="lt1"/>
+          </a:fontRef>
+        </p:style>
+        <p:txBody>
+          <a:bodyPr rtlCol="0" anchor="ctr"/>
+          <a:lstStyle/>
+          <a:p>
+            <a:pPr algn="ctr"/>
+            <a:endParaRPr lang="it-IT"/>
+          </a:p>
+        </p:txBody>
+      </p:sp>
+      <p:sp>
+        <p:nvSpPr>
           <p:cNvPr id="2" name="Titolo 1"/>
           <p:cNvSpPr>
             <a:spLocks noGrp="1"/>
@@ -6213,35 +9984,264 @@
           <a:p>
             <a:r>
               <a:rPr lang="it-IT" dirty="0" smtClean="0"/>
-              <a:t>Comunicazione VEICOLO - umano</a:t>
+              <a:t>MODELLO di previsione</a:t>
             </a:r>
             <a:endParaRPr lang="en-US" dirty="0"/>
           </a:p>
         </p:txBody>
       </p:sp>
-      <p:sp>
-        <p:nvSpPr>
-          <p:cNvPr id="3" name="Segnaposto contenuto 2"/>
-          <p:cNvSpPr>
-            <a:spLocks noGrp="1"/>
-          </p:cNvSpPr>
-          <p:nvPr>
-            <p:ph idx="1"/>
-          </p:nvPr>
-        </p:nvSpPr>
-        <p:spPr/>
-        <p:txBody>
-          <a:bodyPr/>
-          <a:lstStyle/>
-          <a:p>
-            <a:endParaRPr lang="en-US"/>
+      <p:pic>
+        <p:nvPicPr>
+          <p:cNvPr id="3" name="Picture 2" descr="C:\Users\Simone\Desktop\Senza titolo-2.png"/>
+          <p:cNvPicPr>
+            <a:picLocks noChangeAspect="1" noChangeArrowheads="1"/>
+          </p:cNvPicPr>
+          <p:nvPr/>
+        </p:nvPicPr>
+        <p:blipFill>
+          <a:blip r:embed="rId2">
+            <a:extLst>
+              <a:ext uri="{28A0092B-C50C-407E-A947-70E740481C1C}">
+                <a14:useLocalDpi xmlns:a14="http://schemas.microsoft.com/office/drawing/2010/main" val="0"/>
+              </a:ext>
+            </a:extLst>
+          </a:blip>
+          <a:srcRect/>
+          <a:stretch>
+            <a:fillRect/>
+          </a:stretch>
+        </p:blipFill>
+        <p:spPr bwMode="auto">
+          <a:xfrm>
+            <a:off x="679903" y="0"/>
+            <a:ext cx="4937125" cy="4937126"/>
+          </a:xfrm>
+          <a:prstGeom prst="rect">
+            <a:avLst/>
+          </a:prstGeom>
+          <a:noFill/>
+          <a:extLst>
+            <a:ext uri="{909E8E84-426E-40DD-AFC4-6F175D3DCCD1}">
+              <a14:hiddenFill xmlns:a14="http://schemas.microsoft.com/office/drawing/2010/main">
+                <a:solidFill>
+                  <a:srgbClr val="FFFFFF"/>
+                </a:solidFill>
+              </a14:hiddenFill>
+            </a:ext>
+          </a:extLst>
+        </p:spPr>
+      </p:pic>
+      <p:pic>
+        <p:nvPicPr>
+          <p:cNvPr id="4" name="Picture 2" descr="Risultati immagini per walking man icon png"/>
+          <p:cNvPicPr>
+            <a:picLocks noChangeAspect="1" noChangeArrowheads="1"/>
+          </p:cNvPicPr>
+          <p:nvPr/>
+        </p:nvPicPr>
+        <p:blipFill>
+          <a:blip r:embed="rId3" cstate="print">
+            <a:extLst>
+              <a:ext uri="{28A0092B-C50C-407E-A947-70E740481C1C}">
+                <a14:useLocalDpi xmlns:a14="http://schemas.microsoft.com/office/drawing/2010/main" val="0"/>
+              </a:ext>
+            </a:extLst>
+          </a:blip>
+          <a:srcRect/>
+          <a:stretch>
+            <a:fillRect/>
+          </a:stretch>
+        </p:blipFill>
+        <p:spPr bwMode="auto">
+          <a:xfrm>
+            <a:off x="3813176" y="1741713"/>
+            <a:ext cx="575946" cy="726849"/>
+          </a:xfrm>
+          <a:prstGeom prst="rect">
+            <a:avLst/>
+          </a:prstGeom>
+          <a:noFill/>
+          <a:extLst>
+            <a:ext uri="{909E8E84-426E-40DD-AFC4-6F175D3DCCD1}">
+              <a14:hiddenFill xmlns:a14="http://schemas.microsoft.com/office/drawing/2010/main">
+                <a:solidFill>
+                  <a:srgbClr val="FFFFFF"/>
+                </a:solidFill>
+              </a14:hiddenFill>
+            </a:ext>
+          </a:extLst>
+        </p:spPr>
+      </p:pic>
+      <p:pic>
+        <p:nvPicPr>
+          <p:cNvPr id="7170" name="Picture 2" descr="Risultati immagini per wifi icon png"/>
+          <p:cNvPicPr>
+            <a:picLocks noChangeAspect="1" noChangeArrowheads="1"/>
+          </p:cNvPicPr>
+          <p:nvPr/>
+        </p:nvPicPr>
+        <p:blipFill>
+          <a:blip r:embed="rId4" cstate="print">
+            <a:extLst>
+              <a:ext uri="{28A0092B-C50C-407E-A947-70E740481C1C}">
+                <a14:useLocalDpi xmlns:a14="http://schemas.microsoft.com/office/drawing/2010/main" val="0"/>
+              </a:ext>
+            </a:extLst>
+          </a:blip>
+          <a:srcRect/>
+          <a:stretch>
+            <a:fillRect/>
+          </a:stretch>
+        </p:blipFill>
+        <p:spPr bwMode="auto">
+          <a:xfrm>
+            <a:off x="3929290" y="1203099"/>
+            <a:ext cx="715282" cy="715282"/>
+          </a:xfrm>
+          <a:prstGeom prst="rect">
+            <a:avLst/>
+          </a:prstGeom>
+          <a:noFill/>
+          <a:extLst>
+            <a:ext uri="{909E8E84-426E-40DD-AFC4-6F175D3DCCD1}">
+              <a14:hiddenFill xmlns:a14="http://schemas.microsoft.com/office/drawing/2010/main">
+                <a:solidFill>
+                  <a:srgbClr val="FFFFFF"/>
+                </a:solidFill>
+              </a14:hiddenFill>
+            </a:ext>
+          </a:extLst>
+        </p:spPr>
+      </p:pic>
+      <p:pic>
+        <p:nvPicPr>
+          <p:cNvPr id="7" name="Immagine 6"/>
+          <p:cNvPicPr>
+            <a:picLocks noChangeAspect="1"/>
+          </p:cNvPicPr>
+          <p:nvPr/>
+        </p:nvPicPr>
+        <p:blipFill>
+          <a:blip r:embed="rId5" cstate="print">
+            <a:extLst>
+              <a:ext uri="{28A0092B-C50C-407E-A947-70E740481C1C}">
+                <a14:useLocalDpi xmlns:a14="http://schemas.microsoft.com/office/drawing/2010/main" val="0"/>
+              </a:ext>
+            </a:extLst>
+          </a:blip>
+          <a:stretch>
+            <a:fillRect/>
+          </a:stretch>
+        </p:blipFill>
+        <p:spPr>
+          <a:xfrm>
+            <a:off x="2988074" y="3576805"/>
+            <a:ext cx="567926" cy="567926"/>
+          </a:xfrm>
+          <a:prstGeom prst="rect">
+            <a:avLst/>
+          </a:prstGeom>
+        </p:spPr>
+      </p:pic>
+      <p:sp>
+        <p:nvSpPr>
+          <p:cNvPr id="6" name="CasellaDiTesto 5"/>
+          <p:cNvSpPr txBox="1"/>
+          <p:nvPr/>
+        </p:nvSpPr>
+        <p:spPr>
+          <a:xfrm>
+            <a:off x="7126513" y="172052"/>
+            <a:ext cx="4760686" cy="3693319"/>
+          </a:xfrm>
+          <a:prstGeom prst="rect">
+            <a:avLst/>
+          </a:prstGeom>
+          <a:noFill/>
+        </p:spPr>
+        <p:txBody>
+          <a:bodyPr wrap="square" rtlCol="0">
+            <a:spAutoFit/>
+          </a:bodyPr>
+          <a:lstStyle/>
+          <a:p>
+            <a:r>
+              <a:rPr lang="it-IT" b="1" dirty="0" smtClean="0">
+                <a:solidFill>
+                  <a:schemeClr val="bg2"/>
+                </a:solidFill>
+              </a:rPr>
+              <a:t>DISCOVERY</a:t>
+            </a:r>
+          </a:p>
+          <a:p>
+            <a:endParaRPr lang="it-IT" b="1" dirty="0" smtClean="0">
+              <a:solidFill>
+                <a:schemeClr val="bg2"/>
+              </a:solidFill>
+            </a:endParaRPr>
+          </a:p>
+          <a:p>
+            <a:pPr marL="342900" indent="-342900">
+              <a:buAutoNum type="arabicPeriod"/>
+            </a:pPr>
+            <a:r>
+              <a:rPr lang="it-IT" dirty="0" smtClean="0"/>
+              <a:t>Il dispositivo umano inserisce i dati necessari all’interno del record di service </a:t>
+            </a:r>
+            <a:r>
+              <a:rPr lang="it-IT" dirty="0" err="1" smtClean="0"/>
+              <a:t>discovery</a:t>
+            </a:r>
+            <a:r>
+              <a:rPr lang="it-IT" dirty="0" smtClean="0"/>
+              <a:t>.</a:t>
+            </a:r>
+          </a:p>
+          <a:p>
+            <a:pPr marL="342900" indent="-342900">
+              <a:buAutoNum type="arabicPeriod"/>
+            </a:pPr>
+            <a:endParaRPr lang="it-IT" dirty="0" smtClean="0"/>
+          </a:p>
+          <a:p>
+            <a:pPr marL="342900" indent="-342900">
+              <a:buAutoNum type="arabicPeriod"/>
+            </a:pPr>
+            <a:r>
+              <a:rPr lang="it-IT" dirty="0" smtClean="0"/>
+              <a:t>Questi dati vengono aggiornati ogni 10 secondi (limitazione livello fisico di alcuni dispositivi).</a:t>
+            </a:r>
+          </a:p>
+          <a:p>
+            <a:pPr marL="342900" indent="-342900">
+              <a:buAutoNum type="arabicPeriod"/>
+            </a:pPr>
+            <a:endParaRPr lang="it-IT" dirty="0" smtClean="0"/>
+          </a:p>
+          <a:p>
+            <a:pPr marL="342900" indent="-342900">
+              <a:buAutoNum type="arabicPeriod"/>
+            </a:pPr>
+            <a:r>
+              <a:rPr lang="it-IT" dirty="0" smtClean="0"/>
+              <a:t>Il veicolo nel momento in cui entra all’interno del </a:t>
+            </a:r>
+            <a:r>
+              <a:rPr lang="it-IT" dirty="0" err="1" smtClean="0"/>
+              <a:t>range</a:t>
+            </a:r>
+            <a:r>
+              <a:rPr lang="it-IT" dirty="0" smtClean="0"/>
+              <a:t> Wi-Fi dell’umano inizia la previsione di collisione.</a:t>
+            </a:r>
           </a:p>
         </p:txBody>
       </p:sp>
     </p:spTree>
     <p:extLst>
       <p:ext uri="{BB962C8B-B14F-4D97-AF65-F5344CB8AC3E}">
-        <p14:creationId xmlns:p14="http://schemas.microsoft.com/office/powerpoint/2010/main" val="1239423612"/>
+        <p14:creationId xmlns:p14="http://schemas.microsoft.com/office/powerpoint/2010/main" val="190410154"/>
       </p:ext>
     </p:extLst>
   </p:cSld>
@@ -6292,35 +10292,722 @@
           <a:p>
             <a:r>
               <a:rPr lang="it-IT" dirty="0" smtClean="0"/>
-              <a:t>RISULATI</a:t>
+              <a:t>MODELLO di previsione</a:t>
             </a:r>
             <a:endParaRPr lang="en-US" dirty="0"/>
           </a:p>
         </p:txBody>
       </p:sp>
-      <p:sp>
-        <p:nvSpPr>
-          <p:cNvPr id="3" name="Segnaposto contenuto 2"/>
-          <p:cNvSpPr>
-            <a:spLocks noGrp="1"/>
-          </p:cNvSpPr>
-          <p:nvPr>
-            <p:ph idx="1"/>
-          </p:nvPr>
-        </p:nvSpPr>
-        <p:spPr/>
-        <p:txBody>
-          <a:bodyPr/>
-          <a:lstStyle/>
-          <a:p>
-            <a:endParaRPr lang="en-US"/>
+      <p:pic>
+        <p:nvPicPr>
+          <p:cNvPr id="3" name="Picture 2" descr="C:\Users\Simone\Desktop\Senza titolo-2.png"/>
+          <p:cNvPicPr>
+            <a:picLocks noChangeAspect="1" noChangeArrowheads="1"/>
+          </p:cNvPicPr>
+          <p:nvPr/>
+        </p:nvPicPr>
+        <p:blipFill>
+          <a:blip r:embed="rId2">
+            <a:extLst>
+              <a:ext uri="{28A0092B-C50C-407E-A947-70E740481C1C}">
+                <a14:useLocalDpi xmlns:a14="http://schemas.microsoft.com/office/drawing/2010/main" val="0"/>
+              </a:ext>
+            </a:extLst>
+          </a:blip>
+          <a:srcRect/>
+          <a:stretch>
+            <a:fillRect/>
+          </a:stretch>
+        </p:blipFill>
+        <p:spPr bwMode="auto">
+          <a:xfrm>
+            <a:off x="679903" y="0"/>
+            <a:ext cx="4937125" cy="4937126"/>
+          </a:xfrm>
+          <a:prstGeom prst="rect">
+            <a:avLst/>
+          </a:prstGeom>
+          <a:noFill/>
+          <a:extLst>
+            <a:ext uri="{909E8E84-426E-40DD-AFC4-6F175D3DCCD1}">
+              <a14:hiddenFill xmlns:a14="http://schemas.microsoft.com/office/drawing/2010/main">
+                <a:solidFill>
+                  <a:srgbClr val="FFFFFF"/>
+                </a:solidFill>
+              </a14:hiddenFill>
+            </a:ext>
+          </a:extLst>
+        </p:spPr>
+      </p:pic>
+      <p:cxnSp>
+        <p:nvCxnSpPr>
+          <p:cNvPr id="4" name="Connettore 1 3"/>
+          <p:cNvCxnSpPr/>
+          <p:nvPr/>
+        </p:nvCxnSpPr>
+        <p:spPr>
+          <a:xfrm flipH="1" flipV="1">
+            <a:off x="1756229" y="2656115"/>
+            <a:ext cx="769258" cy="1339333"/>
+          </a:xfrm>
+          <a:prstGeom prst="line">
+            <a:avLst/>
+          </a:prstGeom>
+          <a:ln w="38100">
+            <a:solidFill>
+              <a:srgbClr val="FF0000">
+                <a:alpha val="60000"/>
+              </a:srgbClr>
+            </a:solidFill>
+          </a:ln>
+        </p:spPr>
+        <p:style>
+          <a:lnRef idx="1">
+            <a:schemeClr val="accent1"/>
+          </a:lnRef>
+          <a:fillRef idx="0">
+            <a:schemeClr val="accent1"/>
+          </a:fillRef>
+          <a:effectRef idx="0">
+            <a:schemeClr val="accent1"/>
+          </a:effectRef>
+          <a:fontRef idx="minor">
+            <a:schemeClr val="tx1"/>
+          </a:fontRef>
+        </p:style>
+      </p:cxnSp>
+      <p:cxnSp>
+        <p:nvCxnSpPr>
+          <p:cNvPr id="5" name="Connettore 1 4"/>
+          <p:cNvCxnSpPr/>
+          <p:nvPr/>
+        </p:nvCxnSpPr>
+        <p:spPr>
+          <a:xfrm flipV="1">
+            <a:off x="1756229" y="2061029"/>
+            <a:ext cx="1973942" cy="595086"/>
+          </a:xfrm>
+          <a:prstGeom prst="line">
+            <a:avLst/>
+          </a:prstGeom>
+          <a:ln w="38100">
+            <a:solidFill>
+              <a:srgbClr val="FF0000">
+                <a:alpha val="60000"/>
+              </a:srgbClr>
+            </a:solidFill>
+          </a:ln>
+        </p:spPr>
+        <p:style>
+          <a:lnRef idx="1">
+            <a:schemeClr val="accent1"/>
+          </a:lnRef>
+          <a:fillRef idx="0">
+            <a:schemeClr val="accent1"/>
+          </a:fillRef>
+          <a:effectRef idx="0">
+            <a:schemeClr val="accent1"/>
+          </a:effectRef>
+          <a:fontRef idx="minor">
+            <a:schemeClr val="tx1"/>
+          </a:fontRef>
+        </p:style>
+      </p:cxnSp>
+      <p:cxnSp>
+        <p:nvCxnSpPr>
+          <p:cNvPr id="6" name="Connettore 1 5"/>
+          <p:cNvCxnSpPr/>
+          <p:nvPr/>
+        </p:nvCxnSpPr>
+        <p:spPr>
+          <a:xfrm flipV="1">
+            <a:off x="3730172" y="1451429"/>
+            <a:ext cx="827314" cy="609600"/>
+          </a:xfrm>
+          <a:prstGeom prst="line">
+            <a:avLst/>
+          </a:prstGeom>
+          <a:ln w="38100">
+            <a:solidFill>
+              <a:srgbClr val="FF0000">
+                <a:alpha val="60000"/>
+              </a:srgbClr>
+            </a:solidFill>
+          </a:ln>
+        </p:spPr>
+        <p:style>
+          <a:lnRef idx="1">
+            <a:schemeClr val="accent1"/>
+          </a:lnRef>
+          <a:fillRef idx="0">
+            <a:schemeClr val="accent1"/>
+          </a:fillRef>
+          <a:effectRef idx="0">
+            <a:schemeClr val="accent1"/>
+          </a:effectRef>
+          <a:fontRef idx="minor">
+            <a:schemeClr val="tx1"/>
+          </a:fontRef>
+        </p:style>
+      </p:cxnSp>
+      <p:cxnSp>
+        <p:nvCxnSpPr>
+          <p:cNvPr id="7" name="Connettore 1 6"/>
+          <p:cNvCxnSpPr/>
+          <p:nvPr/>
+        </p:nvCxnSpPr>
+        <p:spPr>
+          <a:xfrm flipH="1" flipV="1">
+            <a:off x="4557486" y="1074057"/>
+            <a:ext cx="1" cy="377373"/>
+          </a:xfrm>
+          <a:prstGeom prst="line">
+            <a:avLst/>
+          </a:prstGeom>
+          <a:ln w="38100">
+            <a:solidFill>
+              <a:srgbClr val="FF0000">
+                <a:alpha val="60000"/>
+              </a:srgbClr>
+            </a:solidFill>
+          </a:ln>
+        </p:spPr>
+        <p:style>
+          <a:lnRef idx="1">
+            <a:schemeClr val="accent1"/>
+          </a:lnRef>
+          <a:fillRef idx="0">
+            <a:schemeClr val="accent1"/>
+          </a:fillRef>
+          <a:effectRef idx="0">
+            <a:schemeClr val="accent1"/>
+          </a:effectRef>
+          <a:fontRef idx="minor">
+            <a:schemeClr val="tx1"/>
+          </a:fontRef>
+        </p:style>
+      </p:cxnSp>
+      <p:cxnSp>
+        <p:nvCxnSpPr>
+          <p:cNvPr id="8" name="Connettore 1 7"/>
+          <p:cNvCxnSpPr/>
+          <p:nvPr/>
+        </p:nvCxnSpPr>
+        <p:spPr>
+          <a:xfrm flipH="1" flipV="1">
+            <a:off x="4325257" y="711200"/>
+            <a:ext cx="232229" cy="362857"/>
+          </a:xfrm>
+          <a:prstGeom prst="line">
+            <a:avLst/>
+          </a:prstGeom>
+          <a:ln w="38100">
+            <a:solidFill>
+              <a:srgbClr val="FF0000">
+                <a:alpha val="60000"/>
+              </a:srgbClr>
+            </a:solidFill>
+          </a:ln>
+        </p:spPr>
+        <p:style>
+          <a:lnRef idx="1">
+            <a:schemeClr val="accent1"/>
+          </a:lnRef>
+          <a:fillRef idx="0">
+            <a:schemeClr val="accent1"/>
+          </a:fillRef>
+          <a:effectRef idx="0">
+            <a:schemeClr val="accent1"/>
+          </a:effectRef>
+          <a:fontRef idx="minor">
+            <a:schemeClr val="tx1"/>
+          </a:fontRef>
+        </p:style>
+      </p:cxnSp>
+      <p:cxnSp>
+        <p:nvCxnSpPr>
+          <p:cNvPr id="9" name="Connettore 1 8"/>
+          <p:cNvCxnSpPr/>
+          <p:nvPr/>
+        </p:nvCxnSpPr>
+        <p:spPr>
+          <a:xfrm flipH="1" flipV="1">
+            <a:off x="3614057" y="391886"/>
+            <a:ext cx="711201" cy="319314"/>
+          </a:xfrm>
+          <a:prstGeom prst="line">
+            <a:avLst/>
+          </a:prstGeom>
+          <a:ln w="38100">
+            <a:solidFill>
+              <a:srgbClr val="FF0000">
+                <a:alpha val="60000"/>
+              </a:srgbClr>
+            </a:solidFill>
+          </a:ln>
+        </p:spPr>
+        <p:style>
+          <a:lnRef idx="1">
+            <a:schemeClr val="accent1"/>
+          </a:lnRef>
+          <a:fillRef idx="0">
+            <a:schemeClr val="accent1"/>
+          </a:fillRef>
+          <a:effectRef idx="0">
+            <a:schemeClr val="accent1"/>
+          </a:effectRef>
+          <a:fontRef idx="minor">
+            <a:schemeClr val="tx1"/>
+          </a:fontRef>
+        </p:style>
+      </p:cxnSp>
+      <p:cxnSp>
+        <p:nvCxnSpPr>
+          <p:cNvPr id="10" name="Connettore 1 9"/>
+          <p:cNvCxnSpPr/>
+          <p:nvPr/>
+        </p:nvCxnSpPr>
+        <p:spPr>
+          <a:xfrm flipH="1" flipV="1">
+            <a:off x="3367314" y="145143"/>
+            <a:ext cx="246744" cy="246743"/>
+          </a:xfrm>
+          <a:prstGeom prst="line">
+            <a:avLst/>
+          </a:prstGeom>
+          <a:ln w="38100">
+            <a:solidFill>
+              <a:srgbClr val="FF0000">
+                <a:alpha val="60000"/>
+              </a:srgbClr>
+            </a:solidFill>
+          </a:ln>
+        </p:spPr>
+        <p:style>
+          <a:lnRef idx="1">
+            <a:schemeClr val="accent1"/>
+          </a:lnRef>
+          <a:fillRef idx="0">
+            <a:schemeClr val="accent1"/>
+          </a:fillRef>
+          <a:effectRef idx="0">
+            <a:schemeClr val="accent1"/>
+          </a:effectRef>
+          <a:fontRef idx="minor">
+            <a:schemeClr val="tx1"/>
+          </a:fontRef>
+        </p:style>
+      </p:cxnSp>
+      <p:cxnSp>
+        <p:nvCxnSpPr>
+          <p:cNvPr id="11" name="Connettore 1 10"/>
+          <p:cNvCxnSpPr/>
+          <p:nvPr/>
+        </p:nvCxnSpPr>
+        <p:spPr>
+          <a:xfrm flipV="1">
+            <a:off x="3367314" y="0"/>
+            <a:ext cx="123372" cy="145143"/>
+          </a:xfrm>
+          <a:prstGeom prst="line">
+            <a:avLst/>
+          </a:prstGeom>
+          <a:ln w="38100">
+            <a:solidFill>
+              <a:srgbClr val="FF0000">
+                <a:alpha val="60000"/>
+              </a:srgbClr>
+            </a:solidFill>
+          </a:ln>
+        </p:spPr>
+        <p:style>
+          <a:lnRef idx="1">
+            <a:schemeClr val="accent1"/>
+          </a:lnRef>
+          <a:fillRef idx="0">
+            <a:schemeClr val="accent1"/>
+          </a:fillRef>
+          <a:effectRef idx="0">
+            <a:schemeClr val="accent1"/>
+          </a:effectRef>
+          <a:fontRef idx="minor">
+            <a:schemeClr val="tx1"/>
+          </a:fontRef>
+        </p:style>
+      </p:cxnSp>
+      <p:cxnSp>
+        <p:nvCxnSpPr>
+          <p:cNvPr id="15" name="Connettore 1 14"/>
+          <p:cNvCxnSpPr>
+            <a:stCxn id="13" idx="3"/>
+          </p:cNvCxnSpPr>
+          <p:nvPr/>
+        </p:nvCxnSpPr>
+        <p:spPr>
+          <a:xfrm flipH="1">
+            <a:off x="2140858" y="2628649"/>
+            <a:ext cx="2030437" cy="697132"/>
+          </a:xfrm>
+          <a:prstGeom prst="line">
+            <a:avLst/>
+          </a:prstGeom>
+          <a:ln w="57150">
+            <a:solidFill>
+              <a:srgbClr val="FFFF00">
+                <a:alpha val="60000"/>
+              </a:srgbClr>
+            </a:solidFill>
+            <a:prstDash val="sysDash"/>
+          </a:ln>
+        </p:spPr>
+        <p:style>
+          <a:lnRef idx="1">
+            <a:schemeClr val="accent1"/>
+          </a:lnRef>
+          <a:fillRef idx="0">
+            <a:schemeClr val="accent1"/>
+          </a:fillRef>
+          <a:effectRef idx="0">
+            <a:schemeClr val="accent1"/>
+          </a:effectRef>
+          <a:fontRef idx="minor">
+            <a:schemeClr val="tx1"/>
+          </a:fontRef>
+        </p:style>
+      </p:cxnSp>
+      <p:cxnSp>
+        <p:nvCxnSpPr>
+          <p:cNvPr id="18" name="Connettore 1 17"/>
+          <p:cNvCxnSpPr>
+            <a:stCxn id="13" idx="4"/>
+          </p:cNvCxnSpPr>
+          <p:nvPr/>
+        </p:nvCxnSpPr>
+        <p:spPr>
+          <a:xfrm flipH="1" flipV="1">
+            <a:off x="3730171" y="2105137"/>
+            <a:ext cx="507434" cy="550978"/>
+          </a:xfrm>
+          <a:prstGeom prst="line">
+            <a:avLst/>
+          </a:prstGeom>
+          <a:ln w="57150">
+            <a:solidFill>
+              <a:srgbClr val="FFFF00">
+                <a:alpha val="60000"/>
+              </a:srgbClr>
+            </a:solidFill>
+            <a:prstDash val="sysDash"/>
+          </a:ln>
+        </p:spPr>
+        <p:style>
+          <a:lnRef idx="1">
+            <a:schemeClr val="accent1"/>
+          </a:lnRef>
+          <a:fillRef idx="0">
+            <a:schemeClr val="accent1"/>
+          </a:fillRef>
+          <a:effectRef idx="0">
+            <a:schemeClr val="accent1"/>
+          </a:effectRef>
+          <a:fontRef idx="minor">
+            <a:schemeClr val="tx1"/>
+          </a:fontRef>
+        </p:style>
+      </p:cxnSp>
+      <p:cxnSp>
+        <p:nvCxnSpPr>
+          <p:cNvPr id="21" name="Connettore 1 20"/>
+          <p:cNvCxnSpPr>
+            <a:stCxn id="13" idx="5"/>
+          </p:cNvCxnSpPr>
+          <p:nvPr/>
+        </p:nvCxnSpPr>
+        <p:spPr>
+          <a:xfrm flipV="1">
+            <a:off x="4303915" y="1451430"/>
+            <a:ext cx="253571" cy="1177219"/>
+          </a:xfrm>
+          <a:prstGeom prst="line">
+            <a:avLst/>
+          </a:prstGeom>
+          <a:ln w="57150">
+            <a:solidFill>
+              <a:srgbClr val="FFFF00">
+                <a:alpha val="60000"/>
+              </a:srgbClr>
+            </a:solidFill>
+            <a:prstDash val="sysDash"/>
+          </a:ln>
+        </p:spPr>
+        <p:style>
+          <a:lnRef idx="1">
+            <a:schemeClr val="accent1"/>
+          </a:lnRef>
+          <a:fillRef idx="0">
+            <a:schemeClr val="accent1"/>
+          </a:fillRef>
+          <a:effectRef idx="0">
+            <a:schemeClr val="accent1"/>
+          </a:effectRef>
+          <a:fontRef idx="minor">
+            <a:schemeClr val="tx1"/>
+          </a:fontRef>
+        </p:style>
+      </p:cxnSp>
+      <p:cxnSp>
+        <p:nvCxnSpPr>
+          <p:cNvPr id="25" name="Connettore 1 24"/>
+          <p:cNvCxnSpPr>
+            <a:stCxn id="13" idx="4"/>
+          </p:cNvCxnSpPr>
+          <p:nvPr/>
+        </p:nvCxnSpPr>
+        <p:spPr>
+          <a:xfrm flipV="1">
+            <a:off x="4237605" y="1074057"/>
+            <a:ext cx="319882" cy="1582058"/>
+          </a:xfrm>
+          <a:prstGeom prst="line">
+            <a:avLst/>
+          </a:prstGeom>
+          <a:ln w="57150">
+            <a:solidFill>
+              <a:srgbClr val="FFFF00">
+                <a:alpha val="60000"/>
+              </a:srgbClr>
+            </a:solidFill>
+            <a:prstDash val="sysDash"/>
+          </a:ln>
+        </p:spPr>
+        <p:style>
+          <a:lnRef idx="1">
+            <a:schemeClr val="accent1"/>
+          </a:lnRef>
+          <a:fillRef idx="0">
+            <a:schemeClr val="accent1"/>
+          </a:fillRef>
+          <a:effectRef idx="0">
+            <a:schemeClr val="accent1"/>
+          </a:effectRef>
+          <a:fontRef idx="minor">
+            <a:schemeClr val="tx1"/>
+          </a:fontRef>
+        </p:style>
+      </p:cxnSp>
+      <p:cxnSp>
+        <p:nvCxnSpPr>
+          <p:cNvPr id="29" name="Connettore 1 28"/>
+          <p:cNvCxnSpPr/>
+          <p:nvPr/>
+        </p:nvCxnSpPr>
+        <p:spPr>
+          <a:xfrm flipV="1">
+            <a:off x="4171295" y="711201"/>
+            <a:ext cx="132620" cy="1757362"/>
+          </a:xfrm>
+          <a:prstGeom prst="line">
+            <a:avLst/>
+          </a:prstGeom>
+          <a:ln w="57150">
+            <a:solidFill>
+              <a:srgbClr val="FFFF00">
+                <a:alpha val="60000"/>
+              </a:srgbClr>
+            </a:solidFill>
+            <a:prstDash val="sysDash"/>
+          </a:ln>
+        </p:spPr>
+        <p:style>
+          <a:lnRef idx="1">
+            <a:schemeClr val="accent1"/>
+          </a:lnRef>
+          <a:fillRef idx="0">
+            <a:schemeClr val="accent1"/>
+          </a:fillRef>
+          <a:effectRef idx="0">
+            <a:schemeClr val="accent1"/>
+          </a:effectRef>
+          <a:fontRef idx="minor">
+            <a:schemeClr val="tx1"/>
+          </a:fontRef>
+        </p:style>
+      </p:cxnSp>
+      <p:cxnSp>
+        <p:nvCxnSpPr>
+          <p:cNvPr id="32" name="Connettore 1 31"/>
+          <p:cNvCxnSpPr>
+            <a:stCxn id="13" idx="5"/>
+          </p:cNvCxnSpPr>
+          <p:nvPr/>
+        </p:nvCxnSpPr>
+        <p:spPr>
+          <a:xfrm flipH="1" flipV="1">
+            <a:off x="3614058" y="391886"/>
+            <a:ext cx="689857" cy="2236763"/>
+          </a:xfrm>
+          <a:prstGeom prst="line">
+            <a:avLst/>
+          </a:prstGeom>
+          <a:ln w="57150">
+            <a:solidFill>
+              <a:srgbClr val="FFFF00">
+                <a:alpha val="60000"/>
+              </a:srgbClr>
+            </a:solidFill>
+            <a:prstDash val="sysDash"/>
+          </a:ln>
+        </p:spPr>
+        <p:style>
+          <a:lnRef idx="1">
+            <a:schemeClr val="accent1"/>
+          </a:lnRef>
+          <a:fillRef idx="0">
+            <a:schemeClr val="accent1"/>
+          </a:fillRef>
+          <a:effectRef idx="0">
+            <a:schemeClr val="accent1"/>
+          </a:effectRef>
+          <a:fontRef idx="minor">
+            <a:schemeClr val="tx1"/>
+          </a:fontRef>
+        </p:style>
+      </p:cxnSp>
+      <p:sp>
+        <p:nvSpPr>
+          <p:cNvPr id="13" name="Ovale 12"/>
+          <p:cNvSpPr/>
+          <p:nvPr/>
+        </p:nvSpPr>
+        <p:spPr>
+          <a:xfrm>
+            <a:off x="4143829" y="2468563"/>
+            <a:ext cx="187552" cy="187552"/>
+          </a:xfrm>
+          <a:prstGeom prst="ellipse">
+            <a:avLst/>
+          </a:prstGeom>
+        </p:spPr>
+        <p:style>
+          <a:lnRef idx="2">
+            <a:schemeClr val="accent1">
+              <a:shade val="50000"/>
+            </a:schemeClr>
+          </a:lnRef>
+          <a:fillRef idx="1">
+            <a:schemeClr val="accent1"/>
+          </a:fillRef>
+          <a:effectRef idx="0">
+            <a:schemeClr val="accent1"/>
+          </a:effectRef>
+          <a:fontRef idx="minor">
+            <a:schemeClr val="lt1"/>
+          </a:fontRef>
+        </p:style>
+        <p:txBody>
+          <a:bodyPr rtlCol="0" anchor="ctr"/>
+          <a:lstStyle/>
+          <a:p>
+            <a:pPr algn="ctr"/>
+            <a:endParaRPr lang="it-IT"/>
+          </a:p>
+        </p:txBody>
+      </p:sp>
+      <p:sp>
+        <p:nvSpPr>
+          <p:cNvPr id="35" name="CasellaDiTesto 34"/>
+          <p:cNvSpPr txBox="1"/>
+          <p:nvPr/>
+        </p:nvSpPr>
+        <p:spPr>
+          <a:xfrm>
+            <a:off x="7126513" y="172052"/>
+            <a:ext cx="4760686" cy="3970318"/>
+          </a:xfrm>
+          <a:prstGeom prst="rect">
+            <a:avLst/>
+          </a:prstGeom>
+          <a:noFill/>
+        </p:spPr>
+        <p:txBody>
+          <a:bodyPr wrap="square" rtlCol="0">
+            <a:spAutoFit/>
+          </a:bodyPr>
+          <a:lstStyle/>
+          <a:p>
+            <a:r>
+              <a:rPr lang="it-IT" b="1" dirty="0" smtClean="0">
+                <a:solidFill>
+                  <a:schemeClr val="bg2"/>
+                </a:solidFill>
+              </a:rPr>
+              <a:t>PREVISIONE 1</a:t>
+            </a:r>
+          </a:p>
+          <a:p>
+            <a:endParaRPr lang="it-IT" b="1" dirty="0" smtClean="0">
+              <a:solidFill>
+                <a:schemeClr val="bg2"/>
+              </a:solidFill>
+            </a:endParaRPr>
+          </a:p>
+          <a:p>
+            <a:pPr marL="342900" indent="-342900">
+              <a:buAutoNum type="arabicPeriod"/>
+            </a:pPr>
+            <a:r>
+              <a:rPr lang="it-IT" dirty="0" smtClean="0"/>
+              <a:t>Per ogni segmento a della </a:t>
+            </a:r>
+            <a:r>
+              <a:rPr lang="it-IT" dirty="0" err="1" smtClean="0"/>
+              <a:t>polylinea</a:t>
+            </a:r>
+            <a:r>
+              <a:rPr lang="it-IT" dirty="0" smtClean="0"/>
+              <a:t>, a partire dal segmento in cui si trova attualmente il veicolo, calcolo la distanza minima punto-segmento (┴ se possibile altrimenti l’estremo più vicino).</a:t>
+            </a:r>
+          </a:p>
+          <a:p>
+            <a:pPr marL="342900" indent="-342900">
+              <a:buAutoNum type="arabicPeriod"/>
+            </a:pPr>
+            <a:r>
+              <a:rPr lang="it-IT" dirty="0" smtClean="0"/>
+              <a:t>Calcolo fino a che la distanza risultante punto-segmento non supera il </a:t>
+            </a:r>
+            <a:r>
+              <a:rPr lang="it-IT" dirty="0" err="1" smtClean="0"/>
+              <a:t>range</a:t>
+            </a:r>
+            <a:r>
+              <a:rPr lang="it-IT" dirty="0" smtClean="0"/>
+              <a:t> del Wi-Fi.</a:t>
+            </a:r>
+          </a:p>
+          <a:p>
+            <a:pPr marL="342900" indent="-342900">
+              <a:buAutoNum type="arabicPeriod"/>
+            </a:pPr>
+            <a:r>
+              <a:rPr lang="it-IT" dirty="0" smtClean="0"/>
+              <a:t>Ottengo dunque un tratto della </a:t>
+            </a:r>
+            <a:r>
+              <a:rPr lang="it-IT" dirty="0" err="1" smtClean="0"/>
+              <a:t>polylinea</a:t>
+            </a:r>
+            <a:r>
+              <a:rPr lang="it-IT" dirty="0" smtClean="0"/>
+              <a:t> all’interno del quale potrebbe avvenire la collisione.</a:t>
+            </a:r>
           </a:p>
         </p:txBody>
       </p:sp>
     </p:spTree>
     <p:extLst>
       <p:ext uri="{BB962C8B-B14F-4D97-AF65-F5344CB8AC3E}">
-        <p14:creationId xmlns:p14="http://schemas.microsoft.com/office/powerpoint/2010/main" val="3072134879"/>
+        <p14:creationId xmlns:p14="http://schemas.microsoft.com/office/powerpoint/2010/main" val="2787399254"/>
       </p:ext>
     </p:extLst>
   </p:cSld>
@@ -6605,7 +11292,7 @@
   <a:extraClrSchemeLst/>
   <a:extLst>
     <a:ext uri="{05A4C25C-085E-4340-85A3-A5531E510DB2}">
-      <thm15:themeFamily xmlns:thm15="http://schemas.microsoft.com/office/thememl/2012/main" name="Slice" id="{0507925B-6AC9-4358-8E18-C330545D08F8}" vid="{13FEC7C6-62A9-40C4-99D2-581AACACAA2F}"/>
+      <thm15:themeFamily xmlns:thm15="http://schemas.microsoft.com/office/thememl/2012/main" xmlns="" name="Slice" id="{0507925B-6AC9-4358-8E18-C330545D08F8}" vid="{13FEC7C6-62A9-40C4-99D2-581AACACAA2F}"/>
     </a:ext>
   </a:extLst>
 </a:theme>

--- a/doc/Vehicles_VS_Humans.pptx
+++ b/doc/Vehicles_VS_Humans.pptx
@@ -117,6 +117,22 @@
       </a:defRPr>
     </a:lvl9pPr>
   </p:defaultTextStyle>
+  <p:extLst>
+    <p:ext uri="{EFAFB233-063F-42B5-8137-9DF3F51BA10A}">
+      <p15:sldGuideLst xmlns:p15="http://schemas.microsoft.com/office/powerpoint/2012/main">
+        <p15:guide id="1" orient="horz" pos="2160">
+          <p15:clr>
+            <a:srgbClr val="A4A3A4"/>
+          </p15:clr>
+        </p15:guide>
+        <p15:guide id="2" pos="3840">
+          <p15:clr>
+            <a:srgbClr val="A4A3A4"/>
+          </p15:clr>
+        </p15:guide>
+      </p15:sldGuideLst>
+    </p:ext>
+  </p:extLst>
 </p:presentation>
 </file>
 
@@ -311,7 +327,7 @@
           <a:p>
             <a:fld id="{E6318F55-CE4A-4A48-9385-9E29E7693AAD}" type="datetimeFigureOut">
               <a:rPr lang="en-US" smtClean="0"/>
-              <a:t>9/30/2018</a:t>
+              <a:t>10/1/2018</a:t>
             </a:fld>
             <a:endParaRPr lang="en-US"/>
           </a:p>
@@ -747,7 +763,7 @@
           <a:p>
             <a:fld id="{E6318F55-CE4A-4A48-9385-9E29E7693AAD}" type="datetimeFigureOut">
               <a:rPr lang="en-US" smtClean="0"/>
-              <a:t>9/30/2018</a:t>
+              <a:t>10/1/2018</a:t>
             </a:fld>
             <a:endParaRPr lang="en-US"/>
           </a:p>
@@ -997,7 +1013,7 @@
           <a:p>
             <a:fld id="{E6318F55-CE4A-4A48-9385-9E29E7693AAD}" type="datetimeFigureOut">
               <a:rPr lang="en-US" smtClean="0"/>
-              <a:t>9/30/2018</a:t>
+              <a:t>10/1/2018</a:t>
             </a:fld>
             <a:endParaRPr lang="en-US"/>
           </a:p>
@@ -1305,7 +1321,7 @@
           <a:p>
             <a:fld id="{E6318F55-CE4A-4A48-9385-9E29E7693AAD}" type="datetimeFigureOut">
               <a:rPr lang="en-US" smtClean="0"/>
-              <a:t>9/30/2018</a:t>
+              <a:t>10/1/2018</a:t>
             </a:fld>
             <a:endParaRPr lang="en-US"/>
           </a:p>
@@ -1623,7 +1639,7 @@
           <a:p>
             <a:fld id="{E6318F55-CE4A-4A48-9385-9E29E7693AAD}" type="datetimeFigureOut">
               <a:rPr lang="en-US" smtClean="0"/>
-              <a:t>9/30/2018</a:t>
+              <a:t>10/1/2018</a:t>
             </a:fld>
             <a:endParaRPr lang="en-US"/>
           </a:p>
@@ -1925,7 +1941,7 @@
           <a:p>
             <a:fld id="{E6318F55-CE4A-4A48-9385-9E29E7693AAD}" type="datetimeFigureOut">
               <a:rPr lang="en-US" smtClean="0"/>
-              <a:t>9/30/2018</a:t>
+              <a:t>10/1/2018</a:t>
             </a:fld>
             <a:endParaRPr lang="en-US"/>
           </a:p>
@@ -2292,7 +2308,7 @@
           <a:p>
             <a:fld id="{E6318F55-CE4A-4A48-9385-9E29E7693AAD}" type="datetimeFigureOut">
               <a:rPr lang="en-US" smtClean="0"/>
-              <a:t>9/30/2018</a:t>
+              <a:t>10/1/2018</a:t>
             </a:fld>
             <a:endParaRPr lang="en-US"/>
           </a:p>
@@ -2466,7 +2482,7 @@
           <a:p>
             <a:fld id="{E6318F55-CE4A-4A48-9385-9E29E7693AAD}" type="datetimeFigureOut">
               <a:rPr lang="en-US" smtClean="0"/>
-              <a:t>9/30/2018</a:t>
+              <a:t>10/1/2018</a:t>
             </a:fld>
             <a:endParaRPr lang="en-US"/>
           </a:p>
@@ -2646,7 +2662,7 @@
           <a:p>
             <a:fld id="{E6318F55-CE4A-4A48-9385-9E29E7693AAD}" type="datetimeFigureOut">
               <a:rPr lang="en-US" smtClean="0"/>
-              <a:t>9/30/2018</a:t>
+              <a:t>10/1/2018</a:t>
             </a:fld>
             <a:endParaRPr lang="en-US"/>
           </a:p>
@@ -2816,7 +2832,7 @@
           <a:p>
             <a:fld id="{E6318F55-CE4A-4A48-9385-9E29E7693AAD}" type="datetimeFigureOut">
               <a:rPr lang="en-US" smtClean="0"/>
-              <a:t>9/30/2018</a:t>
+              <a:t>10/1/2018</a:t>
             </a:fld>
             <a:endParaRPr lang="en-US"/>
           </a:p>
@@ -3066,7 +3082,7 @@
           <a:p>
             <a:fld id="{E6318F55-CE4A-4A48-9385-9E29E7693AAD}" type="datetimeFigureOut">
               <a:rPr lang="en-US" smtClean="0"/>
-              <a:t>9/30/2018</a:t>
+              <a:t>10/1/2018</a:t>
             </a:fld>
             <a:endParaRPr lang="en-US"/>
           </a:p>
@@ -3302,7 +3318,7 @@
           <a:p>
             <a:fld id="{E6318F55-CE4A-4A48-9385-9E29E7693AAD}" type="datetimeFigureOut">
               <a:rPr lang="en-US" smtClean="0"/>
-              <a:t>9/30/2018</a:t>
+              <a:t>10/1/2018</a:t>
             </a:fld>
             <a:endParaRPr lang="en-US"/>
           </a:p>
@@ -3684,7 +3700,7 @@
           <a:p>
             <a:fld id="{E6318F55-CE4A-4A48-9385-9E29E7693AAD}" type="datetimeFigureOut">
               <a:rPr lang="en-US" smtClean="0"/>
-              <a:t>9/30/2018</a:t>
+              <a:t>10/1/2018</a:t>
             </a:fld>
             <a:endParaRPr lang="en-US"/>
           </a:p>
@@ -3802,7 +3818,7 @@
           <a:p>
             <a:fld id="{E6318F55-CE4A-4A48-9385-9E29E7693AAD}" type="datetimeFigureOut">
               <a:rPr lang="en-US" smtClean="0"/>
-              <a:t>9/30/2018</a:t>
+              <a:t>10/1/2018</a:t>
             </a:fld>
             <a:endParaRPr lang="en-US"/>
           </a:p>
@@ -3897,7 +3913,7 @@
           <a:p>
             <a:fld id="{E6318F55-CE4A-4A48-9385-9E29E7693AAD}" type="datetimeFigureOut">
               <a:rPr lang="en-US" smtClean="0"/>
-              <a:t>9/30/2018</a:t>
+              <a:t>10/1/2018</a:t>
             </a:fld>
             <a:endParaRPr lang="en-US"/>
           </a:p>
@@ -4152,7 +4168,7 @@
           <a:p>
             <a:fld id="{E6318F55-CE4A-4A48-9385-9E29E7693AAD}" type="datetimeFigureOut">
               <a:rPr lang="en-US" smtClean="0"/>
-              <a:t>9/30/2018</a:t>
+              <a:t>10/1/2018</a:t>
             </a:fld>
             <a:endParaRPr lang="en-US"/>
           </a:p>
@@ -4435,7 +4451,7 @@
           <a:p>
             <a:fld id="{E6318F55-CE4A-4A48-9385-9E29E7693AAD}" type="datetimeFigureOut">
               <a:rPr lang="en-US" smtClean="0"/>
-              <a:t>9/30/2018</a:t>
+              <a:t>10/1/2018</a:t>
             </a:fld>
             <a:endParaRPr lang="en-US"/>
           </a:p>
@@ -4841,7 +4857,7 @@
           <a:p>
             <a:fld id="{E6318F55-CE4A-4A48-9385-9E29E7693AAD}" type="datetimeFigureOut">
               <a:rPr lang="en-US" smtClean="0"/>
-              <a:t>9/30/2018</a:t>
+              <a:t>10/1/2018</a:t>
             </a:fld>
             <a:endParaRPr lang="en-US"/>
           </a:p>
@@ -6169,25 +6185,6 @@
           </a:p>
         </p:txBody>
       </p:sp>
-      <p:sp>
-        <p:nvSpPr>
-          <p:cNvPr id="3" name="Segnaposto contenuto 2"/>
-          <p:cNvSpPr>
-            <a:spLocks noGrp="1"/>
-          </p:cNvSpPr>
-          <p:nvPr>
-            <p:ph idx="1"/>
-          </p:nvPr>
-        </p:nvSpPr>
-        <p:spPr/>
-        <p:txBody>
-          <a:bodyPr/>
-          <a:lstStyle/>
-          <a:p>
-            <a:endParaRPr lang="en-US"/>
-          </a:p>
-        </p:txBody>
-      </p:sp>
     </p:spTree>
     <p:extLst>
       <p:ext uri="{BB962C8B-B14F-4D97-AF65-F5344CB8AC3E}">
@@ -6248,22 +6245,514 @@
           </a:p>
         </p:txBody>
       </p:sp>
-      <p:sp>
-        <p:nvSpPr>
-          <p:cNvPr id="3" name="Segnaposto contenuto 2"/>
-          <p:cNvSpPr>
-            <a:spLocks noGrp="1"/>
-          </p:cNvSpPr>
+      <p:pic>
+        <p:nvPicPr>
+          <p:cNvPr id="4" name="Picture 2" descr="Risultati immagini per walking man icon png"/>
+          <p:cNvPicPr>
+            <a:picLocks noChangeAspect="1" noChangeArrowheads="1"/>
+          </p:cNvPicPr>
+          <p:nvPr/>
+        </p:nvPicPr>
+        <p:blipFill>
+          <a:blip r:embed="rId2" cstate="print">
+            <a:extLst>
+              <a:ext uri="{28A0092B-C50C-407E-A947-70E740481C1C}">
+                <a14:useLocalDpi xmlns:a14="http://schemas.microsoft.com/office/drawing/2010/main" val="0"/>
+              </a:ext>
+            </a:extLst>
+          </a:blip>
+          <a:srcRect/>
+          <a:stretch>
+            <a:fillRect/>
+          </a:stretch>
+        </p:blipFill>
+        <p:spPr bwMode="auto">
+          <a:xfrm>
+            <a:off x="3146747" y="4049086"/>
+            <a:ext cx="575946" cy="726849"/>
+          </a:xfrm>
+          <a:prstGeom prst="rect">
+            <a:avLst/>
+          </a:prstGeom>
+          <a:noFill/>
+          <a:extLst>
+            <a:ext uri="{909E8E84-426E-40DD-AFC4-6F175D3DCCD1}">
+              <a14:hiddenFill xmlns:a14="http://schemas.microsoft.com/office/drawing/2010/main">
+                <a:solidFill>
+                  <a:srgbClr val="FFFFFF"/>
+                </a:solidFill>
+              </a14:hiddenFill>
+            </a:ext>
+          </a:extLst>
+        </p:spPr>
+      </p:pic>
+      <p:pic>
+        <p:nvPicPr>
+          <p:cNvPr id="5" name="Picture 2" descr="Risultati immagini per wifi icon png"/>
+          <p:cNvPicPr>
+            <a:picLocks noChangeAspect="1" noChangeArrowheads="1"/>
+          </p:cNvPicPr>
+          <p:nvPr/>
+        </p:nvPicPr>
+        <p:blipFill>
+          <a:blip r:embed="rId3" cstate="print">
+            <a:extLst>
+              <a:ext uri="{28A0092B-C50C-407E-A947-70E740481C1C}">
+                <a14:useLocalDpi xmlns:a14="http://schemas.microsoft.com/office/drawing/2010/main" val="0"/>
+              </a:ext>
+            </a:extLst>
+          </a:blip>
+          <a:srcRect/>
+          <a:stretch>
+            <a:fillRect/>
+          </a:stretch>
+        </p:blipFill>
+        <p:spPr bwMode="auto">
+          <a:xfrm>
+            <a:off x="1544678" y="202919"/>
+            <a:ext cx="715282" cy="715282"/>
+          </a:xfrm>
+          <a:prstGeom prst="rect">
+            <a:avLst/>
+          </a:prstGeom>
+          <a:noFill/>
+          <a:extLst>
+            <a:ext uri="{909E8E84-426E-40DD-AFC4-6F175D3DCCD1}">
+              <a14:hiddenFill xmlns:a14="http://schemas.microsoft.com/office/drawing/2010/main">
+                <a:solidFill>
+                  <a:srgbClr val="FFFFFF"/>
+                </a:solidFill>
+              </a14:hiddenFill>
+            </a:ext>
+          </a:extLst>
+        </p:spPr>
+      </p:pic>
+      <p:graphicFrame>
+        <p:nvGraphicFramePr>
+          <p:cNvPr id="6" name="Tabella 5"/>
+          <p:cNvGraphicFramePr>
+            <a:graphicFrameLocks noGrp="1"/>
+          </p:cNvGraphicFramePr>
           <p:nvPr>
-            <p:ph idx="1"/>
+            <p:extLst>
+              <p:ext uri="{D42A27DB-BD31-4B8C-83A1-F6EECF244321}">
+                <p14:modId xmlns:p14="http://schemas.microsoft.com/office/powerpoint/2010/main" val="2489012190"/>
+              </p:ext>
+            </p:extLst>
           </p:nvPr>
-        </p:nvSpPr>
-        <p:spPr/>
-        <p:txBody>
-          <a:bodyPr/>
-          <a:lstStyle/>
-          <a:p>
-            <a:endParaRPr lang="en-US"/>
+        </p:nvGraphicFramePr>
+        <p:xfrm>
+          <a:off x="1019615" y="915335"/>
+          <a:ext cx="4697318" cy="2961640"/>
+        </p:xfrm>
+        <a:graphic>
+          <a:graphicData uri="http://schemas.openxmlformats.org/drawingml/2006/table">
+            <a:tbl>
+              <a:tblPr firstRow="1" bandRow="1">
+                <a:tableStyleId>{5C22544A-7EE6-4342-B048-85BDC9FD1C3A}</a:tableStyleId>
+              </a:tblPr>
+              <a:tblGrid>
+                <a:gridCol w="2348659"/>
+                <a:gridCol w="2348659"/>
+              </a:tblGrid>
+              <a:tr h="0">
+                <a:tc>
+                  <a:txBody>
+                    <a:bodyPr/>
+                    <a:lstStyle/>
+                    <a:p>
+                      <a:r>
+                        <a:rPr lang="it-IT" dirty="0" smtClean="0"/>
+                        <a:t>KEY</a:t>
+                      </a:r>
+                      <a:endParaRPr lang="en-US" dirty="0"/>
+                    </a:p>
+                  </a:txBody>
+                  <a:tcPr/>
+                </a:tc>
+                <a:tc>
+                  <a:txBody>
+                    <a:bodyPr/>
+                    <a:lstStyle/>
+                    <a:p>
+                      <a:r>
+                        <a:rPr lang="it-IT" dirty="0" smtClean="0"/>
+                        <a:t>VALUE</a:t>
+                      </a:r>
+                      <a:endParaRPr lang="en-US" dirty="0"/>
+                    </a:p>
+                  </a:txBody>
+                  <a:tcPr/>
+                </a:tc>
+              </a:tr>
+              <a:tr h="370840">
+                <a:tc>
+                  <a:txBody>
+                    <a:bodyPr/>
+                    <a:lstStyle/>
+                    <a:p>
+                      <a:r>
+                        <a:rPr lang="it-IT" dirty="0" smtClean="0"/>
+                        <a:t>Latitudine</a:t>
+                      </a:r>
+                      <a:endParaRPr lang="en-US" dirty="0"/>
+                    </a:p>
+                  </a:txBody>
+                  <a:tcPr/>
+                </a:tc>
+                <a:tc>
+                  <a:txBody>
+                    <a:bodyPr/>
+                    <a:lstStyle/>
+                    <a:p>
+                      <a:r>
+                        <a:rPr lang="it-IT" dirty="0" smtClean="0"/>
+                        <a:t>#########</a:t>
+                      </a:r>
+                      <a:endParaRPr lang="en-US" dirty="0"/>
+                    </a:p>
+                  </a:txBody>
+                  <a:tcPr/>
+                </a:tc>
+              </a:tr>
+              <a:tr h="370840">
+                <a:tc>
+                  <a:txBody>
+                    <a:bodyPr/>
+                    <a:lstStyle/>
+                    <a:p>
+                      <a:r>
+                        <a:rPr lang="it-IT" dirty="0" smtClean="0"/>
+                        <a:t>Longitudine</a:t>
+                      </a:r>
+                      <a:endParaRPr lang="en-US" dirty="0"/>
+                    </a:p>
+                  </a:txBody>
+                  <a:tcPr/>
+                </a:tc>
+                <a:tc>
+                  <a:txBody>
+                    <a:bodyPr/>
+                    <a:lstStyle/>
+                    <a:p>
+                      <a:r>
+                        <a:rPr lang="it-IT" dirty="0" smtClean="0"/>
+                        <a:t>#########</a:t>
+                      </a:r>
+                      <a:endParaRPr lang="en-US" dirty="0"/>
+                    </a:p>
+                  </a:txBody>
+                  <a:tcPr/>
+                </a:tc>
+              </a:tr>
+              <a:tr h="370840">
+                <a:tc>
+                  <a:txBody>
+                    <a:bodyPr/>
+                    <a:lstStyle/>
+                    <a:p>
+                      <a:r>
+                        <a:rPr lang="it-IT" dirty="0" smtClean="0"/>
+                        <a:t>Velocità</a:t>
+                      </a:r>
+                      <a:endParaRPr lang="en-US" dirty="0"/>
+                    </a:p>
+                  </a:txBody>
+                  <a:tcPr/>
+                </a:tc>
+                <a:tc>
+                  <a:txBody>
+                    <a:bodyPr/>
+                    <a:lstStyle/>
+                    <a:p>
+                      <a:r>
+                        <a:rPr lang="it-IT" dirty="0" smtClean="0"/>
+                        <a:t>#########</a:t>
+                      </a:r>
+                      <a:endParaRPr lang="en-US" dirty="0"/>
+                    </a:p>
+                  </a:txBody>
+                  <a:tcPr/>
+                </a:tc>
+              </a:tr>
+              <a:tr h="370840">
+                <a:tc>
+                  <a:txBody>
+                    <a:bodyPr/>
+                    <a:lstStyle/>
+                    <a:p>
+                      <a:r>
+                        <a:rPr lang="it-IT" dirty="0" err="1" smtClean="0"/>
+                        <a:t>Timestamp</a:t>
+                      </a:r>
+                      <a:endParaRPr lang="en-US" dirty="0"/>
+                    </a:p>
+                  </a:txBody>
+                  <a:tcPr/>
+                </a:tc>
+                <a:tc>
+                  <a:txBody>
+                    <a:bodyPr/>
+                    <a:lstStyle/>
+                    <a:p>
+                      <a:pPr marL="0" marR="0" lvl="0" indent="0" algn="l" defTabSz="457200" rtl="0" eaLnBrk="1" fontAlgn="auto" latinLnBrk="0" hangingPunct="1">
+                        <a:lnSpc>
+                          <a:spcPct val="100000"/>
+                        </a:lnSpc>
+                        <a:spcBef>
+                          <a:spcPts val="0"/>
+                        </a:spcBef>
+                        <a:spcAft>
+                          <a:spcPts val="0"/>
+                        </a:spcAft>
+                        <a:buClrTx/>
+                        <a:buSzTx/>
+                        <a:buFontTx/>
+                        <a:buNone/>
+                        <a:tabLst/>
+                        <a:defRPr/>
+                      </a:pPr>
+                      <a:r>
+                        <a:rPr lang="it-IT" dirty="0" smtClean="0"/>
+                        <a:t>#########</a:t>
+                      </a:r>
+                      <a:endParaRPr lang="en-US" dirty="0" smtClean="0"/>
+                    </a:p>
+                  </a:txBody>
+                  <a:tcPr/>
+                </a:tc>
+              </a:tr>
+              <a:tr h="370840">
+                <a:tc>
+                  <a:txBody>
+                    <a:bodyPr/>
+                    <a:lstStyle/>
+                    <a:p>
+                      <a:r>
+                        <a:rPr lang="it-IT" dirty="0" err="1" smtClean="0"/>
+                        <a:t>Timestamp</a:t>
+                      </a:r>
+                      <a:r>
+                        <a:rPr lang="it-IT" baseline="0" dirty="0" smtClean="0"/>
+                        <a:t> </a:t>
+                      </a:r>
+                      <a:r>
+                        <a:rPr lang="it-IT" baseline="0" dirty="0" err="1" smtClean="0"/>
+                        <a:t>Pos</a:t>
+                      </a:r>
+                      <a:endParaRPr lang="en-US" dirty="0"/>
+                    </a:p>
+                  </a:txBody>
+                  <a:tcPr/>
+                </a:tc>
+                <a:tc>
+                  <a:txBody>
+                    <a:bodyPr/>
+                    <a:lstStyle/>
+                    <a:p>
+                      <a:pPr marL="0" marR="0" lvl="0" indent="0" algn="l" defTabSz="457200" rtl="0" eaLnBrk="1" fontAlgn="auto" latinLnBrk="0" hangingPunct="1">
+                        <a:lnSpc>
+                          <a:spcPct val="100000"/>
+                        </a:lnSpc>
+                        <a:spcBef>
+                          <a:spcPts val="0"/>
+                        </a:spcBef>
+                        <a:spcAft>
+                          <a:spcPts val="0"/>
+                        </a:spcAft>
+                        <a:buClrTx/>
+                        <a:buSzTx/>
+                        <a:buFontTx/>
+                        <a:buNone/>
+                        <a:tabLst/>
+                        <a:defRPr/>
+                      </a:pPr>
+                      <a:r>
+                        <a:rPr lang="it-IT" dirty="0" smtClean="0"/>
+                        <a:t>#########</a:t>
+                      </a:r>
+                      <a:endParaRPr lang="en-US" dirty="0" smtClean="0"/>
+                    </a:p>
+                  </a:txBody>
+                  <a:tcPr/>
+                </a:tc>
+              </a:tr>
+              <a:tr h="370840">
+                <a:tc>
+                  <a:txBody>
+                    <a:bodyPr/>
+                    <a:lstStyle/>
+                    <a:p>
+                      <a:r>
+                        <a:rPr lang="it-IT" dirty="0" smtClean="0"/>
+                        <a:t>Accuratezza</a:t>
+                      </a:r>
+                      <a:endParaRPr lang="en-US" dirty="0"/>
+                    </a:p>
+                  </a:txBody>
+                  <a:tcPr/>
+                </a:tc>
+                <a:tc>
+                  <a:txBody>
+                    <a:bodyPr/>
+                    <a:lstStyle/>
+                    <a:p>
+                      <a:pPr marL="0" marR="0" lvl="0" indent="0" algn="l" defTabSz="457200" rtl="0" eaLnBrk="1" fontAlgn="auto" latinLnBrk="0" hangingPunct="1">
+                        <a:lnSpc>
+                          <a:spcPct val="100000"/>
+                        </a:lnSpc>
+                        <a:spcBef>
+                          <a:spcPts val="0"/>
+                        </a:spcBef>
+                        <a:spcAft>
+                          <a:spcPts val="0"/>
+                        </a:spcAft>
+                        <a:buClrTx/>
+                        <a:buSzTx/>
+                        <a:buFontTx/>
+                        <a:buNone/>
+                        <a:tabLst/>
+                        <a:defRPr/>
+                      </a:pPr>
+                      <a:r>
+                        <a:rPr lang="it-IT" dirty="0" smtClean="0"/>
+                        <a:t>#########</a:t>
+                      </a:r>
+                      <a:endParaRPr lang="en-US" dirty="0" smtClean="0"/>
+                    </a:p>
+                  </a:txBody>
+                  <a:tcPr/>
+                </a:tc>
+              </a:tr>
+              <a:tr h="370840">
+                <a:tc>
+                  <a:txBody>
+                    <a:bodyPr/>
+                    <a:lstStyle/>
+                    <a:p>
+                      <a:r>
+                        <a:rPr lang="it-IT" dirty="0" err="1" smtClean="0"/>
+                        <a:t>Bearing</a:t>
+                      </a:r>
+                      <a:endParaRPr lang="en-US" dirty="0"/>
+                    </a:p>
+                  </a:txBody>
+                  <a:tcPr/>
+                </a:tc>
+                <a:tc>
+                  <a:txBody>
+                    <a:bodyPr/>
+                    <a:lstStyle/>
+                    <a:p>
+                      <a:pPr marL="0" marR="0" lvl="0" indent="0" algn="l" defTabSz="457200" rtl="0" eaLnBrk="1" fontAlgn="auto" latinLnBrk="0" hangingPunct="1">
+                        <a:lnSpc>
+                          <a:spcPct val="100000"/>
+                        </a:lnSpc>
+                        <a:spcBef>
+                          <a:spcPts val="0"/>
+                        </a:spcBef>
+                        <a:spcAft>
+                          <a:spcPts val="0"/>
+                        </a:spcAft>
+                        <a:buClrTx/>
+                        <a:buSzTx/>
+                        <a:buFontTx/>
+                        <a:buNone/>
+                        <a:tabLst/>
+                        <a:defRPr/>
+                      </a:pPr>
+                      <a:r>
+                        <a:rPr lang="it-IT" dirty="0" smtClean="0"/>
+                        <a:t>#########</a:t>
+                      </a:r>
+                      <a:endParaRPr lang="en-US" dirty="0" smtClean="0"/>
+                    </a:p>
+                  </a:txBody>
+                  <a:tcPr/>
+                </a:tc>
+              </a:tr>
+            </a:tbl>
+          </a:graphicData>
+        </a:graphic>
+      </p:graphicFrame>
+      <p:sp>
+        <p:nvSpPr>
+          <p:cNvPr id="7" name="CasellaDiTesto 6"/>
+          <p:cNvSpPr txBox="1"/>
+          <p:nvPr/>
+        </p:nvSpPr>
+        <p:spPr>
+          <a:xfrm>
+            <a:off x="6418301" y="560560"/>
+            <a:ext cx="4760686" cy="3416320"/>
+          </a:xfrm>
+          <a:prstGeom prst="rect">
+            <a:avLst/>
+          </a:prstGeom>
+          <a:noFill/>
+        </p:spPr>
+        <p:txBody>
+          <a:bodyPr wrap="square" rtlCol="0">
+            <a:spAutoFit/>
+          </a:bodyPr>
+          <a:lstStyle/>
+          <a:p>
+            <a:r>
+              <a:rPr lang="it-IT" b="1" dirty="0" smtClean="0">
+                <a:solidFill>
+                  <a:schemeClr val="bg2"/>
+                </a:solidFill>
+              </a:rPr>
+              <a:t>INVIO DATI</a:t>
+            </a:r>
+          </a:p>
+          <a:p>
+            <a:endParaRPr lang="it-IT" b="1" dirty="0" smtClean="0">
+              <a:solidFill>
+                <a:schemeClr val="bg2"/>
+              </a:solidFill>
+            </a:endParaRPr>
+          </a:p>
+          <a:p>
+            <a:r>
+              <a:rPr lang="it-IT" dirty="0" smtClean="0"/>
+              <a:t>I dati relativi alla posizione utente vengono inseriti dal suo dispositivo all’interno del record </a:t>
+            </a:r>
+            <a:r>
+              <a:rPr lang="it-IT" dirty="0" err="1" smtClean="0"/>
+              <a:t>sd</a:t>
+            </a:r>
+            <a:r>
+              <a:rPr lang="it-IT" dirty="0"/>
+              <a:t> </a:t>
+            </a:r>
+            <a:r>
+              <a:rPr lang="it-IT" dirty="0" smtClean="0"/>
+              <a:t>ed aggiornati ogni 10 secondi.</a:t>
+            </a:r>
+          </a:p>
+          <a:p>
+            <a:endParaRPr lang="it-IT" dirty="0"/>
+          </a:p>
+          <a:p>
+            <a:r>
+              <a:rPr lang="it-IT" dirty="0" smtClean="0"/>
+              <a:t>Successivamente il veicolo li riceve e li elabora secondo le proprie necessità.</a:t>
+            </a:r>
+          </a:p>
+          <a:p>
+            <a:r>
+              <a:rPr lang="it-IT" dirty="0" smtClean="0"/>
+              <a:t>E’ facile che capiti he un </a:t>
+            </a:r>
+            <a:r>
+              <a:rPr lang="it-IT" u="sng" dirty="0" smtClean="0"/>
+              <a:t>veicolo</a:t>
+            </a:r>
+            <a:r>
+              <a:rPr lang="it-IT" dirty="0" smtClean="0"/>
+              <a:t> riceva anche un aggiornamento dei dati utente.</a:t>
+            </a:r>
           </a:p>
         </p:txBody>
       </p:sp>
@@ -7075,8 +7564,33 @@
                   </a:schemeClr>
                 </a:solidFill>
               </a:rPr>
-              <a:t>BLUET</a:t>
-            </a:r>
+              <a:t>BLUETOOTH</a:t>
+            </a:r>
+          </a:p>
+        </p:txBody>
+      </p:sp>
+      <p:sp>
+        <p:nvSpPr>
+          <p:cNvPr id="6" name="CasellaDiTesto 5"/>
+          <p:cNvSpPr txBox="1"/>
+          <p:nvPr/>
+        </p:nvSpPr>
+        <p:spPr>
+          <a:xfrm>
+            <a:off x="3577767" y="304800"/>
+            <a:ext cx="1944914" cy="400110"/>
+          </a:xfrm>
+          <a:prstGeom prst="rect">
+            <a:avLst/>
+          </a:prstGeom>
+          <a:noFill/>
+        </p:spPr>
+        <p:txBody>
+          <a:bodyPr wrap="square" rtlCol="0">
+            <a:spAutoFit/>
+          </a:bodyPr>
+          <a:lstStyle/>
+          <a:p>
             <a:r>
               <a:rPr lang="it-IT" sz="2000" dirty="0">
                 <a:solidFill>
@@ -7085,7 +7599,42 @@
                   </a:schemeClr>
                 </a:solidFill>
               </a:rPr>
-              <a:t>OOTH</a:t>
+              <a:t>WIFI</a:t>
+            </a:r>
+          </a:p>
+        </p:txBody>
+      </p:sp>
+      <p:sp>
+        <p:nvSpPr>
+          <p:cNvPr id="7" name="CasellaDiTesto 6"/>
+          <p:cNvSpPr txBox="1"/>
+          <p:nvPr/>
+        </p:nvSpPr>
+        <p:spPr>
+          <a:xfrm>
+            <a:off x="6081486" y="274022"/>
+            <a:ext cx="1944914" cy="400110"/>
+          </a:xfrm>
+          <a:prstGeom prst="rect">
+            <a:avLst/>
+          </a:prstGeom>
+          <a:noFill/>
+        </p:spPr>
+        <p:txBody>
+          <a:bodyPr wrap="square" rtlCol="0">
+            <a:spAutoFit/>
+          </a:bodyPr>
+          <a:lstStyle/>
+          <a:p>
+            <a:r>
+              <a:rPr lang="it-IT" sz="2000" dirty="0" smtClean="0">
+                <a:solidFill>
+                  <a:schemeClr val="bg2">
+                    <a:lumMod val="75000"/>
+                  </a:schemeClr>
+                </a:solidFill>
+              </a:rPr>
+              <a:t>LTE</a:t>
             </a:r>
             <a:endParaRPr lang="it-IT" sz="2000" dirty="0">
               <a:solidFill>
@@ -7099,13 +7648,13 @@
       </p:sp>
       <p:sp>
         <p:nvSpPr>
-          <p:cNvPr id="6" name="CasellaDiTesto 5"/>
+          <p:cNvPr id="8" name="CasellaDiTesto 7"/>
           <p:cNvSpPr txBox="1"/>
           <p:nvPr/>
         </p:nvSpPr>
         <p:spPr>
           <a:xfrm>
-            <a:off x="3577767" y="304800"/>
+            <a:off x="8621477" y="304800"/>
             <a:ext cx="1944914" cy="400110"/>
           </a:xfrm>
           <a:prstGeom prst="rect">
@@ -7127,99 +7676,8 @@
                   </a:schemeClr>
                 </a:solidFill>
               </a:rPr>
-              <a:t>WIFI</a:t>
-            </a:r>
-            <a:endParaRPr lang="it-IT" sz="2000" dirty="0">
-              <a:solidFill>
-                <a:schemeClr val="bg2">
-                  <a:lumMod val="75000"/>
-                </a:schemeClr>
-              </a:solidFill>
-            </a:endParaRPr>
-          </a:p>
-        </p:txBody>
-      </p:sp>
-      <p:sp>
-        <p:nvSpPr>
-          <p:cNvPr id="7" name="CasellaDiTesto 6"/>
-          <p:cNvSpPr txBox="1"/>
-          <p:nvPr/>
-        </p:nvSpPr>
-        <p:spPr>
-          <a:xfrm>
-            <a:off x="6081486" y="274022"/>
-            <a:ext cx="1944914" cy="400110"/>
-          </a:xfrm>
-          <a:prstGeom prst="rect">
-            <a:avLst/>
-          </a:prstGeom>
-          <a:noFill/>
-        </p:spPr>
-        <p:txBody>
-          <a:bodyPr wrap="square" rtlCol="0">
-            <a:spAutoFit/>
-          </a:bodyPr>
-          <a:lstStyle/>
-          <a:p>
-            <a:r>
-              <a:rPr lang="it-IT" sz="2000" dirty="0" smtClean="0">
-                <a:solidFill>
-                  <a:schemeClr val="bg2">
-                    <a:lumMod val="75000"/>
-                  </a:schemeClr>
-                </a:solidFill>
-              </a:rPr>
-              <a:t>LTE</a:t>
-            </a:r>
-            <a:endParaRPr lang="it-IT" sz="2000" dirty="0">
-              <a:solidFill>
-                <a:schemeClr val="bg2">
-                  <a:lumMod val="75000"/>
-                </a:schemeClr>
-              </a:solidFill>
-            </a:endParaRPr>
-          </a:p>
-        </p:txBody>
-      </p:sp>
-      <p:sp>
-        <p:nvSpPr>
-          <p:cNvPr id="8" name="CasellaDiTesto 7"/>
-          <p:cNvSpPr txBox="1"/>
-          <p:nvPr/>
-        </p:nvSpPr>
-        <p:spPr>
-          <a:xfrm>
-            <a:off x="8621477" y="304800"/>
-            <a:ext cx="1944914" cy="400110"/>
-          </a:xfrm>
-          <a:prstGeom prst="rect">
-            <a:avLst/>
-          </a:prstGeom>
-          <a:noFill/>
-        </p:spPr>
-        <p:txBody>
-          <a:bodyPr wrap="square" rtlCol="0">
-            <a:spAutoFit/>
-          </a:bodyPr>
-          <a:lstStyle/>
-          <a:p>
-            <a:r>
-              <a:rPr lang="it-IT" sz="2000" dirty="0">
-                <a:solidFill>
-                  <a:schemeClr val="bg2">
-                    <a:lumMod val="75000"/>
-                  </a:schemeClr>
-                </a:solidFill>
-              </a:rPr>
               <a:t>WIFI P2P</a:t>
             </a:r>
-            <a:endParaRPr lang="it-IT" sz="2000" dirty="0">
-              <a:solidFill>
-                <a:schemeClr val="bg2">
-                  <a:lumMod val="75000"/>
-                </a:schemeClr>
-              </a:solidFill>
-            </a:endParaRPr>
           </a:p>
         </p:txBody>
       </p:sp>
@@ -7477,8 +7935,33 @@
                   </a:schemeClr>
                 </a:solidFill>
               </a:rPr>
-              <a:t>BLUET</a:t>
-            </a:r>
+              <a:t>BLUETOOTH</a:t>
+            </a:r>
+          </a:p>
+        </p:txBody>
+      </p:sp>
+      <p:sp>
+        <p:nvSpPr>
+          <p:cNvPr id="7" name="CasellaDiTesto 6"/>
+          <p:cNvSpPr txBox="1"/>
+          <p:nvPr/>
+        </p:nvSpPr>
+        <p:spPr>
+          <a:xfrm>
+            <a:off x="3577767" y="304800"/>
+            <a:ext cx="1944914" cy="400110"/>
+          </a:xfrm>
+          <a:prstGeom prst="rect">
+            <a:avLst/>
+          </a:prstGeom>
+          <a:noFill/>
+        </p:spPr>
+        <p:txBody>
+          <a:bodyPr wrap="square" rtlCol="0">
+            <a:spAutoFit/>
+          </a:bodyPr>
+          <a:lstStyle/>
+          <a:p>
             <a:r>
               <a:rPr lang="it-IT" sz="2000" dirty="0">
                 <a:solidFill>
@@ -7487,7 +7970,42 @@
                   </a:schemeClr>
                 </a:solidFill>
               </a:rPr>
-              <a:t>OOTH</a:t>
+              <a:t>WIFI</a:t>
+            </a:r>
+          </a:p>
+        </p:txBody>
+      </p:sp>
+      <p:sp>
+        <p:nvSpPr>
+          <p:cNvPr id="8" name="CasellaDiTesto 7"/>
+          <p:cNvSpPr txBox="1"/>
+          <p:nvPr/>
+        </p:nvSpPr>
+        <p:spPr>
+          <a:xfrm>
+            <a:off x="6081486" y="274022"/>
+            <a:ext cx="1944914" cy="400110"/>
+          </a:xfrm>
+          <a:prstGeom prst="rect">
+            <a:avLst/>
+          </a:prstGeom>
+          <a:noFill/>
+        </p:spPr>
+        <p:txBody>
+          <a:bodyPr wrap="square" rtlCol="0">
+            <a:spAutoFit/>
+          </a:bodyPr>
+          <a:lstStyle/>
+          <a:p>
+            <a:r>
+              <a:rPr lang="it-IT" sz="2000" dirty="0" smtClean="0">
+                <a:solidFill>
+                  <a:schemeClr val="bg2">
+                    <a:lumMod val="75000"/>
+                  </a:schemeClr>
+                </a:solidFill>
+              </a:rPr>
+              <a:t>LTE</a:t>
             </a:r>
             <a:endParaRPr lang="it-IT" sz="2000" dirty="0">
               <a:solidFill>
@@ -7501,13 +8019,13 @@
       </p:sp>
       <p:sp>
         <p:nvSpPr>
-          <p:cNvPr id="7" name="CasellaDiTesto 6"/>
+          <p:cNvPr id="9" name="CasellaDiTesto 8"/>
           <p:cNvSpPr txBox="1"/>
           <p:nvPr/>
         </p:nvSpPr>
         <p:spPr>
           <a:xfrm>
-            <a:off x="3577767" y="304800"/>
+            <a:off x="8621477" y="304800"/>
             <a:ext cx="1944914" cy="400110"/>
           </a:xfrm>
           <a:prstGeom prst="rect">
@@ -7529,99 +8047,8 @@
                   </a:schemeClr>
                 </a:solidFill>
               </a:rPr>
-              <a:t>WIFI</a:t>
-            </a:r>
-            <a:endParaRPr lang="it-IT" sz="2000" dirty="0">
-              <a:solidFill>
-                <a:schemeClr val="bg2">
-                  <a:lumMod val="75000"/>
-                </a:schemeClr>
-              </a:solidFill>
-            </a:endParaRPr>
-          </a:p>
-        </p:txBody>
-      </p:sp>
-      <p:sp>
-        <p:nvSpPr>
-          <p:cNvPr id="8" name="CasellaDiTesto 7"/>
-          <p:cNvSpPr txBox="1"/>
-          <p:nvPr/>
-        </p:nvSpPr>
-        <p:spPr>
-          <a:xfrm>
-            <a:off x="6081486" y="274022"/>
-            <a:ext cx="1944914" cy="400110"/>
-          </a:xfrm>
-          <a:prstGeom prst="rect">
-            <a:avLst/>
-          </a:prstGeom>
-          <a:noFill/>
-        </p:spPr>
-        <p:txBody>
-          <a:bodyPr wrap="square" rtlCol="0">
-            <a:spAutoFit/>
-          </a:bodyPr>
-          <a:lstStyle/>
-          <a:p>
-            <a:r>
-              <a:rPr lang="it-IT" sz="2000" dirty="0" smtClean="0">
-                <a:solidFill>
-                  <a:schemeClr val="bg2">
-                    <a:lumMod val="75000"/>
-                  </a:schemeClr>
-                </a:solidFill>
-              </a:rPr>
-              <a:t>LTE</a:t>
-            </a:r>
-            <a:endParaRPr lang="it-IT" sz="2000" dirty="0">
-              <a:solidFill>
-                <a:schemeClr val="bg2">
-                  <a:lumMod val="75000"/>
-                </a:schemeClr>
-              </a:solidFill>
-            </a:endParaRPr>
-          </a:p>
-        </p:txBody>
-      </p:sp>
-      <p:sp>
-        <p:nvSpPr>
-          <p:cNvPr id="9" name="CasellaDiTesto 8"/>
-          <p:cNvSpPr txBox="1"/>
-          <p:nvPr/>
-        </p:nvSpPr>
-        <p:spPr>
-          <a:xfrm>
-            <a:off x="8621477" y="304800"/>
-            <a:ext cx="1944914" cy="400110"/>
-          </a:xfrm>
-          <a:prstGeom prst="rect">
-            <a:avLst/>
-          </a:prstGeom>
-          <a:noFill/>
-        </p:spPr>
-        <p:txBody>
-          <a:bodyPr wrap="square" rtlCol="0">
-            <a:spAutoFit/>
-          </a:bodyPr>
-          <a:lstStyle/>
-          <a:p>
-            <a:r>
-              <a:rPr lang="it-IT" sz="2000" dirty="0">
-                <a:solidFill>
-                  <a:schemeClr val="bg2">
-                    <a:lumMod val="75000"/>
-                  </a:schemeClr>
-                </a:solidFill>
-              </a:rPr>
               <a:t>WIFI P2P</a:t>
             </a:r>
-            <a:endParaRPr lang="it-IT" sz="2000" dirty="0">
-              <a:solidFill>
-                <a:schemeClr val="bg2">
-                  <a:lumMod val="75000"/>
-                </a:schemeClr>
-              </a:solidFill>
-            </a:endParaRPr>
           </a:p>
         </p:txBody>
       </p:sp>
@@ -8127,8 +8554,33 @@
                   </a:schemeClr>
                 </a:solidFill>
               </a:rPr>
-              <a:t>BLUET</a:t>
-            </a:r>
+              <a:t>BLUETOOTH</a:t>
+            </a:r>
+          </a:p>
+        </p:txBody>
+      </p:sp>
+      <p:sp>
+        <p:nvSpPr>
+          <p:cNvPr id="7" name="CasellaDiTesto 6"/>
+          <p:cNvSpPr txBox="1"/>
+          <p:nvPr/>
+        </p:nvSpPr>
+        <p:spPr>
+          <a:xfrm>
+            <a:off x="3577767" y="304800"/>
+            <a:ext cx="1944914" cy="400110"/>
+          </a:xfrm>
+          <a:prstGeom prst="rect">
+            <a:avLst/>
+          </a:prstGeom>
+          <a:noFill/>
+        </p:spPr>
+        <p:txBody>
+          <a:bodyPr wrap="square" rtlCol="0">
+            <a:spAutoFit/>
+          </a:bodyPr>
+          <a:lstStyle/>
+          <a:p>
             <a:r>
               <a:rPr lang="it-IT" sz="2000" dirty="0">
                 <a:solidFill>
@@ -8137,7 +8589,42 @@
                   </a:schemeClr>
                 </a:solidFill>
               </a:rPr>
-              <a:t>OOTH</a:t>
+              <a:t>WIFI</a:t>
+            </a:r>
+          </a:p>
+        </p:txBody>
+      </p:sp>
+      <p:sp>
+        <p:nvSpPr>
+          <p:cNvPr id="8" name="CasellaDiTesto 7"/>
+          <p:cNvSpPr txBox="1"/>
+          <p:nvPr/>
+        </p:nvSpPr>
+        <p:spPr>
+          <a:xfrm>
+            <a:off x="6081486" y="274022"/>
+            <a:ext cx="1944914" cy="400110"/>
+          </a:xfrm>
+          <a:prstGeom prst="rect">
+            <a:avLst/>
+          </a:prstGeom>
+          <a:noFill/>
+        </p:spPr>
+        <p:txBody>
+          <a:bodyPr wrap="square" rtlCol="0">
+            <a:spAutoFit/>
+          </a:bodyPr>
+          <a:lstStyle/>
+          <a:p>
+            <a:r>
+              <a:rPr lang="it-IT" sz="2000" dirty="0" smtClean="0">
+                <a:solidFill>
+                  <a:schemeClr val="bg2">
+                    <a:lumMod val="75000"/>
+                  </a:schemeClr>
+                </a:solidFill>
+              </a:rPr>
+              <a:t>LTE</a:t>
             </a:r>
             <a:endParaRPr lang="it-IT" sz="2000" dirty="0">
               <a:solidFill>
@@ -8151,13 +8638,13 @@
       </p:sp>
       <p:sp>
         <p:nvSpPr>
-          <p:cNvPr id="7" name="CasellaDiTesto 6"/>
+          <p:cNvPr id="9" name="CasellaDiTesto 8"/>
           <p:cNvSpPr txBox="1"/>
           <p:nvPr/>
         </p:nvSpPr>
         <p:spPr>
           <a:xfrm>
-            <a:off x="3577767" y="304800"/>
+            <a:off x="8621477" y="304800"/>
             <a:ext cx="1944914" cy="400110"/>
           </a:xfrm>
           <a:prstGeom prst="rect">
@@ -8179,99 +8666,8 @@
                   </a:schemeClr>
                 </a:solidFill>
               </a:rPr>
-              <a:t>WIFI</a:t>
-            </a:r>
-            <a:endParaRPr lang="it-IT" sz="2000" dirty="0">
-              <a:solidFill>
-                <a:schemeClr val="bg2">
-                  <a:lumMod val="75000"/>
-                </a:schemeClr>
-              </a:solidFill>
-            </a:endParaRPr>
-          </a:p>
-        </p:txBody>
-      </p:sp>
-      <p:sp>
-        <p:nvSpPr>
-          <p:cNvPr id="8" name="CasellaDiTesto 7"/>
-          <p:cNvSpPr txBox="1"/>
-          <p:nvPr/>
-        </p:nvSpPr>
-        <p:spPr>
-          <a:xfrm>
-            <a:off x="6081486" y="274022"/>
-            <a:ext cx="1944914" cy="400110"/>
-          </a:xfrm>
-          <a:prstGeom prst="rect">
-            <a:avLst/>
-          </a:prstGeom>
-          <a:noFill/>
-        </p:spPr>
-        <p:txBody>
-          <a:bodyPr wrap="square" rtlCol="0">
-            <a:spAutoFit/>
-          </a:bodyPr>
-          <a:lstStyle/>
-          <a:p>
-            <a:r>
-              <a:rPr lang="it-IT" sz="2000" dirty="0" smtClean="0">
-                <a:solidFill>
-                  <a:schemeClr val="bg2">
-                    <a:lumMod val="75000"/>
-                  </a:schemeClr>
-                </a:solidFill>
-              </a:rPr>
-              <a:t>LTE</a:t>
-            </a:r>
-            <a:endParaRPr lang="it-IT" sz="2000" dirty="0">
-              <a:solidFill>
-                <a:schemeClr val="bg2">
-                  <a:lumMod val="75000"/>
-                </a:schemeClr>
-              </a:solidFill>
-            </a:endParaRPr>
-          </a:p>
-        </p:txBody>
-      </p:sp>
-      <p:sp>
-        <p:nvSpPr>
-          <p:cNvPr id="9" name="CasellaDiTesto 8"/>
-          <p:cNvSpPr txBox="1"/>
-          <p:nvPr/>
-        </p:nvSpPr>
-        <p:spPr>
-          <a:xfrm>
-            <a:off x="8621477" y="304800"/>
-            <a:ext cx="1944914" cy="400110"/>
-          </a:xfrm>
-          <a:prstGeom prst="rect">
-            <a:avLst/>
-          </a:prstGeom>
-          <a:noFill/>
-        </p:spPr>
-        <p:txBody>
-          <a:bodyPr wrap="square" rtlCol="0">
-            <a:spAutoFit/>
-          </a:bodyPr>
-          <a:lstStyle/>
-          <a:p>
-            <a:r>
-              <a:rPr lang="it-IT" sz="2000" dirty="0">
-                <a:solidFill>
-                  <a:schemeClr val="bg2">
-                    <a:lumMod val="75000"/>
-                  </a:schemeClr>
-                </a:solidFill>
-              </a:rPr>
               <a:t>WIFI P2P</a:t>
             </a:r>
-            <a:endParaRPr lang="it-IT" sz="2000" dirty="0">
-              <a:solidFill>
-                <a:schemeClr val="bg2">
-                  <a:lumMod val="75000"/>
-                </a:schemeClr>
-              </a:solidFill>
-            </a:endParaRPr>
           </a:p>
         </p:txBody>
       </p:sp>
@@ -11292,7 +11688,7 @@
   <a:extraClrSchemeLst/>
   <a:extLst>
     <a:ext uri="{05A4C25C-085E-4340-85A3-A5531E510DB2}">
-      <thm15:themeFamily xmlns:thm15="http://schemas.microsoft.com/office/thememl/2012/main" xmlns="" name="Slice" id="{0507925B-6AC9-4358-8E18-C330545D08F8}" vid="{13FEC7C6-62A9-40C4-99D2-581AACACAA2F}"/>
+      <thm15:themeFamily xmlns:thm15="http://schemas.microsoft.com/office/thememl/2012/main" name="Slice" id="{0507925B-6AC9-4358-8E18-C330545D08F8}" vid="{13FEC7C6-62A9-40C4-99D2-581AACACAA2F}"/>
     </a:ext>
   </a:extLst>
 </a:theme>
